--- a/ppt/002 - Classes and objects.pptx
+++ b/ppt/002 - Classes and objects.pptx
@@ -4,19 +4,23 @@
   <p:sldMasterIdLst>
     <p:sldMasterId id="2147483648" r:id="rId1"/>
   </p:sldMasterIdLst>
+  <p:notesMasterIdLst>
+    <p:notesMasterId r:id="rId15"/>
+  </p:notesMasterIdLst>
   <p:sldIdLst>
     <p:sldId id="280" r:id="rId2"/>
     <p:sldId id="258" r:id="rId3"/>
-    <p:sldId id="281" r:id="rId4"/>
-    <p:sldId id="272" r:id="rId5"/>
-    <p:sldId id="267" r:id="rId6"/>
-    <p:sldId id="269" r:id="rId7"/>
-    <p:sldId id="271" r:id="rId8"/>
-    <p:sldId id="274" r:id="rId9"/>
-    <p:sldId id="275" r:id="rId10"/>
-    <p:sldId id="276" r:id="rId11"/>
-    <p:sldId id="273" r:id="rId12"/>
-    <p:sldId id="282" r:id="rId13"/>
+    <p:sldId id="331" r:id="rId4"/>
+    <p:sldId id="281" r:id="rId5"/>
+    <p:sldId id="272" r:id="rId6"/>
+    <p:sldId id="267" r:id="rId7"/>
+    <p:sldId id="269" r:id="rId8"/>
+    <p:sldId id="271" r:id="rId9"/>
+    <p:sldId id="274" r:id="rId10"/>
+    <p:sldId id="275" r:id="rId11"/>
+    <p:sldId id="276" r:id="rId12"/>
+    <p:sldId id="273" r:id="rId13"/>
+    <p:sldId id="282" r:id="rId14"/>
   </p:sldIdLst>
   <p:sldSz cx="12192000" cy="6858000"/>
   <p:notesSz cx="6858000" cy="9144000"/>
@@ -134,6 +138,455 @@
 </p:presentation>
 </file>
 
+<file path=ppt/notesMasters/notesMaster1.xml><?xml version="1.0" encoding="utf-8"?>
+<p:notesMaster xmlns:a="http://schemas.openxmlformats.org/drawingml/2006/main" xmlns:r="http://schemas.openxmlformats.org/officeDocument/2006/relationships" xmlns:p="http://schemas.openxmlformats.org/presentationml/2006/main">
+  <p:cSld>
+    <p:bg>
+      <p:bgRef idx="1001">
+        <a:schemeClr val="bg1"/>
+      </p:bgRef>
+    </p:bg>
+    <p:spTree>
+      <p:nvGrpSpPr>
+        <p:cNvPr id="1" name=""/>
+        <p:cNvGrpSpPr/>
+        <p:nvPr/>
+      </p:nvGrpSpPr>
+      <p:grpSpPr>
+        <a:xfrm>
+          <a:off x="0" y="0"/>
+          <a:ext cx="0" cy="0"/>
+          <a:chOff x="0" y="0"/>
+          <a:chExt cx="0" cy="0"/>
+        </a:xfrm>
+      </p:grpSpPr>
+      <p:sp>
+        <p:nvSpPr>
+          <p:cNvPr id="2" name="Header Placeholder 1"/>
+          <p:cNvSpPr>
+            <a:spLocks noGrp="1"/>
+          </p:cNvSpPr>
+          <p:nvPr>
+            <p:ph type="hdr" sz="quarter"/>
+          </p:nvPr>
+        </p:nvSpPr>
+        <p:spPr>
+          <a:xfrm>
+            <a:off x="0" y="0"/>
+            <a:ext cx="2971800" cy="458788"/>
+          </a:xfrm>
+          <a:prstGeom prst="rect">
+            <a:avLst/>
+          </a:prstGeom>
+        </p:spPr>
+        <p:txBody>
+          <a:bodyPr vert="horz" lIns="91440" tIns="45720" rIns="91440" bIns="45720" rtlCol="0"/>
+          <a:lstStyle>
+            <a:lvl1pPr algn="l">
+              <a:defRPr sz="1200"/>
+            </a:lvl1pPr>
+          </a:lstStyle>
+          <a:p>
+            <a:endParaRPr lang="en-US"/>
+          </a:p>
+        </p:txBody>
+      </p:sp>
+      <p:sp>
+        <p:nvSpPr>
+          <p:cNvPr id="3" name="Date Placeholder 2"/>
+          <p:cNvSpPr>
+            <a:spLocks noGrp="1"/>
+          </p:cNvSpPr>
+          <p:nvPr>
+            <p:ph type="dt" idx="1"/>
+          </p:nvPr>
+        </p:nvSpPr>
+        <p:spPr>
+          <a:xfrm>
+            <a:off x="3884613" y="0"/>
+            <a:ext cx="2971800" cy="458788"/>
+          </a:xfrm>
+          <a:prstGeom prst="rect">
+            <a:avLst/>
+          </a:prstGeom>
+        </p:spPr>
+        <p:txBody>
+          <a:bodyPr vert="horz" lIns="91440" tIns="45720" rIns="91440" bIns="45720" rtlCol="0"/>
+          <a:lstStyle>
+            <a:lvl1pPr algn="r">
+              <a:defRPr sz="1200"/>
+            </a:lvl1pPr>
+          </a:lstStyle>
+          <a:p>
+            <a:fld id="{609046C5-8B62-9A46-B775-405EA9492B19}" type="datetimeFigureOut">
+              <a:rPr lang="en-US" smtClean="0"/>
+              <a:t>7/24/20</a:t>
+            </a:fld>
+            <a:endParaRPr lang="en-US"/>
+          </a:p>
+        </p:txBody>
+      </p:sp>
+      <p:sp>
+        <p:nvSpPr>
+          <p:cNvPr id="4" name="Slide Image Placeholder 3"/>
+          <p:cNvSpPr>
+            <a:spLocks noGrp="1" noRot="1" noChangeAspect="1"/>
+          </p:cNvSpPr>
+          <p:nvPr>
+            <p:ph type="sldImg" idx="2"/>
+          </p:nvPr>
+        </p:nvSpPr>
+        <p:spPr>
+          <a:xfrm>
+            <a:off x="685800" y="1143000"/>
+            <a:ext cx="5486400" cy="3086100"/>
+          </a:xfrm>
+          <a:prstGeom prst="rect">
+            <a:avLst/>
+          </a:prstGeom>
+          <a:noFill/>
+          <a:ln w="12700">
+            <a:solidFill>
+              <a:prstClr val="black"/>
+            </a:solidFill>
+          </a:ln>
+        </p:spPr>
+        <p:txBody>
+          <a:bodyPr vert="horz" lIns="91440" tIns="45720" rIns="91440" bIns="45720" rtlCol="0" anchor="ctr"/>
+          <a:lstStyle/>
+          <a:p>
+            <a:endParaRPr lang="en-US"/>
+          </a:p>
+        </p:txBody>
+      </p:sp>
+      <p:sp>
+        <p:nvSpPr>
+          <p:cNvPr id="5" name="Notes Placeholder 4"/>
+          <p:cNvSpPr>
+            <a:spLocks noGrp="1"/>
+          </p:cNvSpPr>
+          <p:nvPr>
+            <p:ph type="body" sz="quarter" idx="3"/>
+          </p:nvPr>
+        </p:nvSpPr>
+        <p:spPr>
+          <a:xfrm>
+            <a:off x="685800" y="4400550"/>
+            <a:ext cx="5486400" cy="3600450"/>
+          </a:xfrm>
+          <a:prstGeom prst="rect">
+            <a:avLst/>
+          </a:prstGeom>
+        </p:spPr>
+        <p:txBody>
+          <a:bodyPr vert="horz" lIns="91440" tIns="45720" rIns="91440" bIns="45720" rtlCol="0"/>
+          <a:lstStyle/>
+          <a:p>
+            <a:pPr lvl="0"/>
+            <a:r>
+              <a:rPr lang="en-GB"/>
+              <a:t>Click to edit Master text styles</a:t>
+            </a:r>
+          </a:p>
+          <a:p>
+            <a:pPr lvl="1"/>
+            <a:r>
+              <a:rPr lang="en-GB"/>
+              <a:t>Second level</a:t>
+            </a:r>
+          </a:p>
+          <a:p>
+            <a:pPr lvl="2"/>
+            <a:r>
+              <a:rPr lang="en-GB"/>
+              <a:t>Third level</a:t>
+            </a:r>
+          </a:p>
+          <a:p>
+            <a:pPr lvl="3"/>
+            <a:r>
+              <a:rPr lang="en-GB"/>
+              <a:t>Fourth level</a:t>
+            </a:r>
+          </a:p>
+          <a:p>
+            <a:pPr lvl="4"/>
+            <a:r>
+              <a:rPr lang="en-GB"/>
+              <a:t>Fifth level</a:t>
+            </a:r>
+            <a:endParaRPr lang="en-US"/>
+          </a:p>
+        </p:txBody>
+      </p:sp>
+      <p:sp>
+        <p:nvSpPr>
+          <p:cNvPr id="6" name="Footer Placeholder 5"/>
+          <p:cNvSpPr>
+            <a:spLocks noGrp="1"/>
+          </p:cNvSpPr>
+          <p:nvPr>
+            <p:ph type="ftr" sz="quarter" idx="4"/>
+          </p:nvPr>
+        </p:nvSpPr>
+        <p:spPr>
+          <a:xfrm>
+            <a:off x="0" y="8685213"/>
+            <a:ext cx="2971800" cy="458787"/>
+          </a:xfrm>
+          <a:prstGeom prst="rect">
+            <a:avLst/>
+          </a:prstGeom>
+        </p:spPr>
+        <p:txBody>
+          <a:bodyPr vert="horz" lIns="91440" tIns="45720" rIns="91440" bIns="45720" rtlCol="0" anchor="b"/>
+          <a:lstStyle>
+            <a:lvl1pPr algn="l">
+              <a:defRPr sz="1200"/>
+            </a:lvl1pPr>
+          </a:lstStyle>
+          <a:p>
+            <a:endParaRPr lang="en-US"/>
+          </a:p>
+        </p:txBody>
+      </p:sp>
+      <p:sp>
+        <p:nvSpPr>
+          <p:cNvPr id="7" name="Slide Number Placeholder 6"/>
+          <p:cNvSpPr>
+            <a:spLocks noGrp="1"/>
+          </p:cNvSpPr>
+          <p:nvPr>
+            <p:ph type="sldNum" sz="quarter" idx="5"/>
+          </p:nvPr>
+        </p:nvSpPr>
+        <p:spPr>
+          <a:xfrm>
+            <a:off x="3884613" y="8685213"/>
+            <a:ext cx="2971800" cy="458787"/>
+          </a:xfrm>
+          <a:prstGeom prst="rect">
+            <a:avLst/>
+          </a:prstGeom>
+        </p:spPr>
+        <p:txBody>
+          <a:bodyPr vert="horz" lIns="91440" tIns="45720" rIns="91440" bIns="45720" rtlCol="0" anchor="b"/>
+          <a:lstStyle>
+            <a:lvl1pPr algn="r">
+              <a:defRPr sz="1200"/>
+            </a:lvl1pPr>
+          </a:lstStyle>
+          <a:p>
+            <a:fld id="{F12A09E5-71B2-0E4C-AF5D-640044AE99CA}" type="slidenum">
+              <a:rPr lang="en-US" smtClean="0"/>
+              <a:t>‹#›</a:t>
+            </a:fld>
+            <a:endParaRPr lang="en-US"/>
+          </a:p>
+        </p:txBody>
+      </p:sp>
+    </p:spTree>
+    <p:extLst>
+      <p:ext uri="{BB962C8B-B14F-4D97-AF65-F5344CB8AC3E}">
+        <p14:creationId xmlns:p14="http://schemas.microsoft.com/office/powerpoint/2010/main" val="3843123015"/>
+      </p:ext>
+    </p:extLst>
+  </p:cSld>
+  <p:clrMap bg1="lt1" tx1="dk1" bg2="lt2" tx2="dk2" accent1="accent1" accent2="accent2" accent3="accent3" accent4="accent4" accent5="accent5" accent6="accent6" hlink="hlink" folHlink="folHlink"/>
+  <p:notesStyle>
+    <a:lvl1pPr marL="0" algn="l" defTabSz="914400" rtl="0" eaLnBrk="1" latinLnBrk="0" hangingPunct="1">
+      <a:defRPr sz="1200" kern="1200">
+        <a:solidFill>
+          <a:schemeClr val="tx1"/>
+        </a:solidFill>
+        <a:latin typeface="+mn-lt"/>
+        <a:ea typeface="+mn-ea"/>
+        <a:cs typeface="+mn-cs"/>
+      </a:defRPr>
+    </a:lvl1pPr>
+    <a:lvl2pPr marL="457200" algn="l" defTabSz="914400" rtl="0" eaLnBrk="1" latinLnBrk="0" hangingPunct="1">
+      <a:defRPr sz="1200" kern="1200">
+        <a:solidFill>
+          <a:schemeClr val="tx1"/>
+        </a:solidFill>
+        <a:latin typeface="+mn-lt"/>
+        <a:ea typeface="+mn-ea"/>
+        <a:cs typeface="+mn-cs"/>
+      </a:defRPr>
+    </a:lvl2pPr>
+    <a:lvl3pPr marL="914400" algn="l" defTabSz="914400" rtl="0" eaLnBrk="1" latinLnBrk="0" hangingPunct="1">
+      <a:defRPr sz="1200" kern="1200">
+        <a:solidFill>
+          <a:schemeClr val="tx1"/>
+        </a:solidFill>
+        <a:latin typeface="+mn-lt"/>
+        <a:ea typeface="+mn-ea"/>
+        <a:cs typeface="+mn-cs"/>
+      </a:defRPr>
+    </a:lvl3pPr>
+    <a:lvl4pPr marL="1371600" algn="l" defTabSz="914400" rtl="0" eaLnBrk="1" latinLnBrk="0" hangingPunct="1">
+      <a:defRPr sz="1200" kern="1200">
+        <a:solidFill>
+          <a:schemeClr val="tx1"/>
+        </a:solidFill>
+        <a:latin typeface="+mn-lt"/>
+        <a:ea typeface="+mn-ea"/>
+        <a:cs typeface="+mn-cs"/>
+      </a:defRPr>
+    </a:lvl4pPr>
+    <a:lvl5pPr marL="1828800" algn="l" defTabSz="914400" rtl="0" eaLnBrk="1" latinLnBrk="0" hangingPunct="1">
+      <a:defRPr sz="1200" kern="1200">
+        <a:solidFill>
+          <a:schemeClr val="tx1"/>
+        </a:solidFill>
+        <a:latin typeface="+mn-lt"/>
+        <a:ea typeface="+mn-ea"/>
+        <a:cs typeface="+mn-cs"/>
+      </a:defRPr>
+    </a:lvl5pPr>
+    <a:lvl6pPr marL="2286000" algn="l" defTabSz="914400" rtl="0" eaLnBrk="1" latinLnBrk="0" hangingPunct="1">
+      <a:defRPr sz="1200" kern="1200">
+        <a:solidFill>
+          <a:schemeClr val="tx1"/>
+        </a:solidFill>
+        <a:latin typeface="+mn-lt"/>
+        <a:ea typeface="+mn-ea"/>
+        <a:cs typeface="+mn-cs"/>
+      </a:defRPr>
+    </a:lvl6pPr>
+    <a:lvl7pPr marL="2743200" algn="l" defTabSz="914400" rtl="0" eaLnBrk="1" latinLnBrk="0" hangingPunct="1">
+      <a:defRPr sz="1200" kern="1200">
+        <a:solidFill>
+          <a:schemeClr val="tx1"/>
+        </a:solidFill>
+        <a:latin typeface="+mn-lt"/>
+        <a:ea typeface="+mn-ea"/>
+        <a:cs typeface="+mn-cs"/>
+      </a:defRPr>
+    </a:lvl7pPr>
+    <a:lvl8pPr marL="3200400" algn="l" defTabSz="914400" rtl="0" eaLnBrk="1" latinLnBrk="0" hangingPunct="1">
+      <a:defRPr sz="1200" kern="1200">
+        <a:solidFill>
+          <a:schemeClr val="tx1"/>
+        </a:solidFill>
+        <a:latin typeface="+mn-lt"/>
+        <a:ea typeface="+mn-ea"/>
+        <a:cs typeface="+mn-cs"/>
+      </a:defRPr>
+    </a:lvl8pPr>
+    <a:lvl9pPr marL="3657600" algn="l" defTabSz="914400" rtl="0" eaLnBrk="1" latinLnBrk="0" hangingPunct="1">
+      <a:defRPr sz="1200" kern="1200">
+        <a:solidFill>
+          <a:schemeClr val="tx1"/>
+        </a:solidFill>
+        <a:latin typeface="+mn-lt"/>
+        <a:ea typeface="+mn-ea"/>
+        <a:cs typeface="+mn-cs"/>
+      </a:defRPr>
+    </a:lvl9pPr>
+  </p:notesStyle>
+</p:notesMaster>
+</file>
+
+<file path=ppt/notesSlides/notesSlide1.xml><?xml version="1.0" encoding="utf-8"?>
+<p:notes xmlns:a="http://schemas.openxmlformats.org/drawingml/2006/main" xmlns:r="http://schemas.openxmlformats.org/officeDocument/2006/relationships" xmlns:p="http://schemas.openxmlformats.org/presentationml/2006/main">
+  <p:cSld>
+    <p:spTree>
+      <p:nvGrpSpPr>
+        <p:cNvPr id="1" name=""/>
+        <p:cNvGrpSpPr/>
+        <p:nvPr/>
+      </p:nvGrpSpPr>
+      <p:grpSpPr>
+        <a:xfrm>
+          <a:off x="0" y="0"/>
+          <a:ext cx="0" cy="0"/>
+          <a:chOff x="0" y="0"/>
+          <a:chExt cx="0" cy="0"/>
+        </a:xfrm>
+      </p:grpSpPr>
+      <p:sp>
+        <p:nvSpPr>
+          <p:cNvPr id="171010" name="Rectangle 2">
+            <a:extLst>
+              <a:ext uri="{FF2B5EF4-FFF2-40B4-BE49-F238E27FC236}">
+                <a16:creationId xmlns:a16="http://schemas.microsoft.com/office/drawing/2014/main" id="{CBB8ECF0-08B0-E640-A621-1B0611D3DC46}"/>
+              </a:ext>
+            </a:extLst>
+          </p:cNvPr>
+          <p:cNvSpPr>
+            <a:spLocks noRot="1" noChangeArrowheads="1" noTextEdit="1"/>
+          </p:cNvSpPr>
+          <p:nvPr>
+            <p:ph type="sldImg"/>
+          </p:nvPr>
+        </p:nvSpPr>
+        <p:spPr>
+          <a:ln/>
+        </p:spPr>
+      </p:sp>
+      <p:sp>
+        <p:nvSpPr>
+          <p:cNvPr id="171011" name="Rectangle 3">
+            <a:extLst>
+              <a:ext uri="{FF2B5EF4-FFF2-40B4-BE49-F238E27FC236}">
+                <a16:creationId xmlns:a16="http://schemas.microsoft.com/office/drawing/2014/main" id="{521C38C4-E462-4E4C-95EE-3DFB79BBBEFA}"/>
+              </a:ext>
+            </a:extLst>
+          </p:cNvPr>
+          <p:cNvSpPr>
+            <a:spLocks noChangeArrowheads="1"/>
+          </p:cNvSpPr>
+          <p:nvPr>
+            <p:ph type="body" idx="1"/>
+          </p:nvPr>
+        </p:nvSpPr>
+        <p:spPr>
+          <a:noFill/>
+          <a:ln/>
+          <a:extLst>
+            <a:ext uri="{909E8E84-426E-40DD-AFC4-6F175D3DCCD1}">
+              <a14:hiddenFill xmlns:a14="http://schemas.microsoft.com/office/drawing/2010/main">
+                <a:solidFill>
+                  <a:srgbClr val="FFFFFF"/>
+                </a:solidFill>
+              </a14:hiddenFill>
+            </a:ext>
+            <a:ext uri="{91240B29-F687-4F45-9708-019B960494DF}">
+              <a14:hiddenLine xmlns:a14="http://schemas.microsoft.com/office/drawing/2010/main" w="9525">
+                <a:solidFill>
+                  <a:srgbClr val="000000"/>
+                </a:solidFill>
+                <a:miter lim="800000"/>
+                <a:headEnd/>
+                <a:tailEnd/>
+              </a14:hiddenLine>
+            </a:ext>
+          </a:extLst>
+        </p:spPr>
+        <p:txBody>
+          <a:bodyPr/>
+          <a:lstStyle/>
+          <a:p>
+            <a:endParaRPr lang="en-US" altLang="en-US">
+              <a:latin typeface="Arial" panose="020B0604020202020204" pitchFamily="34" charset="0"/>
+            </a:endParaRPr>
+          </a:p>
+        </p:txBody>
+      </p:sp>
+    </p:spTree>
+    <p:extLst>
+      <p:ext uri="{BB962C8B-B14F-4D97-AF65-F5344CB8AC3E}">
+        <p14:creationId xmlns:p14="http://schemas.microsoft.com/office/powerpoint/2010/main" val="1996370623"/>
+      </p:ext>
+    </p:extLst>
+  </p:cSld>
+  <p:clrMapOvr>
+    <a:masterClrMapping/>
+  </p:clrMapOvr>
+</p:notes>
+</file>
+
 <file path=ppt/slideLayouts/slideLayout1.xml><?xml version="1.0" encoding="utf-8"?>
 <p:sldLayout xmlns:a="http://schemas.openxmlformats.org/drawingml/2006/main" xmlns:r="http://schemas.openxmlformats.org/officeDocument/2006/relationships" xmlns:p="http://schemas.openxmlformats.org/presentationml/2006/main" type="title" preserve="1">
   <p:cSld name="Title Slide">
@@ -151,6 +604,39 @@
           <a:chExt cx="0" cy="0"/>
         </a:xfrm>
       </p:grpSpPr>
+      <p:pic>
+        <p:nvPicPr>
+          <p:cNvPr id="7" name="Google Shape;54;p13" descr="Google Shape;54;p13">
+            <a:extLst>
+              <a:ext uri="{FF2B5EF4-FFF2-40B4-BE49-F238E27FC236}">
+                <a16:creationId xmlns:a16="http://schemas.microsoft.com/office/drawing/2014/main" id="{A455512E-65E7-D847-BEC9-DDA416859C1A}"/>
+              </a:ext>
+            </a:extLst>
+          </p:cNvPr>
+          <p:cNvPicPr>
+            <a:picLocks noChangeAspect="1"/>
+          </p:cNvPicPr>
+          <p:nvPr userDrawn="1"/>
+        </p:nvPicPr>
+        <p:blipFill>
+          <a:blip r:embed="rId2"/>
+          <a:stretch>
+            <a:fillRect/>
+          </a:stretch>
+        </p:blipFill>
+        <p:spPr>
+          <a:xfrm>
+            <a:off x="3" y="0"/>
+            <a:ext cx="12191997" cy="6858000"/>
+          </a:xfrm>
+          <a:prstGeom prst="rect">
+            <a:avLst/>
+          </a:prstGeom>
+          <a:ln w="12700">
+            <a:miter lim="400000"/>
+          </a:ln>
+        </p:spPr>
+      </p:pic>
       <p:sp>
         <p:nvSpPr>
           <p:cNvPr id="2" name="Title 1">
@@ -283,7 +769,7 @@
           <a:p>
             <a:fld id="{EC6E9ACD-1039-45BA-B2DE-C175462F8413}" type="datetimeFigureOut">
               <a:rPr lang="en-IN" smtClean="0"/>
-              <a:t>09-01-2020</a:t>
+              <a:t>24/07/20</a:t>
             </a:fld>
             <a:endParaRPr lang="en-IN"/>
           </a:p>
@@ -483,7 +969,7 @@
           <a:p>
             <a:fld id="{EC6E9ACD-1039-45BA-B2DE-C175462F8413}" type="datetimeFigureOut">
               <a:rPr lang="en-IN" smtClean="0"/>
-              <a:t>09-01-2020</a:t>
+              <a:t>24/07/20</a:t>
             </a:fld>
             <a:endParaRPr lang="en-IN"/>
           </a:p>
@@ -693,7 +1179,7 @@
           <a:p>
             <a:fld id="{EC6E9ACD-1039-45BA-B2DE-C175462F8413}" type="datetimeFigureOut">
               <a:rPr lang="en-IN" smtClean="0"/>
-              <a:t>09-01-2020</a:t>
+              <a:t>24/07/20</a:t>
             </a:fld>
             <a:endParaRPr lang="en-IN"/>
           </a:p>
@@ -893,7 +1379,7 @@
           <a:p>
             <a:fld id="{EC6E9ACD-1039-45BA-B2DE-C175462F8413}" type="datetimeFigureOut">
               <a:rPr lang="en-IN" smtClean="0"/>
-              <a:t>09-01-2020</a:t>
+              <a:t>24/07/20</a:t>
             </a:fld>
             <a:endParaRPr lang="en-IN"/>
           </a:p>
@@ -1169,7 +1655,7 @@
           <a:p>
             <a:fld id="{EC6E9ACD-1039-45BA-B2DE-C175462F8413}" type="datetimeFigureOut">
               <a:rPr lang="en-IN" smtClean="0"/>
-              <a:t>09-01-2020</a:t>
+              <a:t>24/07/20</a:t>
             </a:fld>
             <a:endParaRPr lang="en-IN"/>
           </a:p>
@@ -1437,7 +1923,7 @@
           <a:p>
             <a:fld id="{EC6E9ACD-1039-45BA-B2DE-C175462F8413}" type="datetimeFigureOut">
               <a:rPr lang="en-IN" smtClean="0"/>
-              <a:t>09-01-2020</a:t>
+              <a:t>24/07/20</a:t>
             </a:fld>
             <a:endParaRPr lang="en-IN"/>
           </a:p>
@@ -1852,7 +2338,7 @@
           <a:p>
             <a:fld id="{EC6E9ACD-1039-45BA-B2DE-C175462F8413}" type="datetimeFigureOut">
               <a:rPr lang="en-IN" smtClean="0"/>
-              <a:t>09-01-2020</a:t>
+              <a:t>24/07/20</a:t>
             </a:fld>
             <a:endParaRPr lang="en-IN"/>
           </a:p>
@@ -1994,7 +2480,7 @@
           <a:p>
             <a:fld id="{EC6E9ACD-1039-45BA-B2DE-C175462F8413}" type="datetimeFigureOut">
               <a:rPr lang="en-IN" smtClean="0"/>
-              <a:t>09-01-2020</a:t>
+              <a:t>24/07/20</a:t>
             </a:fld>
             <a:endParaRPr lang="en-IN"/>
           </a:p>
@@ -2107,7 +2593,7 @@
           <a:p>
             <a:fld id="{EC6E9ACD-1039-45BA-B2DE-C175462F8413}" type="datetimeFigureOut">
               <a:rPr lang="en-IN" smtClean="0"/>
-              <a:t>09-01-2020</a:t>
+              <a:t>24/07/20</a:t>
             </a:fld>
             <a:endParaRPr lang="en-IN"/>
           </a:p>
@@ -2420,7 +2906,7 @@
           <a:p>
             <a:fld id="{EC6E9ACD-1039-45BA-B2DE-C175462F8413}" type="datetimeFigureOut">
               <a:rPr lang="en-IN" smtClean="0"/>
-              <a:t>09-01-2020</a:t>
+              <a:t>24/07/20</a:t>
             </a:fld>
             <a:endParaRPr lang="en-IN"/>
           </a:p>
@@ -2709,7 +3195,7 @@
           <a:p>
             <a:fld id="{EC6E9ACD-1039-45BA-B2DE-C175462F8413}" type="datetimeFigureOut">
               <a:rPr lang="en-IN" smtClean="0"/>
-              <a:t>09-01-2020</a:t>
+              <a:t>24/07/20</a:t>
             </a:fld>
             <a:endParaRPr lang="en-IN"/>
           </a:p>
@@ -2807,6 +3293,39 @@
           <a:chExt cx="0" cy="0"/>
         </a:xfrm>
       </p:grpSpPr>
+      <p:pic>
+        <p:nvPicPr>
+          <p:cNvPr id="7" name="Google Shape;54;p13" descr="Google Shape;54;p13">
+            <a:extLst>
+              <a:ext uri="{FF2B5EF4-FFF2-40B4-BE49-F238E27FC236}">
+                <a16:creationId xmlns:a16="http://schemas.microsoft.com/office/drawing/2014/main" id="{0538ECC8-3E15-6745-B87B-A60AB45E4E73}"/>
+              </a:ext>
+            </a:extLst>
+          </p:cNvPr>
+          <p:cNvPicPr>
+            <a:picLocks noChangeAspect="1"/>
+          </p:cNvPicPr>
+          <p:nvPr userDrawn="1"/>
+        </p:nvPicPr>
+        <p:blipFill>
+          <a:blip r:embed="rId13"/>
+          <a:stretch>
+            <a:fillRect/>
+          </a:stretch>
+        </p:blipFill>
+        <p:spPr>
+          <a:xfrm>
+            <a:off x="3" y="0"/>
+            <a:ext cx="12191997" cy="6858000"/>
+          </a:xfrm>
+          <a:prstGeom prst="rect">
+            <a:avLst/>
+          </a:prstGeom>
+          <a:ln w="12700">
+            <a:miter lim="400000"/>
+          </a:ln>
+        </p:spPr>
+      </p:pic>
       <p:sp>
         <p:nvSpPr>
           <p:cNvPr id="2" name="Title Placeholder 1">
@@ -2955,7 +3474,7 @@
           <a:p>
             <a:fld id="{EC6E9ACD-1039-45BA-B2DE-C175462F8413}" type="datetimeFigureOut">
               <a:rPr lang="en-IN" smtClean="0"/>
-              <a:t>09-01-2020</a:t>
+              <a:t>24/07/20</a:t>
             </a:fld>
             <a:endParaRPr lang="en-IN"/>
           </a:p>
@@ -3374,31 +3893,6 @@
       </p:grpSpPr>
       <p:sp>
         <p:nvSpPr>
-          <p:cNvPr id="3" name="Subtitle 2">
-            <a:extLst>
-              <a:ext uri="{FF2B5EF4-FFF2-40B4-BE49-F238E27FC236}">
-                <a16:creationId xmlns:a16="http://schemas.microsoft.com/office/drawing/2014/main" id="{204B0883-51FE-4C78-A7D0-F21E6B9C917D}"/>
-              </a:ext>
-            </a:extLst>
-          </p:cNvPr>
-          <p:cNvSpPr>
-            <a:spLocks noGrp="1"/>
-          </p:cNvSpPr>
-          <p:nvPr>
-            <p:ph type="subTitle" idx="1"/>
-          </p:nvPr>
-        </p:nvSpPr>
-        <p:spPr/>
-        <p:txBody>
-          <a:bodyPr/>
-          <a:lstStyle/>
-          <a:p>
-            <a:endParaRPr lang="en-IN"/>
-          </a:p>
-        </p:txBody>
-      </p:sp>
-      <p:sp>
-        <p:nvSpPr>
           <p:cNvPr id="8" name="Rectangle 7">
             <a:extLst>
               <a:ext uri="{FF2B5EF4-FFF2-40B4-BE49-F238E27FC236}">
@@ -3417,9 +3911,7 @@
           <a:prstGeom prst="rect">
             <a:avLst/>
           </a:prstGeom>
-          <a:solidFill>
-            <a:srgbClr val="F3D94E"/>
-          </a:solidFill>
+          <a:noFill/>
         </p:spPr>
         <p:style>
           <a:lnRef idx="2">
@@ -3471,6 +3963,63 @@
       </p:sp>
       <p:sp>
         <p:nvSpPr>
+          <p:cNvPr id="10" name="Rectangle 9">
+            <a:extLst>
+              <a:ext uri="{FF2B5EF4-FFF2-40B4-BE49-F238E27FC236}">
+                <a16:creationId xmlns:a16="http://schemas.microsoft.com/office/drawing/2014/main" id="{BDC6AF11-8EA8-400D-93D0-3E21BA95FE7E}"/>
+              </a:ext>
+            </a:extLst>
+          </p:cNvPr>
+          <p:cNvSpPr/>
+          <p:nvPr/>
+        </p:nvSpPr>
+        <p:spPr>
+          <a:xfrm>
+            <a:off x="4469130" y="1175862"/>
+            <a:ext cx="2937510" cy="729932"/>
+          </a:xfrm>
+          <a:prstGeom prst="rect">
+            <a:avLst/>
+          </a:prstGeom>
+          <a:noFill/>
+          <a:ln>
+            <a:noFill/>
+          </a:ln>
+        </p:spPr>
+        <p:style>
+          <a:lnRef idx="2">
+            <a:schemeClr val="accent1">
+              <a:shade val="50000"/>
+            </a:schemeClr>
+          </a:lnRef>
+          <a:fillRef idx="1">
+            <a:schemeClr val="accent1"/>
+          </a:fillRef>
+          <a:effectRef idx="0">
+            <a:schemeClr val="accent1"/>
+          </a:effectRef>
+          <a:fontRef idx="minor">
+            <a:schemeClr val="lt1"/>
+          </a:fontRef>
+        </p:style>
+        <p:txBody>
+          <a:bodyPr rtlCol="0" anchor="ctr"/>
+          <a:lstStyle/>
+          <a:p>
+            <a:pPr algn="ctr"/>
+            <a:r>
+              <a:rPr lang="en-IN" sz="23900" b="1" dirty="0">
+                <a:solidFill>
+                  <a:schemeClr val="tx1"/>
+                </a:solidFill>
+              </a:rPr>
+              <a:t>JS</a:t>
+            </a:r>
+          </a:p>
+        </p:txBody>
+      </p:sp>
+      <p:sp>
+        <p:nvSpPr>
           <p:cNvPr id="5" name="Rectangle 4">
             <a:extLst>
               <a:ext uri="{FF2B5EF4-FFF2-40B4-BE49-F238E27FC236}">
@@ -3490,7 +4039,7 @@
             <a:avLst/>
           </a:prstGeom>
           <a:solidFill>
-            <a:srgbClr val="F3D94E"/>
+            <a:schemeClr val="bg1"/>
           </a:solidFill>
           <a:ln>
             <a:noFill/>
@@ -3524,65 +4073,6 @@
                 </a:solidFill>
               </a:rPr>
               <a:t>FS dev 101</a:t>
-            </a:r>
-          </a:p>
-        </p:txBody>
-      </p:sp>
-      <p:sp>
-        <p:nvSpPr>
-          <p:cNvPr id="10" name="Rectangle 9">
-            <a:extLst>
-              <a:ext uri="{FF2B5EF4-FFF2-40B4-BE49-F238E27FC236}">
-                <a16:creationId xmlns:a16="http://schemas.microsoft.com/office/drawing/2014/main" id="{BDC6AF11-8EA8-400D-93D0-3E21BA95FE7E}"/>
-              </a:ext>
-            </a:extLst>
-          </p:cNvPr>
-          <p:cNvSpPr/>
-          <p:nvPr/>
-        </p:nvSpPr>
-        <p:spPr>
-          <a:xfrm>
-            <a:off x="4469130" y="1175862"/>
-            <a:ext cx="2937510" cy="729932"/>
-          </a:xfrm>
-          <a:prstGeom prst="rect">
-            <a:avLst/>
-          </a:prstGeom>
-          <a:solidFill>
-            <a:srgbClr val="F3D94E"/>
-          </a:solidFill>
-          <a:ln>
-            <a:noFill/>
-          </a:ln>
-        </p:spPr>
-        <p:style>
-          <a:lnRef idx="2">
-            <a:schemeClr val="accent1">
-              <a:shade val="50000"/>
-            </a:schemeClr>
-          </a:lnRef>
-          <a:fillRef idx="1">
-            <a:schemeClr val="accent1"/>
-          </a:fillRef>
-          <a:effectRef idx="0">
-            <a:schemeClr val="accent1"/>
-          </a:effectRef>
-          <a:fontRef idx="minor">
-            <a:schemeClr val="lt1"/>
-          </a:fontRef>
-        </p:style>
-        <p:txBody>
-          <a:bodyPr rtlCol="0" anchor="ctr"/>
-          <a:lstStyle/>
-          <a:p>
-            <a:pPr algn="ctr"/>
-            <a:r>
-              <a:rPr lang="en-IN" sz="23900" b="1" dirty="0">
-                <a:solidFill>
-                  <a:schemeClr val="tx1"/>
-                </a:solidFill>
-              </a:rPr>
-              <a:t>JS</a:t>
             </a:r>
           </a:p>
         </p:txBody>
@@ -3619,10 +4109,10 @@
       </p:grpSpPr>
       <p:sp>
         <p:nvSpPr>
-          <p:cNvPr id="5" name="Rectangle 4">
-            <a:extLst>
-              <a:ext uri="{FF2B5EF4-FFF2-40B4-BE49-F238E27FC236}">
-                <a16:creationId xmlns:a16="http://schemas.microsoft.com/office/drawing/2014/main" id="{5D379FC1-AC32-4044-912F-9B8C8FF0F13E}"/>
+          <p:cNvPr id="4" name="Rectangle 3">
+            <a:extLst>
+              <a:ext uri="{FF2B5EF4-FFF2-40B4-BE49-F238E27FC236}">
+                <a16:creationId xmlns:a16="http://schemas.microsoft.com/office/drawing/2014/main" id="{7F1385E4-6F82-443F-A4F0-8DFCA12577B6}"/>
               </a:ext>
             </a:extLst>
           </p:cNvPr>
@@ -3631,8 +4121,8 @@
         </p:nvSpPr>
         <p:spPr>
           <a:xfrm>
-            <a:off x="388883" y="1647772"/>
-            <a:ext cx="6096000" cy="3785652"/>
+            <a:off x="3048000" y="612845"/>
+            <a:ext cx="6096000" cy="5632311"/>
           </a:xfrm>
           <a:prstGeom prst="rect">
             <a:avLst/>
@@ -3645,108 +4135,42 @@
           <a:lstStyle/>
           <a:p>
             <a:r>
-              <a:rPr lang="en-IN" sz="2400" dirty="0"/>
-              <a:t>class Animal { </a:t>
-            </a:r>
-          </a:p>
-          <a:p>
-            <a:r>
-              <a:rPr lang="en-IN" sz="2400" dirty="0"/>
-              <a:t>  constructor(name) {</a:t>
-            </a:r>
-          </a:p>
-          <a:p>
-            <a:r>
-              <a:rPr lang="en-IN" sz="2400" dirty="0"/>
-              <a:t>    this.name = name;</a:t>
-            </a:r>
-          </a:p>
-          <a:p>
-            <a:r>
-              <a:rPr lang="en-IN" sz="2400" dirty="0"/>
-              <a:t>  }</a:t>
-            </a:r>
-          </a:p>
-          <a:p>
-            <a:r>
-              <a:rPr lang="en-IN" sz="2400" dirty="0"/>
-              <a:t>  </a:t>
-            </a:r>
-          </a:p>
-          <a:p>
-            <a:r>
-              <a:rPr lang="en-IN" sz="2400" dirty="0"/>
-              <a:t>  speak() {</a:t>
-            </a:r>
-          </a:p>
-          <a:p>
-            <a:r>
-              <a:rPr lang="en-IN" sz="2400" dirty="0"/>
-              <a:t>    console.log(`${this.name} makes a noise.`);</a:t>
-            </a:r>
-          </a:p>
-          <a:p>
-            <a:r>
-              <a:rPr lang="en-IN" sz="2400" dirty="0"/>
-              <a:t>  }</a:t>
-            </a:r>
-          </a:p>
-          <a:p>
-            <a:r>
-              <a:rPr lang="en-IN" sz="2400" dirty="0"/>
-              <a:t>}</a:t>
-            </a:r>
-          </a:p>
-          <a:p>
-            <a:endParaRPr lang="en-IN" sz="2400" dirty="0"/>
-          </a:p>
-        </p:txBody>
-      </p:sp>
-      <p:sp>
-        <p:nvSpPr>
-          <p:cNvPr id="6" name="Rectangle 5">
-            <a:extLst>
-              <a:ext uri="{FF2B5EF4-FFF2-40B4-BE49-F238E27FC236}">
-                <a16:creationId xmlns:a16="http://schemas.microsoft.com/office/drawing/2014/main" id="{263A460C-6830-4191-A779-A4E35D95D38C}"/>
-              </a:ext>
-            </a:extLst>
-          </p:cNvPr>
-          <p:cNvSpPr/>
-          <p:nvPr/>
-        </p:nvSpPr>
-        <p:spPr>
-          <a:xfrm>
-            <a:off x="6484883" y="1305341"/>
-            <a:ext cx="6096000" cy="4247317"/>
-          </a:xfrm>
-          <a:prstGeom prst="rect">
-            <a:avLst/>
-          </a:prstGeom>
-        </p:spPr>
-        <p:txBody>
-          <a:bodyPr>
-            <a:spAutoFit/>
-          </a:bodyPr>
-          <a:lstStyle/>
-          <a:p>
-            <a:endParaRPr lang="en-IN" dirty="0"/>
-          </a:p>
-          <a:p>
-            <a:r>
               <a:rPr lang="en-IN" dirty="0"/>
-              <a:t>class Dog extends Animal {</a:t>
+              <a:t>class Point {</a:t>
             </a:r>
           </a:p>
           <a:p>
             <a:r>
               <a:rPr lang="en-IN" dirty="0"/>
-              <a:t>  constructor(name) {</a:t>
+              <a:t>  constructor(x, y) {</a:t>
             </a:r>
           </a:p>
           <a:p>
             <a:r>
               <a:rPr lang="en-IN" dirty="0"/>
-              <a:t>    super(name); // call the super class constructor and pass in the name parameter</a:t>
+              <a:t>    </a:t>
+            </a:r>
+            <a:r>
+              <a:rPr lang="en-IN" dirty="0" err="1"/>
+              <a:t>this.x</a:t>
+            </a:r>
+            <a:r>
+              <a:rPr lang="en-IN" dirty="0"/>
+              <a:t> = x;</a:t>
+            </a:r>
+          </a:p>
+          <a:p>
+            <a:r>
+              <a:rPr lang="en-IN" dirty="0"/>
+              <a:t>    </a:t>
+            </a:r>
+            <a:r>
+              <a:rPr lang="en-IN" dirty="0" err="1"/>
+              <a:t>this.y</a:t>
+            </a:r>
+            <a:r>
+              <a:rPr lang="en-IN" dirty="0"/>
+              <a:t> = y;</a:t>
             </a:r>
           </a:p>
           <a:p>
@@ -3761,27 +4185,100 @@
           <a:p>
             <a:r>
               <a:rPr lang="en-IN" dirty="0"/>
-              <a:t>  speak() {</a:t>
+              <a:t>  static distance(a, b) {</a:t>
             </a:r>
           </a:p>
           <a:p>
             <a:r>
               <a:rPr lang="en-IN" dirty="0"/>
-              <a:t> //</a:t>
+              <a:t>    </a:t>
             </a:r>
             <a:r>
               <a:rPr lang="en-IN" dirty="0" err="1"/>
-              <a:t>super.speak</a:t>
+              <a:t>const</a:t>
             </a:r>
             <a:r>
               <a:rPr lang="en-IN" dirty="0"/>
-              <a:t>();</a:t>
-            </a:r>
-          </a:p>
-          <a:p>
+              <a:t> dx = </a:t>
+            </a:r>
+            <a:r>
+              <a:rPr lang="en-IN" dirty="0" err="1"/>
+              <a:t>a.x</a:t>
+            </a:r>
             <a:r>
               <a:rPr lang="en-IN" dirty="0"/>
-              <a:t>    console.log(`${this.name} barks.`);</a:t>
+              <a:t> - </a:t>
+            </a:r>
+            <a:r>
+              <a:rPr lang="en-IN" dirty="0" err="1"/>
+              <a:t>b.x</a:t>
+            </a:r>
+            <a:r>
+              <a:rPr lang="en-IN" dirty="0"/>
+              <a:t>;</a:t>
+            </a:r>
+          </a:p>
+          <a:p>
+            <a:r>
+              <a:rPr lang="en-IN" dirty="0"/>
+              <a:t>    </a:t>
+            </a:r>
+            <a:r>
+              <a:rPr lang="en-IN" dirty="0" err="1"/>
+              <a:t>const</a:t>
+            </a:r>
+            <a:r>
+              <a:rPr lang="en-IN" dirty="0"/>
+              <a:t> </a:t>
+            </a:r>
+            <a:r>
+              <a:rPr lang="en-IN" dirty="0" err="1"/>
+              <a:t>dy</a:t>
+            </a:r>
+            <a:r>
+              <a:rPr lang="en-IN" dirty="0"/>
+              <a:t> = </a:t>
+            </a:r>
+            <a:r>
+              <a:rPr lang="en-IN" dirty="0" err="1"/>
+              <a:t>a.y</a:t>
+            </a:r>
+            <a:r>
+              <a:rPr lang="en-IN" dirty="0"/>
+              <a:t> - </a:t>
+            </a:r>
+            <a:r>
+              <a:rPr lang="en-IN" dirty="0" err="1"/>
+              <a:t>b.y</a:t>
+            </a:r>
+            <a:r>
+              <a:rPr lang="en-IN" dirty="0"/>
+              <a:t>;</a:t>
+            </a:r>
+          </a:p>
+          <a:p>
+            <a:endParaRPr lang="en-IN" dirty="0"/>
+          </a:p>
+          <a:p>
+            <a:r>
+              <a:rPr lang="en-IN" dirty="0"/>
+              <a:t>    return </a:t>
+            </a:r>
+            <a:r>
+              <a:rPr lang="en-IN" dirty="0" err="1"/>
+              <a:t>Math.hypot</a:t>
+            </a:r>
+            <a:r>
+              <a:rPr lang="en-IN" dirty="0"/>
+              <a:t>(dx, </a:t>
+            </a:r>
+            <a:r>
+              <a:rPr lang="en-IN" dirty="0" err="1"/>
+              <a:t>dy</a:t>
+            </a:r>
+            <a:r>
+              <a:rPr lang="en-IN" dirty="0"/>
+              <a:t>);</a:t>
             </a:r>
           </a:p>
           <a:p>
@@ -3801,18 +4298,51 @@
           </a:p>
           <a:p>
             <a:r>
+              <a:rPr lang="en-IN" dirty="0" err="1"/>
+              <a:t>const</a:t>
+            </a:r>
+            <a:r>
               <a:rPr lang="en-IN" dirty="0"/>
-              <a:t>let d = new Dog('Mitzie');</a:t>
+              <a:t> p1 = new Point(5, 5);</a:t>
             </a:r>
           </a:p>
           <a:p>
             <a:r>
               <a:rPr lang="en-IN" dirty="0" err="1"/>
-              <a:t>d.speak</a:t>
+              <a:t>const</a:t>
             </a:r>
             <a:r>
               <a:rPr lang="en-IN" dirty="0"/>
-              <a:t>(); // Mitzie barks.</a:t>
+              <a:t> p2 = new Point(10, 10);</a:t>
+            </a:r>
+          </a:p>
+          <a:p>
+            <a:r>
+              <a:rPr lang="en-IN" dirty="0"/>
+              <a:t>p1.distance; //undefined</a:t>
+            </a:r>
+          </a:p>
+          <a:p>
+            <a:r>
+              <a:rPr lang="en-IN" dirty="0"/>
+              <a:t>p2.distance; //undefined</a:t>
+            </a:r>
+          </a:p>
+          <a:p>
+            <a:endParaRPr lang="en-IN" dirty="0"/>
+          </a:p>
+          <a:p>
+            <a:r>
+              <a:rPr lang="en-IN" dirty="0"/>
+              <a:t>console.log(</a:t>
+            </a:r>
+            <a:r>
+              <a:rPr lang="en-IN" dirty="0" err="1"/>
+              <a:t>Point.distance</a:t>
+            </a:r>
+            <a:r>
+              <a:rPr lang="en-IN" dirty="0"/>
+              <a:t>(p1, p2)); // 7.0710678118654755</a:t>
             </a:r>
           </a:p>
         </p:txBody>
@@ -3820,7 +4350,7 @@
     </p:spTree>
     <p:extLst>
       <p:ext uri="{BB962C8B-B14F-4D97-AF65-F5344CB8AC3E}">
-        <p14:creationId xmlns:p14="http://schemas.microsoft.com/office/powerpoint/2010/main" val="3678624072"/>
+        <p14:creationId xmlns:p14="http://schemas.microsoft.com/office/powerpoint/2010/main" val="316894981"/>
       </p:ext>
     </p:extLst>
   </p:cSld>
@@ -3849,6 +4379,236 @@
       </p:grpSpPr>
       <p:sp>
         <p:nvSpPr>
+          <p:cNvPr id="5" name="Rectangle 4">
+            <a:extLst>
+              <a:ext uri="{FF2B5EF4-FFF2-40B4-BE49-F238E27FC236}">
+                <a16:creationId xmlns:a16="http://schemas.microsoft.com/office/drawing/2014/main" id="{5D379FC1-AC32-4044-912F-9B8C8FF0F13E}"/>
+              </a:ext>
+            </a:extLst>
+          </p:cNvPr>
+          <p:cNvSpPr/>
+          <p:nvPr/>
+        </p:nvSpPr>
+        <p:spPr>
+          <a:xfrm>
+            <a:off x="388883" y="1647772"/>
+            <a:ext cx="6096000" cy="3785652"/>
+          </a:xfrm>
+          <a:prstGeom prst="rect">
+            <a:avLst/>
+          </a:prstGeom>
+        </p:spPr>
+        <p:txBody>
+          <a:bodyPr>
+            <a:spAutoFit/>
+          </a:bodyPr>
+          <a:lstStyle/>
+          <a:p>
+            <a:r>
+              <a:rPr lang="en-IN" sz="2400" dirty="0"/>
+              <a:t>class Animal { </a:t>
+            </a:r>
+          </a:p>
+          <a:p>
+            <a:r>
+              <a:rPr lang="en-IN" sz="2400" dirty="0"/>
+              <a:t>  constructor(name) {</a:t>
+            </a:r>
+          </a:p>
+          <a:p>
+            <a:r>
+              <a:rPr lang="en-IN" sz="2400" dirty="0"/>
+              <a:t>    this.name = name;</a:t>
+            </a:r>
+          </a:p>
+          <a:p>
+            <a:r>
+              <a:rPr lang="en-IN" sz="2400" dirty="0"/>
+              <a:t>  }</a:t>
+            </a:r>
+          </a:p>
+          <a:p>
+            <a:r>
+              <a:rPr lang="en-IN" sz="2400" dirty="0"/>
+              <a:t>  </a:t>
+            </a:r>
+          </a:p>
+          <a:p>
+            <a:r>
+              <a:rPr lang="en-IN" sz="2400" dirty="0"/>
+              <a:t>  speak() {</a:t>
+            </a:r>
+          </a:p>
+          <a:p>
+            <a:r>
+              <a:rPr lang="en-IN" sz="2400" dirty="0"/>
+              <a:t>    console.log(`${this.name} makes a noise.`);</a:t>
+            </a:r>
+          </a:p>
+          <a:p>
+            <a:r>
+              <a:rPr lang="en-IN" sz="2400" dirty="0"/>
+              <a:t>  }</a:t>
+            </a:r>
+          </a:p>
+          <a:p>
+            <a:r>
+              <a:rPr lang="en-IN" sz="2400" dirty="0"/>
+              <a:t>}</a:t>
+            </a:r>
+          </a:p>
+          <a:p>
+            <a:endParaRPr lang="en-IN" sz="2400" dirty="0"/>
+          </a:p>
+        </p:txBody>
+      </p:sp>
+      <p:sp>
+        <p:nvSpPr>
+          <p:cNvPr id="6" name="Rectangle 5">
+            <a:extLst>
+              <a:ext uri="{FF2B5EF4-FFF2-40B4-BE49-F238E27FC236}">
+                <a16:creationId xmlns:a16="http://schemas.microsoft.com/office/drawing/2014/main" id="{263A460C-6830-4191-A779-A4E35D95D38C}"/>
+              </a:ext>
+            </a:extLst>
+          </p:cNvPr>
+          <p:cNvSpPr/>
+          <p:nvPr/>
+        </p:nvSpPr>
+        <p:spPr>
+          <a:xfrm>
+            <a:off x="6484883" y="1305341"/>
+            <a:ext cx="6096000" cy="4247317"/>
+          </a:xfrm>
+          <a:prstGeom prst="rect">
+            <a:avLst/>
+          </a:prstGeom>
+        </p:spPr>
+        <p:txBody>
+          <a:bodyPr>
+            <a:spAutoFit/>
+          </a:bodyPr>
+          <a:lstStyle/>
+          <a:p>
+            <a:endParaRPr lang="en-IN" dirty="0"/>
+          </a:p>
+          <a:p>
+            <a:r>
+              <a:rPr lang="en-IN" dirty="0"/>
+              <a:t>class Dog extends Animal {</a:t>
+            </a:r>
+          </a:p>
+          <a:p>
+            <a:r>
+              <a:rPr lang="en-IN" dirty="0"/>
+              <a:t>  constructor(name) {</a:t>
+            </a:r>
+          </a:p>
+          <a:p>
+            <a:r>
+              <a:rPr lang="en-IN" dirty="0"/>
+              <a:t>    super(name); // call the super class constructor and pass in the name parameter</a:t>
+            </a:r>
+          </a:p>
+          <a:p>
+            <a:r>
+              <a:rPr lang="en-IN" dirty="0"/>
+              <a:t>  }</a:t>
+            </a:r>
+          </a:p>
+          <a:p>
+            <a:endParaRPr lang="en-IN" dirty="0"/>
+          </a:p>
+          <a:p>
+            <a:r>
+              <a:rPr lang="en-IN" dirty="0"/>
+              <a:t>  speak() {</a:t>
+            </a:r>
+          </a:p>
+          <a:p>
+            <a:r>
+              <a:rPr lang="en-IN" dirty="0"/>
+              <a:t> //</a:t>
+            </a:r>
+            <a:r>
+              <a:rPr lang="en-IN" dirty="0" err="1"/>
+              <a:t>super.speak</a:t>
+            </a:r>
+            <a:r>
+              <a:rPr lang="en-IN" dirty="0"/>
+              <a:t>();</a:t>
+            </a:r>
+          </a:p>
+          <a:p>
+            <a:r>
+              <a:rPr lang="en-IN" dirty="0"/>
+              <a:t>    console.log(`${this.name} barks.`);</a:t>
+            </a:r>
+          </a:p>
+          <a:p>
+            <a:r>
+              <a:rPr lang="en-IN" dirty="0"/>
+              <a:t>  }</a:t>
+            </a:r>
+          </a:p>
+          <a:p>
+            <a:r>
+              <a:rPr lang="en-IN" dirty="0"/>
+              <a:t>}</a:t>
+            </a:r>
+          </a:p>
+          <a:p>
+            <a:endParaRPr lang="en-IN" dirty="0"/>
+          </a:p>
+          <a:p>
+            <a:r>
+              <a:rPr lang="en-IN" dirty="0"/>
+              <a:t>let d = new Dog('Mitzie');</a:t>
+            </a:r>
+          </a:p>
+          <a:p>
+            <a:r>
+              <a:rPr lang="en-IN" dirty="0" err="1"/>
+              <a:t>d.speak</a:t>
+            </a:r>
+            <a:r>
+              <a:rPr lang="en-IN" dirty="0"/>
+              <a:t>(); // Mitzie barks.</a:t>
+            </a:r>
+          </a:p>
+        </p:txBody>
+      </p:sp>
+    </p:spTree>
+    <p:extLst>
+      <p:ext uri="{BB962C8B-B14F-4D97-AF65-F5344CB8AC3E}">
+        <p14:creationId xmlns:p14="http://schemas.microsoft.com/office/powerpoint/2010/main" val="3678624072"/>
+      </p:ext>
+    </p:extLst>
+  </p:cSld>
+  <p:clrMapOvr>
+    <a:masterClrMapping/>
+  </p:clrMapOvr>
+</p:sld>
+</file>
+
+<file path=ppt/slides/slide12.xml><?xml version="1.0" encoding="utf-8"?>
+<p:sld xmlns:a="http://schemas.openxmlformats.org/drawingml/2006/main" xmlns:r="http://schemas.openxmlformats.org/officeDocument/2006/relationships" xmlns:p="http://schemas.openxmlformats.org/presentationml/2006/main">
+  <p:cSld>
+    <p:spTree>
+      <p:nvGrpSpPr>
+        <p:cNvPr id="1" name=""/>
+        <p:cNvGrpSpPr/>
+        <p:nvPr/>
+      </p:nvGrpSpPr>
+      <p:grpSpPr>
+        <a:xfrm>
+          <a:off x="0" y="0"/>
+          <a:ext cx="0" cy="0"/>
+          <a:chOff x="0" y="0"/>
+          <a:chExt cx="0" cy="0"/>
+        </a:xfrm>
+      </p:grpSpPr>
+      <p:sp>
+        <p:nvSpPr>
           <p:cNvPr id="2" name="Title 1">
             <a:extLst>
               <a:ext uri="{FF2B5EF4-FFF2-40B4-BE49-F238E27FC236}">
@@ -4049,7 +4809,7 @@
 </p:sld>
 </file>
 
-<file path=ppt/slides/slide12.xml><?xml version="1.0" encoding="utf-8"?>
+<file path=ppt/slides/slide13.xml><?xml version="1.0" encoding="utf-8"?>
 <p:sld xmlns:a="http://schemas.openxmlformats.org/drawingml/2006/main" xmlns:r="http://schemas.openxmlformats.org/officeDocument/2006/relationships" xmlns:p="http://schemas.openxmlformats.org/presentationml/2006/main">
   <p:cSld>
     <p:spTree>
@@ -4313,10 +5073,10 @@
       </p:grpSpPr>
       <p:sp>
         <p:nvSpPr>
-          <p:cNvPr id="2" name="Title 1">
-            <a:extLst>
-              <a:ext uri="{FF2B5EF4-FFF2-40B4-BE49-F238E27FC236}">
-                <a16:creationId xmlns:a16="http://schemas.microsoft.com/office/drawing/2014/main" id="{A4D6DE47-E070-423C-8CE8-479EC2A576FC}"/>
+          <p:cNvPr id="59394" name="Title 1">
+            <a:extLst>
+              <a:ext uri="{FF2B5EF4-FFF2-40B4-BE49-F238E27FC236}">
+                <a16:creationId xmlns:a16="http://schemas.microsoft.com/office/drawing/2014/main" id="{9D95371F-039D-6C43-B316-83CFDE3FA668}"/>
               </a:ext>
             </a:extLst>
           </p:cNvPr>
@@ -4333,217 +5093,348 @@
           <a:lstStyle/>
           <a:p>
             <a:r>
-              <a:rPr lang="en-IN" dirty="0"/>
-              <a:t>Simple Object </a:t>
-            </a:r>
-          </a:p>
-        </p:txBody>
-      </p:sp>
-      <p:sp>
-        <p:nvSpPr>
-          <p:cNvPr id="4" name="Rectangle 3">
-            <a:extLst>
-              <a:ext uri="{FF2B5EF4-FFF2-40B4-BE49-F238E27FC236}">
-                <a16:creationId xmlns:a16="http://schemas.microsoft.com/office/drawing/2014/main" id="{8AF41EE9-7638-493A-9189-D1F7E83FF29F}"/>
-              </a:ext>
-            </a:extLst>
-          </p:cNvPr>
-          <p:cNvSpPr/>
-          <p:nvPr/>
+              <a:rPr lang="en-US" altLang="en-US"/>
+              <a:t>JavaScript Object Literals</a:t>
+            </a:r>
+          </a:p>
+        </p:txBody>
+      </p:sp>
+      <p:sp>
+        <p:nvSpPr>
+          <p:cNvPr id="3" name="Content Placeholder 2">
+            <a:extLst>
+              <a:ext uri="{FF2B5EF4-FFF2-40B4-BE49-F238E27FC236}">
+                <a16:creationId xmlns:a16="http://schemas.microsoft.com/office/drawing/2014/main" id="{403952AC-772C-6847-9D0C-504AC34956DA}"/>
+              </a:ext>
+            </a:extLst>
+          </p:cNvPr>
+          <p:cNvSpPr>
+            <a:spLocks noGrp="1"/>
+          </p:cNvSpPr>
+          <p:nvPr>
+            <p:ph idx="1"/>
+          </p:nvPr>
         </p:nvSpPr>
         <p:spPr>
           <a:xfrm>
-            <a:off x="641134" y="1723722"/>
-            <a:ext cx="5092264" cy="1569660"/>
+            <a:off x="1981200" y="1981200"/>
+            <a:ext cx="8229600" cy="685800"/>
+          </a:xfrm>
+        </p:spPr>
+        <p:txBody>
+          <a:bodyPr/>
+          <a:lstStyle/>
+          <a:p>
+            <a:pPr>
+              <a:defRPr/>
+            </a:pPr>
+            <a:r>
+              <a:rPr lang="en-US" dirty="0"/>
+              <a:t>Who needs </a:t>
+            </a:r>
+            <a:r>
+              <a:rPr lang="en-US" dirty="0">
+                <a:solidFill>
+                  <a:schemeClr val="accent1">
+                    <a:lumMod val="50000"/>
+                  </a:schemeClr>
+                </a:solidFill>
+                <a:latin typeface="Courier New" pitchFamily="49" charset="0"/>
+                <a:cs typeface="Courier New" pitchFamily="49" charset="0"/>
+              </a:rPr>
+              <a:t>class</a:t>
+            </a:r>
+            <a:r>
+              <a:rPr lang="en-US" dirty="0"/>
+              <a:t>?  Create functions too:</a:t>
+            </a:r>
+          </a:p>
+        </p:txBody>
+      </p:sp>
+      <p:sp>
+        <p:nvSpPr>
+          <p:cNvPr id="4" name="Rectangle 3">
+            <a:extLst>
+              <a:ext uri="{FF2B5EF4-FFF2-40B4-BE49-F238E27FC236}">
+                <a16:creationId xmlns:a16="http://schemas.microsoft.com/office/drawing/2014/main" id="{20B30025-898E-1949-B19E-710A624AA731}"/>
+              </a:ext>
+            </a:extLst>
+          </p:cNvPr>
+          <p:cNvSpPr txBox="1">
+            <a:spLocks noChangeArrowheads="1"/>
+          </p:cNvSpPr>
+          <p:nvPr/>
+        </p:nvSpPr>
+        <p:spPr bwMode="auto">
+          <a:xfrm>
+            <a:off x="2422526" y="2667000"/>
+            <a:ext cx="8245475" cy="4038600"/>
           </a:xfrm>
           <a:prstGeom prst="rect">
             <a:avLst/>
           </a:prstGeom>
+          <a:noFill/>
+          <a:ln w="9525">
+            <a:noFill/>
+            <a:miter lim="800000"/>
+            <a:headEnd/>
+            <a:tailEnd/>
+          </a:ln>
         </p:spPr>
         <p:txBody>
-          <a:bodyPr wrap="square">
-            <a:spAutoFit/>
-          </a:bodyPr>
-          <a:lstStyle/>
-          <a:p>
-            <a:r>
-              <a:rPr lang="en-IN" sz="3200" dirty="0"/>
-              <a:t>function Dog (name) {</a:t>
-            </a:r>
-          </a:p>
-          <a:p>
-            <a:r>
-              <a:rPr lang="en-IN" sz="3200" dirty="0"/>
-              <a:t>      this.name = name;</a:t>
-            </a:r>
-          </a:p>
-          <a:p>
-            <a:r>
-              <a:rPr lang="en-IN" sz="3200" dirty="0"/>
-              <a:t>    }</a:t>
-            </a:r>
-          </a:p>
-        </p:txBody>
-      </p:sp>
-      <p:sp>
-        <p:nvSpPr>
-          <p:cNvPr id="5" name="Rectangle 4">
-            <a:extLst>
-              <a:ext uri="{FF2B5EF4-FFF2-40B4-BE49-F238E27FC236}">
-                <a16:creationId xmlns:a16="http://schemas.microsoft.com/office/drawing/2014/main" id="{C3F0FC48-A3DD-4705-A29F-903A170E272C}"/>
-              </a:ext>
-            </a:extLst>
-          </p:cNvPr>
-          <p:cNvSpPr/>
-          <p:nvPr/>
-        </p:nvSpPr>
-        <p:spPr>
-          <a:xfrm>
-            <a:off x="6542686" y="1027906"/>
-            <a:ext cx="4761187" cy="3046988"/>
-          </a:xfrm>
-          <a:prstGeom prst="rect">
-            <a:avLst/>
-          </a:prstGeom>
-        </p:spPr>
-        <p:txBody>
-          <a:bodyPr wrap="square">
-            <a:spAutoFit/>
-          </a:bodyPr>
-          <a:lstStyle/>
-          <a:p>
-            <a:endParaRPr lang="en-IN" sz="3200" dirty="0"/>
-          </a:p>
-          <a:p>
-            <a:r>
-              <a:rPr lang="en-IN" sz="3200" dirty="0"/>
-              <a:t> class Dog {</a:t>
-            </a:r>
-          </a:p>
-          <a:p>
-            <a:r>
-              <a:rPr lang="en-IN" sz="3200" dirty="0"/>
-              <a:t>      constructor (name) {</a:t>
-            </a:r>
-          </a:p>
-          <a:p>
-            <a:r>
-              <a:rPr lang="en-IN" sz="3200" dirty="0"/>
-              <a:t>        this.name = name;</a:t>
-            </a:r>
-          </a:p>
-          <a:p>
-            <a:r>
-              <a:rPr lang="en-IN" sz="3200" dirty="0"/>
-              <a:t>      }</a:t>
-            </a:r>
-          </a:p>
-          <a:p>
-            <a:r>
-              <a:rPr lang="en-IN" sz="3200" dirty="0"/>
-              <a:t>    }</a:t>
-            </a:r>
-          </a:p>
-        </p:txBody>
-      </p:sp>
-      <p:sp>
-        <p:nvSpPr>
-          <p:cNvPr id="6" name="Rectangle 5">
-            <a:extLst>
-              <a:ext uri="{FF2B5EF4-FFF2-40B4-BE49-F238E27FC236}">
-                <a16:creationId xmlns:a16="http://schemas.microsoft.com/office/drawing/2014/main" id="{C8ACD3B0-FF3C-4A91-8EC7-6C31CED7270E}"/>
-              </a:ext>
-            </a:extLst>
-          </p:cNvPr>
-          <p:cNvSpPr/>
-          <p:nvPr/>
-        </p:nvSpPr>
-        <p:spPr>
-          <a:xfrm>
-            <a:off x="325817" y="4349448"/>
-            <a:ext cx="6096000" cy="1569660"/>
-          </a:xfrm>
-          <a:prstGeom prst="rect">
-            <a:avLst/>
-          </a:prstGeom>
-        </p:spPr>
-        <p:txBody>
-          <a:bodyPr>
-            <a:spAutoFit/>
-          </a:bodyPr>
-          <a:lstStyle/>
-          <a:p>
-            <a:r>
-              <a:rPr lang="en-IN" sz="3200" dirty="0"/>
-              <a:t>var </a:t>
-            </a:r>
-            <a:r>
-              <a:rPr lang="en-IN" sz="3200" dirty="0" err="1"/>
-              <a:t>fido</a:t>
-            </a:r>
-            <a:r>
-              <a:rPr lang="en-IN" sz="3200" dirty="0"/>
-              <a:t> = new Dog('Fido');</a:t>
-            </a:r>
-          </a:p>
-          <a:p>
-            <a:endParaRPr lang="en-IN" sz="3200" dirty="0"/>
-          </a:p>
-          <a:p>
-            <a:r>
-              <a:rPr lang="en-IN" sz="3200" dirty="0"/>
-              <a:t>console.log(fido.name); // 'Fido'</a:t>
-            </a:r>
-          </a:p>
-        </p:txBody>
-      </p:sp>
-      <p:sp>
-        <p:nvSpPr>
-          <p:cNvPr id="7" name="Rectangle 6">
-            <a:extLst>
-              <a:ext uri="{FF2B5EF4-FFF2-40B4-BE49-F238E27FC236}">
-                <a16:creationId xmlns:a16="http://schemas.microsoft.com/office/drawing/2014/main" id="{36804E29-4233-4126-9622-67DBB8886074}"/>
-              </a:ext>
-            </a:extLst>
-          </p:cNvPr>
-          <p:cNvSpPr/>
-          <p:nvPr/>
-        </p:nvSpPr>
-        <p:spPr>
-          <a:xfrm>
-            <a:off x="6542686" y="4415956"/>
-            <a:ext cx="6096000" cy="1569660"/>
-          </a:xfrm>
-          <a:prstGeom prst="rect">
-            <a:avLst/>
-          </a:prstGeom>
-        </p:spPr>
-        <p:txBody>
-          <a:bodyPr>
-            <a:spAutoFit/>
-          </a:bodyPr>
-          <a:lstStyle/>
-          <a:p>
-            <a:r>
-              <a:rPr lang="en-IN" sz="3200" dirty="0"/>
-              <a:t>var </a:t>
-            </a:r>
-            <a:r>
-              <a:rPr lang="en-IN" sz="3200" dirty="0" err="1"/>
-              <a:t>fido</a:t>
-            </a:r>
-            <a:r>
-              <a:rPr lang="en-IN" sz="3200" dirty="0"/>
-              <a:t> = new Dog('Fido');</a:t>
-            </a:r>
-          </a:p>
-          <a:p>
-            <a:endParaRPr lang="en-IN" sz="3200" dirty="0"/>
-          </a:p>
-          <a:p>
-            <a:r>
-              <a:rPr lang="en-IN" sz="3200" dirty="0"/>
-              <a:t>console.log(fido.name); // 'Fido'</a:t>
+          <a:bodyPr/>
+          <a:lstStyle/>
+          <a:p>
+            <a:pPr marL="517525" indent="-403225">
+              <a:spcBef>
+                <a:spcPct val="20000"/>
+              </a:spcBef>
+              <a:buClr>
+                <a:schemeClr val="accent2"/>
+              </a:buClr>
+              <a:buSzPct val="80000"/>
+              <a:defRPr/>
+            </a:pPr>
+            <a:r>
+              <a:rPr lang="en-US" sz="2800" kern="0" dirty="0">
+                <a:solidFill>
+                  <a:schemeClr val="accent1">
+                    <a:lumMod val="75000"/>
+                  </a:schemeClr>
+                </a:solidFill>
+                <a:latin typeface="Courier New" charset="0"/>
+              </a:rPr>
+              <a:t>var</a:t>
+            </a:r>
+            <a:r>
+              <a:rPr lang="en-US" sz="2800" kern="0" dirty="0">
+                <a:solidFill>
+                  <a:schemeClr val="bg2">
+                    <a:lumMod val="60000"/>
+                    <a:lumOff val="40000"/>
+                  </a:schemeClr>
+                </a:solidFill>
+                <a:latin typeface="Courier New" charset="0"/>
+              </a:rPr>
+              <a:t> </a:t>
+            </a:r>
+            <a:r>
+              <a:rPr lang="en-US" sz="2800" kern="0" dirty="0">
+                <a:latin typeface="Courier New" charset="0"/>
+              </a:rPr>
+              <a:t>position = {</a:t>
+            </a:r>
+          </a:p>
+          <a:p>
+            <a:pPr marL="517525" indent="-403225">
+              <a:spcBef>
+                <a:spcPct val="20000"/>
+              </a:spcBef>
+              <a:buClr>
+                <a:schemeClr val="accent2"/>
+              </a:buClr>
+              <a:buSzPct val="80000"/>
+              <a:defRPr/>
+            </a:pPr>
+            <a:r>
+              <a:rPr lang="en-US" sz="2800" kern="0" dirty="0">
+                <a:latin typeface="Courier New" charset="0"/>
+              </a:rPr>
+              <a:t>  x : 1.0,</a:t>
+            </a:r>
+          </a:p>
+          <a:p>
+            <a:pPr marL="517525" indent="-403225">
+              <a:spcBef>
+                <a:spcPct val="20000"/>
+              </a:spcBef>
+              <a:buClr>
+                <a:schemeClr val="accent2"/>
+              </a:buClr>
+              <a:buSzPct val="80000"/>
+              <a:defRPr/>
+            </a:pPr>
+            <a:r>
+              <a:rPr lang="en-US" sz="2800" kern="0" dirty="0">
+                <a:latin typeface="Courier New" charset="0"/>
+              </a:rPr>
+              <a:t>  y : 2.0,</a:t>
+            </a:r>
+          </a:p>
+          <a:p>
+            <a:pPr marL="517525" indent="-403225">
+              <a:spcBef>
+                <a:spcPct val="20000"/>
+              </a:spcBef>
+              <a:buClr>
+                <a:schemeClr val="accent2"/>
+              </a:buClr>
+              <a:buSzPct val="80000"/>
+              <a:defRPr/>
+            </a:pPr>
+            <a:r>
+              <a:rPr lang="en-US" sz="2800" kern="0" dirty="0">
+                <a:latin typeface="Courier New" charset="0"/>
+              </a:rPr>
+              <a:t>  min : </a:t>
+            </a:r>
+            <a:r>
+              <a:rPr lang="en-US" sz="2800" kern="0" dirty="0">
+                <a:solidFill>
+                  <a:schemeClr val="accent1">
+                    <a:lumMod val="75000"/>
+                  </a:schemeClr>
+                </a:solidFill>
+                <a:latin typeface="Courier New" charset="0"/>
+              </a:rPr>
+              <a:t>function</a:t>
+            </a:r>
+            <a:r>
+              <a:rPr lang="en-US" sz="2800" kern="0" dirty="0">
+                <a:latin typeface="Courier New" charset="0"/>
+              </a:rPr>
+              <a:t>() {</a:t>
+            </a:r>
+          </a:p>
+          <a:p>
+            <a:pPr marL="517525" indent="-403225">
+              <a:spcBef>
+                <a:spcPct val="20000"/>
+              </a:spcBef>
+              <a:buClr>
+                <a:schemeClr val="accent2"/>
+              </a:buClr>
+              <a:buSzPct val="80000"/>
+              <a:defRPr/>
+            </a:pPr>
+            <a:r>
+              <a:rPr lang="en-US" sz="2800" kern="0" dirty="0">
+                <a:latin typeface="Courier New" charset="0"/>
+              </a:rPr>
+              <a:t>    </a:t>
+            </a:r>
+            <a:r>
+              <a:rPr lang="en-US" sz="2800" kern="0" dirty="0">
+                <a:solidFill>
+                  <a:schemeClr val="accent1">
+                    <a:lumMod val="75000"/>
+                  </a:schemeClr>
+                </a:solidFill>
+                <a:latin typeface="Courier New" charset="0"/>
+              </a:rPr>
+              <a:t>return</a:t>
+            </a:r>
+            <a:r>
+              <a:rPr lang="en-US" sz="2800" kern="0" dirty="0">
+                <a:latin typeface="Courier New" charset="0"/>
+              </a:rPr>
+              <a:t> </a:t>
+            </a:r>
+            <a:r>
+              <a:rPr lang="en-US" sz="2800" kern="0" dirty="0">
+                <a:solidFill>
+                  <a:srgbClr val="D60093"/>
+                </a:solidFill>
+                <a:latin typeface="Courier New" charset="0"/>
+              </a:rPr>
+              <a:t>Math</a:t>
+            </a:r>
+            <a:r>
+              <a:rPr lang="en-US" sz="2800" kern="0" dirty="0">
+                <a:latin typeface="Courier New" charset="0"/>
+              </a:rPr>
+              <a:t>.</a:t>
+            </a:r>
+            <a:r>
+              <a:rPr lang="en-US" sz="2800" kern="0" dirty="0">
+                <a:solidFill>
+                  <a:srgbClr val="D60093"/>
+                </a:solidFill>
+                <a:latin typeface="Courier New" charset="0"/>
+              </a:rPr>
+              <a:t>min</a:t>
+            </a:r>
+            <a:r>
+              <a:rPr lang="en-US" sz="2800" kern="0" dirty="0">
+                <a:latin typeface="Courier New" charset="0"/>
+              </a:rPr>
+              <a:t>(</a:t>
+            </a:r>
+            <a:r>
+              <a:rPr lang="en-US" sz="2800" kern="0" dirty="0" err="1">
+                <a:solidFill>
+                  <a:schemeClr val="accent1">
+                    <a:lumMod val="75000"/>
+                  </a:schemeClr>
+                </a:solidFill>
+                <a:latin typeface="Courier New" charset="0"/>
+              </a:rPr>
+              <a:t>this</a:t>
+            </a:r>
+            <a:r>
+              <a:rPr lang="en-US" sz="2800" kern="0" dirty="0" err="1">
+                <a:latin typeface="Courier New" charset="0"/>
+              </a:rPr>
+              <a:t>.x</a:t>
+            </a:r>
+            <a:r>
+              <a:rPr lang="en-US" sz="2800" kern="0" dirty="0">
+                <a:latin typeface="Courier New" charset="0"/>
+              </a:rPr>
+              <a:t>, </a:t>
+            </a:r>
+            <a:r>
+              <a:rPr lang="en-US" sz="2800" kern="0" dirty="0">
+                <a:solidFill>
+                  <a:schemeClr val="accent1">
+                    <a:lumMod val="75000"/>
+                  </a:schemeClr>
+                </a:solidFill>
+                <a:latin typeface="Courier New" charset="0"/>
+              </a:rPr>
+              <a:t>this</a:t>
+            </a:r>
+            <a:r>
+              <a:rPr lang="en-US" sz="2800" kern="0" dirty="0">
+                <a:latin typeface="Courier New" charset="0"/>
+              </a:rPr>
+              <a:t>.y);</a:t>
+            </a:r>
+          </a:p>
+          <a:p>
+            <a:pPr marL="517525" indent="-403225">
+              <a:spcBef>
+                <a:spcPct val="20000"/>
+              </a:spcBef>
+              <a:buClr>
+                <a:schemeClr val="accent2"/>
+              </a:buClr>
+              <a:buSzPct val="80000"/>
+              <a:defRPr/>
+            </a:pPr>
+            <a:r>
+              <a:rPr lang="en-US" sz="2800" kern="0" dirty="0">
+                <a:latin typeface="Courier New" charset="0"/>
+              </a:rPr>
+              <a:t>  }</a:t>
+            </a:r>
+          </a:p>
+          <a:p>
+            <a:pPr marL="517525" indent="-403225">
+              <a:spcBef>
+                <a:spcPct val="20000"/>
+              </a:spcBef>
+              <a:buClr>
+                <a:schemeClr val="accent2"/>
+              </a:buClr>
+              <a:buSzPct val="80000"/>
+              <a:defRPr/>
+            </a:pPr>
+            <a:r>
+              <a:rPr lang="en-US" sz="2800" kern="0" dirty="0">
+                <a:latin typeface="Courier New" charset="0"/>
+              </a:rPr>
+              <a:t>};</a:t>
             </a:r>
           </a:p>
         </p:txBody>
@@ -4551,7 +5442,7 @@
     </p:spTree>
     <p:extLst>
       <p:ext uri="{BB962C8B-B14F-4D97-AF65-F5344CB8AC3E}">
-        <p14:creationId xmlns:p14="http://schemas.microsoft.com/office/powerpoint/2010/main" val="114265696"/>
+        <p14:creationId xmlns:p14="http://schemas.microsoft.com/office/powerpoint/2010/main" val="1629969474"/>
       </p:ext>
     </p:extLst>
   </p:cSld>
@@ -4583,6 +5474,273 @@
           <p:cNvPr id="2" name="Title 1">
             <a:extLst>
               <a:ext uri="{FF2B5EF4-FFF2-40B4-BE49-F238E27FC236}">
+                <a16:creationId xmlns:a16="http://schemas.microsoft.com/office/drawing/2014/main" id="{A4D6DE47-E070-423C-8CE8-479EC2A576FC}"/>
+              </a:ext>
+            </a:extLst>
+          </p:cNvPr>
+          <p:cNvSpPr>
+            <a:spLocks noGrp="1"/>
+          </p:cNvSpPr>
+          <p:nvPr>
+            <p:ph type="title"/>
+          </p:nvPr>
+        </p:nvSpPr>
+        <p:spPr/>
+        <p:txBody>
+          <a:bodyPr/>
+          <a:lstStyle/>
+          <a:p>
+            <a:r>
+              <a:rPr lang="en-IN" dirty="0"/>
+              <a:t>Simple Object </a:t>
+            </a:r>
+          </a:p>
+        </p:txBody>
+      </p:sp>
+      <p:sp>
+        <p:nvSpPr>
+          <p:cNvPr id="4" name="Rectangle 3">
+            <a:extLst>
+              <a:ext uri="{FF2B5EF4-FFF2-40B4-BE49-F238E27FC236}">
+                <a16:creationId xmlns:a16="http://schemas.microsoft.com/office/drawing/2014/main" id="{8AF41EE9-7638-493A-9189-D1F7E83FF29F}"/>
+              </a:ext>
+            </a:extLst>
+          </p:cNvPr>
+          <p:cNvSpPr/>
+          <p:nvPr/>
+        </p:nvSpPr>
+        <p:spPr>
+          <a:xfrm>
+            <a:off x="641134" y="1723722"/>
+            <a:ext cx="5092264" cy="1569660"/>
+          </a:xfrm>
+          <a:prstGeom prst="rect">
+            <a:avLst/>
+          </a:prstGeom>
+        </p:spPr>
+        <p:txBody>
+          <a:bodyPr wrap="square">
+            <a:spAutoFit/>
+          </a:bodyPr>
+          <a:lstStyle/>
+          <a:p>
+            <a:r>
+              <a:rPr lang="en-IN" sz="3200" dirty="0"/>
+              <a:t>function Dog (name) {</a:t>
+            </a:r>
+          </a:p>
+          <a:p>
+            <a:r>
+              <a:rPr lang="en-IN" sz="3200" dirty="0"/>
+              <a:t>      this.name = name;</a:t>
+            </a:r>
+          </a:p>
+          <a:p>
+            <a:r>
+              <a:rPr lang="en-IN" sz="3200" dirty="0"/>
+              <a:t>    }</a:t>
+            </a:r>
+          </a:p>
+        </p:txBody>
+      </p:sp>
+      <p:sp>
+        <p:nvSpPr>
+          <p:cNvPr id="5" name="Rectangle 4">
+            <a:extLst>
+              <a:ext uri="{FF2B5EF4-FFF2-40B4-BE49-F238E27FC236}">
+                <a16:creationId xmlns:a16="http://schemas.microsoft.com/office/drawing/2014/main" id="{C3F0FC48-A3DD-4705-A29F-903A170E272C}"/>
+              </a:ext>
+            </a:extLst>
+          </p:cNvPr>
+          <p:cNvSpPr/>
+          <p:nvPr/>
+        </p:nvSpPr>
+        <p:spPr>
+          <a:xfrm>
+            <a:off x="6542686" y="1027906"/>
+            <a:ext cx="4761187" cy="3046988"/>
+          </a:xfrm>
+          <a:prstGeom prst="rect">
+            <a:avLst/>
+          </a:prstGeom>
+        </p:spPr>
+        <p:txBody>
+          <a:bodyPr wrap="square">
+            <a:spAutoFit/>
+          </a:bodyPr>
+          <a:lstStyle/>
+          <a:p>
+            <a:endParaRPr lang="en-IN" sz="3200" dirty="0"/>
+          </a:p>
+          <a:p>
+            <a:r>
+              <a:rPr lang="en-IN" sz="3200" dirty="0"/>
+              <a:t> class Dog {</a:t>
+            </a:r>
+          </a:p>
+          <a:p>
+            <a:r>
+              <a:rPr lang="en-IN" sz="3200" dirty="0"/>
+              <a:t>      constructor (name) {</a:t>
+            </a:r>
+          </a:p>
+          <a:p>
+            <a:r>
+              <a:rPr lang="en-IN" sz="3200" dirty="0"/>
+              <a:t>        this.name = name;</a:t>
+            </a:r>
+          </a:p>
+          <a:p>
+            <a:r>
+              <a:rPr lang="en-IN" sz="3200" dirty="0"/>
+              <a:t>      }</a:t>
+            </a:r>
+          </a:p>
+          <a:p>
+            <a:r>
+              <a:rPr lang="en-IN" sz="3200" dirty="0"/>
+              <a:t>    }</a:t>
+            </a:r>
+          </a:p>
+        </p:txBody>
+      </p:sp>
+      <p:sp>
+        <p:nvSpPr>
+          <p:cNvPr id="6" name="Rectangle 5">
+            <a:extLst>
+              <a:ext uri="{FF2B5EF4-FFF2-40B4-BE49-F238E27FC236}">
+                <a16:creationId xmlns:a16="http://schemas.microsoft.com/office/drawing/2014/main" id="{C8ACD3B0-FF3C-4A91-8EC7-6C31CED7270E}"/>
+              </a:ext>
+            </a:extLst>
+          </p:cNvPr>
+          <p:cNvSpPr/>
+          <p:nvPr/>
+        </p:nvSpPr>
+        <p:spPr>
+          <a:xfrm>
+            <a:off x="325817" y="4349448"/>
+            <a:ext cx="6096000" cy="1569660"/>
+          </a:xfrm>
+          <a:prstGeom prst="rect">
+            <a:avLst/>
+          </a:prstGeom>
+        </p:spPr>
+        <p:txBody>
+          <a:bodyPr>
+            <a:spAutoFit/>
+          </a:bodyPr>
+          <a:lstStyle/>
+          <a:p>
+            <a:r>
+              <a:rPr lang="en-IN" sz="3200" dirty="0"/>
+              <a:t>var </a:t>
+            </a:r>
+            <a:r>
+              <a:rPr lang="en-IN" sz="3200" dirty="0" err="1"/>
+              <a:t>fido</a:t>
+            </a:r>
+            <a:r>
+              <a:rPr lang="en-IN" sz="3200" dirty="0"/>
+              <a:t> = new Dog('Fido');</a:t>
+            </a:r>
+          </a:p>
+          <a:p>
+            <a:endParaRPr lang="en-IN" sz="3200" dirty="0"/>
+          </a:p>
+          <a:p>
+            <a:r>
+              <a:rPr lang="en-IN" sz="3200" dirty="0"/>
+              <a:t>console.log(fido.name); // 'Fido'</a:t>
+            </a:r>
+          </a:p>
+        </p:txBody>
+      </p:sp>
+      <p:sp>
+        <p:nvSpPr>
+          <p:cNvPr id="7" name="Rectangle 6">
+            <a:extLst>
+              <a:ext uri="{FF2B5EF4-FFF2-40B4-BE49-F238E27FC236}">
+                <a16:creationId xmlns:a16="http://schemas.microsoft.com/office/drawing/2014/main" id="{36804E29-4233-4126-9622-67DBB8886074}"/>
+              </a:ext>
+            </a:extLst>
+          </p:cNvPr>
+          <p:cNvSpPr/>
+          <p:nvPr/>
+        </p:nvSpPr>
+        <p:spPr>
+          <a:xfrm>
+            <a:off x="6542686" y="4415956"/>
+            <a:ext cx="6096000" cy="1569660"/>
+          </a:xfrm>
+          <a:prstGeom prst="rect">
+            <a:avLst/>
+          </a:prstGeom>
+        </p:spPr>
+        <p:txBody>
+          <a:bodyPr>
+            <a:spAutoFit/>
+          </a:bodyPr>
+          <a:lstStyle/>
+          <a:p>
+            <a:r>
+              <a:rPr lang="en-IN" sz="3200" dirty="0"/>
+              <a:t>var </a:t>
+            </a:r>
+            <a:r>
+              <a:rPr lang="en-IN" sz="3200" dirty="0" err="1"/>
+              <a:t>fido</a:t>
+            </a:r>
+            <a:r>
+              <a:rPr lang="en-IN" sz="3200" dirty="0"/>
+              <a:t> = new Dog('Fido');</a:t>
+            </a:r>
+          </a:p>
+          <a:p>
+            <a:endParaRPr lang="en-IN" sz="3200" dirty="0"/>
+          </a:p>
+          <a:p>
+            <a:r>
+              <a:rPr lang="en-IN" sz="3200" dirty="0"/>
+              <a:t>console.log(fido.name); // 'Fido'</a:t>
+            </a:r>
+          </a:p>
+        </p:txBody>
+      </p:sp>
+    </p:spTree>
+    <p:extLst>
+      <p:ext uri="{BB962C8B-B14F-4D97-AF65-F5344CB8AC3E}">
+        <p14:creationId xmlns:p14="http://schemas.microsoft.com/office/powerpoint/2010/main" val="114265696"/>
+      </p:ext>
+    </p:extLst>
+  </p:cSld>
+  <p:clrMapOvr>
+    <a:masterClrMapping/>
+  </p:clrMapOvr>
+</p:sld>
+</file>
+
+<file path=ppt/slides/slide5.xml><?xml version="1.0" encoding="utf-8"?>
+<p:sld xmlns:a="http://schemas.openxmlformats.org/drawingml/2006/main" xmlns:r="http://schemas.openxmlformats.org/officeDocument/2006/relationships" xmlns:p="http://schemas.openxmlformats.org/presentationml/2006/main">
+  <p:cSld>
+    <p:spTree>
+      <p:nvGrpSpPr>
+        <p:cNvPr id="1" name=""/>
+        <p:cNvGrpSpPr/>
+        <p:nvPr/>
+      </p:nvGrpSpPr>
+      <p:grpSpPr>
+        <a:xfrm>
+          <a:off x="0" y="0"/>
+          <a:ext cx="0" cy="0"/>
+          <a:chOff x="0" y="0"/>
+          <a:chExt cx="0" cy="0"/>
+        </a:xfrm>
+      </p:grpSpPr>
+      <p:sp>
+        <p:nvSpPr>
+          <p:cNvPr id="2" name="Title 1">
+            <a:extLst>
+              <a:ext uri="{FF2B5EF4-FFF2-40B4-BE49-F238E27FC236}">
                 <a16:creationId xmlns:a16="http://schemas.microsoft.com/office/drawing/2014/main" id="{490E84F3-6659-4C48-9FBE-DDD3F8B5A4A0}"/>
               </a:ext>
             </a:extLst>
@@ -4665,7 +5823,7 @@
 </p:sld>
 </file>
 
-<file path=ppt/slides/slide5.xml><?xml version="1.0" encoding="utf-8"?>
+<file path=ppt/slides/slide6.xml><?xml version="1.0" encoding="utf-8"?>
 <p:sld xmlns:a="http://schemas.openxmlformats.org/drawingml/2006/main" xmlns:r="http://schemas.openxmlformats.org/officeDocument/2006/relationships" xmlns:p="http://schemas.openxmlformats.org/presentationml/2006/main">
   <p:cSld>
     <p:spTree>
@@ -5724,150 +6882,6 @@
 </p:sld>
 </file>
 
-<file path=ppt/slides/slide6.xml><?xml version="1.0" encoding="utf-8"?>
-<p:sld xmlns:a="http://schemas.openxmlformats.org/drawingml/2006/main" xmlns:r="http://schemas.openxmlformats.org/officeDocument/2006/relationships" xmlns:p="http://schemas.openxmlformats.org/presentationml/2006/main">
-  <p:cSld>
-    <p:spTree>
-      <p:nvGrpSpPr>
-        <p:cNvPr id="1" name=""/>
-        <p:cNvGrpSpPr/>
-        <p:nvPr/>
-      </p:nvGrpSpPr>
-      <p:grpSpPr>
-        <a:xfrm>
-          <a:off x="0" y="0"/>
-          <a:ext cx="0" cy="0"/>
-          <a:chOff x="0" y="0"/>
-          <a:chExt cx="0" cy="0"/>
-        </a:xfrm>
-      </p:grpSpPr>
-      <p:sp>
-        <p:nvSpPr>
-          <p:cNvPr id="17409" name="Rectangle 1">
-            <a:extLst>
-              <a:ext uri="{FF2B5EF4-FFF2-40B4-BE49-F238E27FC236}">
-                <a16:creationId xmlns:a16="http://schemas.microsoft.com/office/drawing/2014/main" id="{1BE08D15-B6CF-4646-A502-D2717C2667D8}"/>
-              </a:ext>
-            </a:extLst>
-          </p:cNvPr>
-          <p:cNvSpPr>
-            <a:spLocks noGrp="1" noChangeArrowheads="1"/>
-          </p:cNvSpPr>
-          <p:nvPr>
-            <p:ph type="title"/>
-          </p:nvPr>
-        </p:nvSpPr>
-        <p:spPr/>
-        <p:txBody>
-          <a:bodyPr/>
-          <a:lstStyle/>
-          <a:p>
-            <a:pPr eaLnBrk="1"/>
-            <a:r>
-              <a:rPr lang="en-US" altLang="en-US" dirty="0"/>
-              <a:t>Object Life Cycle</a:t>
-            </a:r>
-          </a:p>
-        </p:txBody>
-      </p:sp>
-      <p:sp>
-        <p:nvSpPr>
-          <p:cNvPr id="17410" name="Rectangle 2">
-            <a:extLst>
-              <a:ext uri="{FF2B5EF4-FFF2-40B4-BE49-F238E27FC236}">
-                <a16:creationId xmlns:a16="http://schemas.microsoft.com/office/drawing/2014/main" id="{7BE1D4ED-1980-43DC-BFE6-3ABB3FF4B00D}"/>
-              </a:ext>
-            </a:extLst>
-          </p:cNvPr>
-          <p:cNvSpPr>
-            <a:spLocks noGrp="1" noChangeArrowheads="1"/>
-          </p:cNvSpPr>
-          <p:nvPr>
-            <p:ph idx="1"/>
-          </p:nvPr>
-        </p:nvSpPr>
-        <p:spPr>
-          <a:xfrm>
-            <a:off x="1132418" y="1943101"/>
-            <a:ext cx="9927167" cy="3619500"/>
-          </a:xfrm>
-        </p:spPr>
-        <p:txBody>
-          <a:bodyPr/>
-          <a:lstStyle/>
-          <a:p>
-            <a:pPr marL="694261" indent="-457200">
-              <a:spcBef>
-                <a:spcPts val="1733"/>
-              </a:spcBef>
-              <a:buSzPct val="171000"/>
-            </a:pPr>
-            <a:r>
-              <a:rPr lang="en-US" altLang="en-US" dirty="0"/>
-              <a:t>Objects are created, used, and discarded</a:t>
-            </a:r>
-          </a:p>
-          <a:p>
-            <a:pPr marL="694261" indent="-457200">
-              <a:spcBef>
-                <a:spcPts val="1733"/>
-              </a:spcBef>
-              <a:buSzPct val="171000"/>
-            </a:pPr>
-            <a:r>
-              <a:rPr lang="en-US" altLang="en-US" dirty="0"/>
-              <a:t>Constructors are implicit in JavaScript - natural</a:t>
-            </a:r>
-          </a:p>
-          <a:p>
-            <a:pPr marL="1329245" lvl="2" indent="-457200">
-              <a:spcBef>
-                <a:spcPts val="1733"/>
-              </a:spcBef>
-              <a:buSzPct val="171000"/>
-            </a:pPr>
-            <a:r>
-              <a:rPr lang="en-US" altLang="en-US" sz="2800" dirty="0">
-                <a:ea typeface="Gill Sans" pitchFamily="2" charset="0"/>
-              </a:rPr>
-              <a:t>A </a:t>
-            </a:r>
-            <a:r>
-              <a:rPr lang="en-US" altLang="en-US" sz="2800" b="1" dirty="0">
-                <a:ea typeface="Gill Sans" pitchFamily="2" charset="0"/>
-              </a:rPr>
-              <a:t>constructor</a:t>
-            </a:r>
-            <a:r>
-              <a:rPr lang="en-US" altLang="en-US" sz="2800" dirty="0">
-                <a:ea typeface="Gill Sans" pitchFamily="2" charset="0"/>
-              </a:rPr>
-              <a:t> in a class is a special block of statements called when an object is created</a:t>
-            </a:r>
-          </a:p>
-          <a:p>
-            <a:pPr marL="694261" indent="-457200">
-              <a:spcBef>
-                <a:spcPts val="1733"/>
-              </a:spcBef>
-              <a:buSzPct val="171000"/>
-            </a:pPr>
-            <a:r>
-              <a:rPr lang="en-US" altLang="en-US" dirty="0"/>
-              <a:t>Destructors are not provided by JavaScript</a:t>
-            </a:r>
-          </a:p>
-        </p:txBody>
-      </p:sp>
-    </p:spTree>
-  </p:cSld>
-  <p:clrMapOvr>
-    <a:masterClrMapping/>
-  </p:clrMapOvr>
-  <p:transition spd="med"/>
-</p:sld>
-</file>
-
 <file path=ppt/slides/slide7.xml><?xml version="1.0" encoding="utf-8"?>
 <p:sld xmlns:a="http://schemas.openxmlformats.org/drawingml/2006/main" xmlns:r="http://schemas.openxmlformats.org/officeDocument/2006/relationships" xmlns:p="http://schemas.openxmlformats.org/presentationml/2006/main">
   <p:cSld>
@@ -5887,10 +6901,10 @@
       </p:grpSpPr>
       <p:sp>
         <p:nvSpPr>
-          <p:cNvPr id="19457" name="Rectangle 1">
-            <a:extLst>
-              <a:ext uri="{FF2B5EF4-FFF2-40B4-BE49-F238E27FC236}">
-                <a16:creationId xmlns:a16="http://schemas.microsoft.com/office/drawing/2014/main" id="{5C510800-68A6-4292-8901-003BE0B085B9}"/>
+          <p:cNvPr id="17409" name="Rectangle 1">
+            <a:extLst>
+              <a:ext uri="{FF2B5EF4-FFF2-40B4-BE49-F238E27FC236}">
+                <a16:creationId xmlns:a16="http://schemas.microsoft.com/office/drawing/2014/main" id="{1BE08D15-B6CF-4646-A502-D2717C2667D8}"/>
               </a:ext>
             </a:extLst>
           </p:cNvPr>
@@ -5908,19 +6922,18 @@
           <a:p>
             <a:pPr eaLnBrk="1"/>
             <a:r>
-              <a:rPr lang="en-US" altLang="en-US" sz="5733" dirty="0"/>
-              <a:t>Many Instances</a:t>
-            </a:r>
-            <a:endParaRPr lang="en-US" altLang="en-US" dirty="0"/>
-          </a:p>
-        </p:txBody>
-      </p:sp>
-      <p:sp>
-        <p:nvSpPr>
-          <p:cNvPr id="19458" name="Rectangle 2">
-            <a:extLst>
-              <a:ext uri="{FF2B5EF4-FFF2-40B4-BE49-F238E27FC236}">
-                <a16:creationId xmlns:a16="http://schemas.microsoft.com/office/drawing/2014/main" id="{B9546822-54A9-4E77-8CE6-103C8002A2C2}"/>
+              <a:rPr lang="en-US" altLang="en-US" dirty="0"/>
+              <a:t>Object Life Cycle</a:t>
+            </a:r>
+          </a:p>
+        </p:txBody>
+      </p:sp>
+      <p:sp>
+        <p:nvSpPr>
+          <p:cNvPr id="17410" name="Rectangle 2">
+            <a:extLst>
+              <a:ext uri="{FF2B5EF4-FFF2-40B4-BE49-F238E27FC236}">
+                <a16:creationId xmlns:a16="http://schemas.microsoft.com/office/drawing/2014/main" id="{7BE1D4ED-1980-43DC-BFE6-3ABB3FF4B00D}"/>
               </a:ext>
             </a:extLst>
           </p:cNvPr>
@@ -5934,66 +6947,72 @@
         <p:spPr>
           <a:xfrm>
             <a:off x="1132418" y="1943101"/>
-            <a:ext cx="9927167" cy="3517900"/>
+            <a:ext cx="9927167" cy="3619500"/>
           </a:xfrm>
         </p:spPr>
         <p:txBody>
           <a:bodyPr/>
           <a:lstStyle/>
           <a:p>
-            <a:pPr marL="827597" indent="-590536">
+            <a:pPr marL="694261" indent="-457200">
               <a:spcBef>
                 <a:spcPts val="1733"/>
               </a:spcBef>
               <a:buSzPct val="171000"/>
-              <a:buFontTx/>
-              <a:buChar char="•"/>
             </a:pPr>
             <a:r>
               <a:rPr lang="en-US" altLang="en-US" dirty="0"/>
-              <a:t>We can create lots of objects - the class is the template for the object.</a:t>
-            </a:r>
-          </a:p>
-          <a:p>
-            <a:pPr marL="827597" indent="-590536">
+              <a:t>Objects are created, used, and discarded</a:t>
+            </a:r>
+          </a:p>
+          <a:p>
+            <a:pPr marL="694261" indent="-457200">
               <a:spcBef>
                 <a:spcPts val="1733"/>
               </a:spcBef>
               <a:buSzPct val="171000"/>
-              <a:buFontTx/>
-              <a:buChar char="•"/>
             </a:pPr>
             <a:r>
               <a:rPr lang="en-US" altLang="en-US" dirty="0"/>
-              <a:t>We can store each distinct object in its own variable.</a:t>
-            </a:r>
-          </a:p>
-          <a:p>
-            <a:pPr marL="827597" indent="-590536">
+              <a:t>Constructors are implicit in JavaScript - natural</a:t>
+            </a:r>
+          </a:p>
+          <a:p>
+            <a:pPr marL="1329245" lvl="2" indent="-457200">
               <a:spcBef>
                 <a:spcPts val="1733"/>
               </a:spcBef>
               <a:buSzPct val="171000"/>
-              <a:buFontTx/>
-              <a:buChar char="•"/>
             </a:pPr>
             <a:r>
-              <a:rPr lang="en-US" altLang="en-US" dirty="0"/>
-              <a:t>We call this having multiple instances of the same class.</a:t>
-            </a:r>
-          </a:p>
-          <a:p>
-            <a:pPr marL="827597" indent="-590536">
+              <a:rPr lang="en-US" altLang="en-US" sz="2800" dirty="0">
+                <a:ea typeface="Gill Sans" pitchFamily="2" charset="0"/>
+              </a:rPr>
+              <a:t>A </a:t>
+            </a:r>
+            <a:r>
+              <a:rPr lang="en-US" altLang="en-US" sz="2800" b="1" dirty="0">
+                <a:ea typeface="Gill Sans" pitchFamily="2" charset="0"/>
+              </a:rPr>
+              <a:t>constructor</a:t>
+            </a:r>
+            <a:r>
+              <a:rPr lang="en-US" altLang="en-US" sz="2800" dirty="0">
+                <a:ea typeface="Gill Sans" pitchFamily="2" charset="0"/>
+              </a:rPr>
+              <a:t> in a class is a special block of statements called when an object is created</a:t>
+            </a:r>
+          </a:p>
+          <a:p>
+            <a:pPr marL="694261" indent="-457200">
               <a:spcBef>
                 <a:spcPts val="1733"/>
               </a:spcBef>
               <a:buSzPct val="171000"/>
-              <a:buFontTx/>
-              <a:buChar char="•"/>
             </a:pPr>
             <a:r>
               <a:rPr lang="en-US" altLang="en-US" dirty="0"/>
-              <a:t>Each instance has its own copy of the instance variables.</a:t>
+              <a:t>Destructors are not provided by JavaScript</a:t>
             </a:r>
           </a:p>
         </p:txBody>
@@ -6026,275 +7045,123 @@
       </p:grpSpPr>
       <p:sp>
         <p:nvSpPr>
-          <p:cNvPr id="4" name="Rectangle 3">
-            <a:extLst>
-              <a:ext uri="{FF2B5EF4-FFF2-40B4-BE49-F238E27FC236}">
-                <a16:creationId xmlns:a16="http://schemas.microsoft.com/office/drawing/2014/main" id="{BABF947E-BD57-45D1-9A58-1A322B73CC21}"/>
-              </a:ext>
-            </a:extLst>
-          </p:cNvPr>
-          <p:cNvSpPr/>
-          <p:nvPr/>
+          <p:cNvPr id="19457" name="Rectangle 1">
+            <a:extLst>
+              <a:ext uri="{FF2B5EF4-FFF2-40B4-BE49-F238E27FC236}">
+                <a16:creationId xmlns:a16="http://schemas.microsoft.com/office/drawing/2014/main" id="{5C510800-68A6-4292-8901-003BE0B085B9}"/>
+              </a:ext>
+            </a:extLst>
+          </p:cNvPr>
+          <p:cNvSpPr>
+            <a:spLocks noGrp="1" noChangeArrowheads="1"/>
+          </p:cNvSpPr>
+          <p:nvPr>
+            <p:ph type="title"/>
+          </p:nvPr>
+        </p:nvSpPr>
+        <p:spPr/>
+        <p:txBody>
+          <a:bodyPr/>
+          <a:lstStyle/>
+          <a:p>
+            <a:pPr eaLnBrk="1"/>
+            <a:r>
+              <a:rPr lang="en-US" altLang="en-US" sz="5733" dirty="0"/>
+              <a:t>Many Instances</a:t>
+            </a:r>
+            <a:endParaRPr lang="en-US" altLang="en-US" dirty="0"/>
+          </a:p>
+        </p:txBody>
+      </p:sp>
+      <p:sp>
+        <p:nvSpPr>
+          <p:cNvPr id="19458" name="Rectangle 2">
+            <a:extLst>
+              <a:ext uri="{FF2B5EF4-FFF2-40B4-BE49-F238E27FC236}">
+                <a16:creationId xmlns:a16="http://schemas.microsoft.com/office/drawing/2014/main" id="{B9546822-54A9-4E77-8CE6-103C8002A2C2}"/>
+              </a:ext>
+            </a:extLst>
+          </p:cNvPr>
+          <p:cNvSpPr>
+            <a:spLocks noGrp="1" noChangeArrowheads="1"/>
+          </p:cNvSpPr>
+          <p:nvPr>
+            <p:ph idx="1"/>
+          </p:nvPr>
         </p:nvSpPr>
         <p:spPr>
           <a:xfrm>
-            <a:off x="721360" y="671681"/>
-            <a:ext cx="6096000" cy="3970318"/>
+            <a:off x="1132418" y="1943101"/>
+            <a:ext cx="9927167" cy="3517900"/>
           </a:xfrm>
-          <a:prstGeom prst="rect">
-            <a:avLst/>
-          </a:prstGeom>
         </p:spPr>
         <p:txBody>
-          <a:bodyPr>
-            <a:spAutoFit/>
-          </a:bodyPr>
-          <a:lstStyle/>
-          <a:p>
-            <a:r>
-              <a:rPr lang="en-IN" dirty="0"/>
-              <a:t>class Rectangle {</a:t>
-            </a:r>
-          </a:p>
-          <a:p>
-            <a:r>
-              <a:rPr lang="en-IN" dirty="0"/>
-              <a:t>  constructor(height, width) {</a:t>
-            </a:r>
-          </a:p>
-          <a:p>
-            <a:r>
-              <a:rPr lang="en-IN" dirty="0"/>
-              <a:t>    </a:t>
-            </a:r>
-            <a:r>
-              <a:rPr lang="en-IN" dirty="0" err="1"/>
-              <a:t>this.height</a:t>
-            </a:r>
-            <a:r>
-              <a:rPr lang="en-IN" dirty="0"/>
-              <a:t> = height;</a:t>
-            </a:r>
-          </a:p>
-          <a:p>
-            <a:r>
-              <a:rPr lang="en-IN" dirty="0"/>
-              <a:t>    </a:t>
-            </a:r>
-            <a:r>
-              <a:rPr lang="en-IN" dirty="0" err="1"/>
-              <a:t>this.width</a:t>
-            </a:r>
-            <a:r>
-              <a:rPr lang="en-IN" dirty="0"/>
-              <a:t> = width;</a:t>
-            </a:r>
-          </a:p>
-          <a:p>
-            <a:r>
-              <a:rPr lang="en-IN" dirty="0"/>
-              <a:t>  }</a:t>
-            </a:r>
-          </a:p>
-          <a:p>
-            <a:r>
-              <a:rPr lang="en-IN" dirty="0"/>
-              <a:t>  // Getter</a:t>
-            </a:r>
-          </a:p>
-          <a:p>
-            <a:r>
-              <a:rPr lang="en-IN" dirty="0"/>
-              <a:t>  get area() {</a:t>
-            </a:r>
-          </a:p>
-          <a:p>
-            <a:r>
-              <a:rPr lang="en-IN" dirty="0"/>
-              <a:t>    return </a:t>
-            </a:r>
-            <a:r>
-              <a:rPr lang="en-IN" dirty="0" err="1"/>
-              <a:t>this.calcArea</a:t>
-            </a:r>
-            <a:r>
-              <a:rPr lang="en-IN" dirty="0"/>
-              <a:t>();</a:t>
-            </a:r>
-          </a:p>
-          <a:p>
-            <a:r>
-              <a:rPr lang="en-IN" dirty="0"/>
-              <a:t>  }</a:t>
-            </a:r>
-          </a:p>
-          <a:p>
-            <a:r>
-              <a:rPr lang="en-IN" dirty="0"/>
-              <a:t>  // Method</a:t>
-            </a:r>
-          </a:p>
-          <a:p>
-            <a:r>
-              <a:rPr lang="en-IN" dirty="0"/>
-              <a:t>  </a:t>
-            </a:r>
-            <a:r>
-              <a:rPr lang="en-IN" dirty="0" err="1"/>
-              <a:t>calcArea</a:t>
-            </a:r>
-            <a:r>
-              <a:rPr lang="en-IN" dirty="0"/>
-              <a:t>() {</a:t>
-            </a:r>
-          </a:p>
-          <a:p>
-            <a:r>
-              <a:rPr lang="en-IN" dirty="0"/>
-              <a:t>    return </a:t>
-            </a:r>
-            <a:r>
-              <a:rPr lang="en-IN" dirty="0" err="1"/>
-              <a:t>this.height</a:t>
-            </a:r>
-            <a:r>
-              <a:rPr lang="en-IN" dirty="0"/>
-              <a:t> * </a:t>
-            </a:r>
-            <a:r>
-              <a:rPr lang="en-IN" dirty="0" err="1"/>
-              <a:t>this.width</a:t>
-            </a:r>
-            <a:r>
-              <a:rPr lang="en-IN" dirty="0"/>
-              <a:t>;</a:t>
-            </a:r>
-          </a:p>
-          <a:p>
-            <a:r>
-              <a:rPr lang="en-IN" dirty="0"/>
-              <a:t>  }</a:t>
-            </a:r>
-          </a:p>
-          <a:p>
-            <a:r>
-              <a:rPr lang="en-IN" dirty="0"/>
-              <a:t>}</a:t>
-            </a:r>
-          </a:p>
-        </p:txBody>
-      </p:sp>
-      <p:sp>
-        <p:nvSpPr>
-          <p:cNvPr id="5" name="Rectangle 4">
-            <a:extLst>
-              <a:ext uri="{FF2B5EF4-FFF2-40B4-BE49-F238E27FC236}">
-                <a16:creationId xmlns:a16="http://schemas.microsoft.com/office/drawing/2014/main" id="{8A51B8A3-03D5-4202-9B01-C194524D3F04}"/>
-              </a:ext>
-            </a:extLst>
-          </p:cNvPr>
-          <p:cNvSpPr/>
-          <p:nvPr/>
-        </p:nvSpPr>
-        <p:spPr>
-          <a:xfrm>
-            <a:off x="5648960" y="1423015"/>
-            <a:ext cx="6096000" cy="923330"/>
-          </a:xfrm>
-          <a:prstGeom prst="rect">
-            <a:avLst/>
-          </a:prstGeom>
-        </p:spPr>
-        <p:txBody>
-          <a:bodyPr>
-            <a:spAutoFit/>
-          </a:bodyPr>
-          <a:lstStyle/>
-          <a:p>
-            <a:r>
-              <a:rPr lang="en-IN" dirty="0" err="1"/>
-              <a:t>const</a:t>
-            </a:r>
-            <a:r>
-              <a:rPr lang="en-IN" dirty="0"/>
-              <a:t> square = new Rectangle(10, 10);</a:t>
-            </a:r>
-          </a:p>
-          <a:p>
-            <a:endParaRPr lang="en-IN" dirty="0"/>
-          </a:p>
-          <a:p>
-            <a:r>
-              <a:rPr lang="en-IN" dirty="0"/>
-              <a:t>console.log(</a:t>
-            </a:r>
-            <a:r>
-              <a:rPr lang="en-IN" dirty="0" err="1"/>
-              <a:t>square.area</a:t>
-            </a:r>
-            <a:r>
-              <a:rPr lang="en-IN" dirty="0"/>
-              <a:t>); // 100</a:t>
-            </a:r>
-          </a:p>
-        </p:txBody>
-      </p:sp>
-      <p:sp>
-        <p:nvSpPr>
-          <p:cNvPr id="7" name="Rectangle 6">
-            <a:extLst>
-              <a:ext uri="{FF2B5EF4-FFF2-40B4-BE49-F238E27FC236}">
-                <a16:creationId xmlns:a16="http://schemas.microsoft.com/office/drawing/2014/main" id="{610F4511-AD49-4360-A43A-34DF9D3AB1EF}"/>
-              </a:ext>
-            </a:extLst>
-          </p:cNvPr>
-          <p:cNvSpPr/>
-          <p:nvPr/>
-        </p:nvSpPr>
-        <p:spPr>
-          <a:xfrm>
-            <a:off x="6268720" y="3739495"/>
-            <a:ext cx="6096000" cy="923330"/>
-          </a:xfrm>
-          <a:prstGeom prst="rect">
-            <a:avLst/>
-          </a:prstGeom>
-        </p:spPr>
-        <p:txBody>
-          <a:bodyPr>
-            <a:spAutoFit/>
-          </a:bodyPr>
-          <a:lstStyle/>
-          <a:p>
-            <a:r>
-              <a:rPr lang="en-IN" dirty="0"/>
-              <a:t>Constructor</a:t>
-            </a:r>
-          </a:p>
-          <a:p>
-            <a:r>
-              <a:rPr lang="en-IN" dirty="0"/>
-              <a:t>Getter</a:t>
-            </a:r>
-          </a:p>
-          <a:p>
-            <a:r>
-              <a:rPr lang="en-IN" dirty="0"/>
-              <a:t>new</a:t>
+          <a:bodyPr/>
+          <a:lstStyle/>
+          <a:p>
+            <a:pPr marL="827597" indent="-590536">
+              <a:spcBef>
+                <a:spcPts val="1733"/>
+              </a:spcBef>
+              <a:buSzPct val="171000"/>
+              <a:buFontTx/>
+              <a:buChar char="•"/>
+            </a:pPr>
+            <a:r>
+              <a:rPr lang="en-US" altLang="en-US" dirty="0"/>
+              <a:t>We can create lots of objects - the class is the template for the object.</a:t>
+            </a:r>
+          </a:p>
+          <a:p>
+            <a:pPr marL="827597" indent="-590536">
+              <a:spcBef>
+                <a:spcPts val="1733"/>
+              </a:spcBef>
+              <a:buSzPct val="171000"/>
+              <a:buFontTx/>
+              <a:buChar char="•"/>
+            </a:pPr>
+            <a:r>
+              <a:rPr lang="en-US" altLang="en-US" dirty="0"/>
+              <a:t>We can store each distinct object in its own variable.</a:t>
+            </a:r>
+          </a:p>
+          <a:p>
+            <a:pPr marL="827597" indent="-590536">
+              <a:spcBef>
+                <a:spcPts val="1733"/>
+              </a:spcBef>
+              <a:buSzPct val="171000"/>
+              <a:buFontTx/>
+              <a:buChar char="•"/>
+            </a:pPr>
+            <a:r>
+              <a:rPr lang="en-US" altLang="en-US" dirty="0"/>
+              <a:t>We call this having multiple instances of the same class.</a:t>
+            </a:r>
+          </a:p>
+          <a:p>
+            <a:pPr marL="827597" indent="-590536">
+              <a:spcBef>
+                <a:spcPts val="1733"/>
+              </a:spcBef>
+              <a:buSzPct val="171000"/>
+              <a:buFontTx/>
+              <a:buChar char="•"/>
+            </a:pPr>
+            <a:r>
+              <a:rPr lang="en-US" altLang="en-US" dirty="0"/>
+              <a:t>Each instance has its own copy of the instance variables.</a:t>
             </a:r>
           </a:p>
         </p:txBody>
       </p:sp>
     </p:spTree>
-    <p:extLst>
-      <p:ext uri="{BB962C8B-B14F-4D97-AF65-F5344CB8AC3E}">
-        <p14:creationId xmlns:p14="http://schemas.microsoft.com/office/powerpoint/2010/main" val="518625166"/>
-      </p:ext>
-    </p:extLst>
   </p:cSld>
   <p:clrMapOvr>
     <a:masterClrMapping/>
   </p:clrMapOvr>
+  <p:transition spd="med"/>
 </p:sld>
 </file>
 
@@ -6320,7 +7187,7 @@
           <p:cNvPr id="4" name="Rectangle 3">
             <a:extLst>
               <a:ext uri="{FF2B5EF4-FFF2-40B4-BE49-F238E27FC236}">
-                <a16:creationId xmlns:a16="http://schemas.microsoft.com/office/drawing/2014/main" id="{7F1385E4-6F82-443F-A4F0-8DFCA12577B6}"/>
+                <a16:creationId xmlns:a16="http://schemas.microsoft.com/office/drawing/2014/main" id="{BABF947E-BD57-45D1-9A58-1A322B73CC21}"/>
               </a:ext>
             </a:extLst>
           </p:cNvPr>
@@ -6329,8 +7196,8 @@
         </p:nvSpPr>
         <p:spPr>
           <a:xfrm>
-            <a:off x="3048000" y="612845"/>
-            <a:ext cx="6096000" cy="5632311"/>
+            <a:off x="721360" y="671681"/>
+            <a:ext cx="6096000" cy="3970318"/>
           </a:xfrm>
           <a:prstGeom prst="rect">
             <a:avLst/>
@@ -6344,13 +7211,13 @@
           <a:p>
             <a:r>
               <a:rPr lang="en-IN" dirty="0"/>
-              <a:t>class Point {</a:t>
+              <a:t>class Rectangle {</a:t>
             </a:r>
           </a:p>
           <a:p>
             <a:r>
               <a:rPr lang="en-IN" dirty="0"/>
-              <a:t>  constructor(x, y) {</a:t>
+              <a:t>  constructor(height, width) {</a:t>
             </a:r>
           </a:p>
           <a:p>
@@ -6360,11 +7227,11 @@
             </a:r>
             <a:r>
               <a:rPr lang="en-IN" dirty="0" err="1"/>
-              <a:t>this.x</a:t>
+              <a:t>this.height</a:t>
             </a:r>
             <a:r>
               <a:rPr lang="en-IN" dirty="0"/>
-              <a:t> = x;</a:t>
+              <a:t> = height;</a:t>
             </a:r>
           </a:p>
           <a:p>
@@ -6374,11 +7241,11 @@
             </a:r>
             <a:r>
               <a:rPr lang="en-IN" dirty="0" err="1"/>
-              <a:t>this.y</a:t>
+              <a:t>this.width</a:t>
             </a:r>
             <a:r>
               <a:rPr lang="en-IN" dirty="0"/>
-              <a:t> = y;</a:t>
+              <a:t> = width;</a:t>
             </a:r>
           </a:p>
           <a:p>
@@ -6388,152 +7255,127 @@
             </a:r>
           </a:p>
           <a:p>
-            <a:endParaRPr lang="en-IN" dirty="0"/>
-          </a:p>
-          <a:p>
             <a:r>
               <a:rPr lang="en-IN" dirty="0"/>
-              <a:t>  static distance(a, b) {</a:t>
+              <a:t>  // Getter</a:t>
             </a:r>
           </a:p>
           <a:p>
             <a:r>
               <a:rPr lang="en-IN" dirty="0"/>
-              <a:t>    </a:t>
-            </a:r>
+              <a:t>  get area() {</a:t>
+            </a:r>
+          </a:p>
+          <a:p>
+            <a:r>
+              <a:rPr lang="en-IN" dirty="0"/>
+              <a:t>    return </a:t>
+            </a:r>
+            <a:r>
+              <a:rPr lang="en-IN" dirty="0" err="1"/>
+              <a:t>this.calcArea</a:t>
+            </a:r>
+            <a:r>
+              <a:rPr lang="en-IN" dirty="0"/>
+              <a:t>();</a:t>
+            </a:r>
+          </a:p>
+          <a:p>
+            <a:r>
+              <a:rPr lang="en-IN" dirty="0"/>
+              <a:t>  }</a:t>
+            </a:r>
+          </a:p>
+          <a:p>
+            <a:r>
+              <a:rPr lang="en-IN" dirty="0"/>
+              <a:t>  // Method</a:t>
+            </a:r>
+          </a:p>
+          <a:p>
+            <a:r>
+              <a:rPr lang="en-IN" dirty="0"/>
+              <a:t>  </a:t>
+            </a:r>
+            <a:r>
+              <a:rPr lang="en-IN" dirty="0" err="1"/>
+              <a:t>calcArea</a:t>
+            </a:r>
+            <a:r>
+              <a:rPr lang="en-IN" dirty="0"/>
+              <a:t>() {</a:t>
+            </a:r>
+          </a:p>
+          <a:p>
+            <a:r>
+              <a:rPr lang="en-IN" dirty="0"/>
+              <a:t>    return </a:t>
+            </a:r>
+            <a:r>
+              <a:rPr lang="en-IN" dirty="0" err="1"/>
+              <a:t>this.height</a:t>
+            </a:r>
+            <a:r>
+              <a:rPr lang="en-IN" dirty="0"/>
+              <a:t> * </a:t>
+            </a:r>
+            <a:r>
+              <a:rPr lang="en-IN" dirty="0" err="1"/>
+              <a:t>this.width</a:t>
+            </a:r>
+            <a:r>
+              <a:rPr lang="en-IN" dirty="0"/>
+              <a:t>;</a:t>
+            </a:r>
+          </a:p>
+          <a:p>
+            <a:r>
+              <a:rPr lang="en-IN" dirty="0"/>
+              <a:t>  }</a:t>
+            </a:r>
+          </a:p>
+          <a:p>
+            <a:r>
+              <a:rPr lang="en-IN" dirty="0"/>
+              <a:t>}</a:t>
+            </a:r>
+          </a:p>
+        </p:txBody>
+      </p:sp>
+      <p:sp>
+        <p:nvSpPr>
+          <p:cNvPr id="5" name="Rectangle 4">
+            <a:extLst>
+              <a:ext uri="{FF2B5EF4-FFF2-40B4-BE49-F238E27FC236}">
+                <a16:creationId xmlns:a16="http://schemas.microsoft.com/office/drawing/2014/main" id="{8A51B8A3-03D5-4202-9B01-C194524D3F04}"/>
+              </a:ext>
+            </a:extLst>
+          </p:cNvPr>
+          <p:cNvSpPr/>
+          <p:nvPr/>
+        </p:nvSpPr>
+        <p:spPr>
+          <a:xfrm>
+            <a:off x="5648960" y="1423015"/>
+            <a:ext cx="6096000" cy="923330"/>
+          </a:xfrm>
+          <a:prstGeom prst="rect">
+            <a:avLst/>
+          </a:prstGeom>
+        </p:spPr>
+        <p:txBody>
+          <a:bodyPr>
+            <a:spAutoFit/>
+          </a:bodyPr>
+          <a:lstStyle/>
+          <a:p>
             <a:r>
               <a:rPr lang="en-IN" dirty="0" err="1"/>
               <a:t>const</a:t>
             </a:r>
             <a:r>
               <a:rPr lang="en-IN" dirty="0"/>
-              <a:t> dx = </a:t>
-            </a:r>
-            <a:r>
-              <a:rPr lang="en-IN" dirty="0" err="1"/>
-              <a:t>a.x</a:t>
-            </a:r>
-            <a:r>
-              <a:rPr lang="en-IN" dirty="0"/>
-              <a:t> - </a:t>
-            </a:r>
-            <a:r>
-              <a:rPr lang="en-IN" dirty="0" err="1"/>
-              <a:t>b.x</a:t>
-            </a:r>
-            <a:r>
-              <a:rPr lang="en-IN" dirty="0"/>
-              <a:t>;</a:t>
-            </a:r>
-          </a:p>
-          <a:p>
-            <a:r>
-              <a:rPr lang="en-IN" dirty="0"/>
-              <a:t>    </a:t>
-            </a:r>
-            <a:r>
-              <a:rPr lang="en-IN" dirty="0" err="1"/>
-              <a:t>const</a:t>
-            </a:r>
-            <a:r>
-              <a:rPr lang="en-IN" dirty="0"/>
-              <a:t> </a:t>
-            </a:r>
-            <a:r>
-              <a:rPr lang="en-IN" dirty="0" err="1"/>
-              <a:t>dy</a:t>
-            </a:r>
-            <a:r>
-              <a:rPr lang="en-IN" dirty="0"/>
-              <a:t> = </a:t>
-            </a:r>
-            <a:r>
-              <a:rPr lang="en-IN" dirty="0" err="1"/>
-              <a:t>a.y</a:t>
-            </a:r>
-            <a:r>
-              <a:rPr lang="en-IN" dirty="0"/>
-              <a:t> - </a:t>
-            </a:r>
-            <a:r>
-              <a:rPr lang="en-IN" dirty="0" err="1"/>
-              <a:t>b.y</a:t>
-            </a:r>
-            <a:r>
-              <a:rPr lang="en-IN" dirty="0"/>
-              <a:t>;</a:t>
-            </a:r>
-          </a:p>
-          <a:p>
-            <a:endParaRPr lang="en-IN" dirty="0"/>
-          </a:p>
-          <a:p>
-            <a:r>
-              <a:rPr lang="en-IN" dirty="0"/>
-              <a:t>    return </a:t>
-            </a:r>
-            <a:r>
-              <a:rPr lang="en-IN" dirty="0" err="1"/>
-              <a:t>Math.hypot</a:t>
-            </a:r>
-            <a:r>
-              <a:rPr lang="en-IN" dirty="0"/>
-              <a:t>(dx, </a:t>
-            </a:r>
-            <a:r>
-              <a:rPr lang="en-IN" dirty="0" err="1"/>
-              <a:t>dy</a:t>
-            </a:r>
-            <a:r>
-              <a:rPr lang="en-IN" dirty="0"/>
-              <a:t>);</a:t>
-            </a:r>
-          </a:p>
-          <a:p>
-            <a:r>
-              <a:rPr lang="en-IN" dirty="0"/>
-              <a:t>  }</a:t>
-            </a:r>
-          </a:p>
-          <a:p>
-            <a:r>
-              <a:rPr lang="en-IN" dirty="0"/>
-              <a:t>}</a:t>
-            </a:r>
-          </a:p>
-          <a:p>
-            <a:endParaRPr lang="en-IN" dirty="0"/>
-          </a:p>
-          <a:p>
-            <a:r>
-              <a:rPr lang="en-IN" dirty="0" err="1"/>
-              <a:t>const</a:t>
-            </a:r>
-            <a:r>
-              <a:rPr lang="en-IN" dirty="0"/>
-              <a:t> p1 = new Point(5, 5);</a:t>
-            </a:r>
-          </a:p>
-          <a:p>
-            <a:r>
-              <a:rPr lang="en-IN" dirty="0" err="1"/>
-              <a:t>const</a:t>
-            </a:r>
-            <a:r>
-              <a:rPr lang="en-IN" dirty="0"/>
-              <a:t> p2 = new Point(10, 10);</a:t>
-            </a:r>
-          </a:p>
-          <a:p>
-            <a:r>
-              <a:rPr lang="en-IN" dirty="0"/>
-              <a:t>p1.distance; //undefined</a:t>
-            </a:r>
-          </a:p>
-          <a:p>
-            <a:r>
-              <a:rPr lang="en-IN" dirty="0"/>
-              <a:t>p2.distance; //undefined</a:t>
+              <a:t> square = new Rectangle(10, 10);</a:t>
             </a:r>
           </a:p>
           <a:p>
@@ -6546,11 +7388,57 @@
             </a:r>
             <a:r>
               <a:rPr lang="en-IN" dirty="0" err="1"/>
-              <a:t>Point.distance</a:t>
+              <a:t>square.area</a:t>
             </a:r>
             <a:r>
               <a:rPr lang="en-IN" dirty="0"/>
-              <a:t>(p1, p2)); // 7.0710678118654755</a:t>
+              <a:t>); // 100</a:t>
+            </a:r>
+          </a:p>
+        </p:txBody>
+      </p:sp>
+      <p:sp>
+        <p:nvSpPr>
+          <p:cNvPr id="7" name="Rectangle 6">
+            <a:extLst>
+              <a:ext uri="{FF2B5EF4-FFF2-40B4-BE49-F238E27FC236}">
+                <a16:creationId xmlns:a16="http://schemas.microsoft.com/office/drawing/2014/main" id="{610F4511-AD49-4360-A43A-34DF9D3AB1EF}"/>
+              </a:ext>
+            </a:extLst>
+          </p:cNvPr>
+          <p:cNvSpPr/>
+          <p:nvPr/>
+        </p:nvSpPr>
+        <p:spPr>
+          <a:xfrm>
+            <a:off x="6268720" y="3739495"/>
+            <a:ext cx="6096000" cy="923330"/>
+          </a:xfrm>
+          <a:prstGeom prst="rect">
+            <a:avLst/>
+          </a:prstGeom>
+        </p:spPr>
+        <p:txBody>
+          <a:bodyPr>
+            <a:spAutoFit/>
+          </a:bodyPr>
+          <a:lstStyle/>
+          <a:p>
+            <a:r>
+              <a:rPr lang="en-IN" dirty="0"/>
+              <a:t>Constructor</a:t>
+            </a:r>
+          </a:p>
+          <a:p>
+            <a:r>
+              <a:rPr lang="en-IN" dirty="0"/>
+              <a:t>Getter</a:t>
+            </a:r>
+          </a:p>
+          <a:p>
+            <a:r>
+              <a:rPr lang="en-IN" dirty="0"/>
+              <a:t>new</a:t>
             </a:r>
           </a:p>
         </p:txBody>
@@ -6558,7 +7446,7 @@
     </p:spTree>
     <p:extLst>
       <p:ext uri="{BB962C8B-B14F-4D97-AF65-F5344CB8AC3E}">
-        <p14:creationId xmlns:p14="http://schemas.microsoft.com/office/powerpoint/2010/main" val="316894981"/>
+        <p14:creationId xmlns:p14="http://schemas.microsoft.com/office/powerpoint/2010/main" val="518625166"/>
       </p:ext>
     </p:extLst>
   </p:cSld>
@@ -6861,4 +7749,299 @@
     </a:ext>
   </a:extLst>
 </a:theme>
+</file>
+
+<file path=ppt/theme/theme2.xml><?xml version="1.0" encoding="utf-8"?>
+<a:theme xmlns:a="http://schemas.openxmlformats.org/drawingml/2006/main" name="Office Theme">
+  <a:themeElements>
+    <a:clrScheme name="Office">
+      <a:dk1>
+        <a:sysClr val="windowText" lastClr="000000"/>
+      </a:dk1>
+      <a:lt1>
+        <a:sysClr val="window" lastClr="FFFFFF"/>
+      </a:lt1>
+      <a:dk2>
+        <a:srgbClr val="44546A"/>
+      </a:dk2>
+      <a:lt2>
+        <a:srgbClr val="E7E6E6"/>
+      </a:lt2>
+      <a:accent1>
+        <a:srgbClr val="4472C4"/>
+      </a:accent1>
+      <a:accent2>
+        <a:srgbClr val="ED7D31"/>
+      </a:accent2>
+      <a:accent3>
+        <a:srgbClr val="A5A5A5"/>
+      </a:accent3>
+      <a:accent4>
+        <a:srgbClr val="FFC000"/>
+      </a:accent4>
+      <a:accent5>
+        <a:srgbClr val="5B9BD5"/>
+      </a:accent5>
+      <a:accent6>
+        <a:srgbClr val="70AD47"/>
+      </a:accent6>
+      <a:hlink>
+        <a:srgbClr val="0563C1"/>
+      </a:hlink>
+      <a:folHlink>
+        <a:srgbClr val="954F72"/>
+      </a:folHlink>
+    </a:clrScheme>
+    <a:fontScheme name="Office">
+      <a:majorFont>
+        <a:latin typeface="Calibri Light" panose="020F0302020204030204"/>
+        <a:ea typeface=""/>
+        <a:cs typeface=""/>
+        <a:font script="Jpan" typeface="游ゴシック Light"/>
+        <a:font script="Hang" typeface="맑은 고딕"/>
+        <a:font script="Hans" typeface="等线 Light"/>
+        <a:font script="Hant" typeface="新細明體"/>
+        <a:font script="Arab" typeface="Times New Roman"/>
+        <a:font script="Hebr" typeface="Times New Roman"/>
+        <a:font script="Thai" typeface="Angsana New"/>
+        <a:font script="Ethi" typeface="Nyala"/>
+        <a:font script="Beng" typeface="Vrinda"/>
+        <a:font script="Gujr" typeface="Shruti"/>
+        <a:font script="Khmr" typeface="MoolBoran"/>
+        <a:font script="Knda" typeface="Tunga"/>
+        <a:font script="Guru" typeface="Raavi"/>
+        <a:font script="Cans" typeface="Euphemia"/>
+        <a:font script="Cher" typeface="Plantagenet Cherokee"/>
+        <a:font script="Yiii" typeface="Microsoft Yi Baiti"/>
+        <a:font script="Tibt" typeface="Microsoft Himalaya"/>
+        <a:font script="Thaa" typeface="MV Boli"/>
+        <a:font script="Deva" typeface="Mangal"/>
+        <a:font script="Telu" typeface="Gautami"/>
+        <a:font script="Taml" typeface="Latha"/>
+        <a:font script="Syrc" typeface="Estrangelo Edessa"/>
+        <a:font script="Orya" typeface="Kalinga"/>
+        <a:font script="Mlym" typeface="Kartika"/>
+        <a:font script="Laoo" typeface="DokChampa"/>
+        <a:font script="Sinh" typeface="Iskoola Pota"/>
+        <a:font script="Mong" typeface="Mongolian Baiti"/>
+        <a:font script="Viet" typeface="Times New Roman"/>
+        <a:font script="Uigh" typeface="Microsoft Uighur"/>
+        <a:font script="Geor" typeface="Sylfaen"/>
+        <a:font script="Armn" typeface="Arial"/>
+        <a:font script="Bugi" typeface="Leelawadee UI"/>
+        <a:font script="Bopo" typeface="Microsoft JhengHei"/>
+        <a:font script="Java" typeface="Javanese Text"/>
+        <a:font script="Lisu" typeface="Segoe UI"/>
+        <a:font script="Mymr" typeface="Myanmar Text"/>
+        <a:font script="Nkoo" typeface="Ebrima"/>
+        <a:font script="Olck" typeface="Nirmala UI"/>
+        <a:font script="Osma" typeface="Ebrima"/>
+        <a:font script="Phag" typeface="Phagspa"/>
+        <a:font script="Syrn" typeface="Estrangelo Edessa"/>
+        <a:font script="Syrj" typeface="Estrangelo Edessa"/>
+        <a:font script="Syre" typeface="Estrangelo Edessa"/>
+        <a:font script="Sora" typeface="Nirmala UI"/>
+        <a:font script="Tale" typeface="Microsoft Tai Le"/>
+        <a:font script="Talu" typeface="Microsoft New Tai Lue"/>
+        <a:font script="Tfng" typeface="Ebrima"/>
+      </a:majorFont>
+      <a:minorFont>
+        <a:latin typeface="Calibri" panose="020F0502020204030204"/>
+        <a:ea typeface=""/>
+        <a:cs typeface=""/>
+        <a:font script="Jpan" typeface="游ゴシック"/>
+        <a:font script="Hang" typeface="맑은 고딕"/>
+        <a:font script="Hans" typeface="等线"/>
+        <a:font script="Hant" typeface="新細明體"/>
+        <a:font script="Arab" typeface="Arial"/>
+        <a:font script="Hebr" typeface="Arial"/>
+        <a:font script="Thai" typeface="Cordia New"/>
+        <a:font script="Ethi" typeface="Nyala"/>
+        <a:font script="Beng" typeface="Vrinda"/>
+        <a:font script="Gujr" typeface="Shruti"/>
+        <a:font script="Khmr" typeface="DaunPenh"/>
+        <a:font script="Knda" typeface="Tunga"/>
+        <a:font script="Guru" typeface="Raavi"/>
+        <a:font script="Cans" typeface="Euphemia"/>
+        <a:font script="Cher" typeface="Plantagenet Cherokee"/>
+        <a:font script="Yiii" typeface="Microsoft Yi Baiti"/>
+        <a:font script="Tibt" typeface="Microsoft Himalaya"/>
+        <a:font script="Thaa" typeface="MV Boli"/>
+        <a:font script="Deva" typeface="Mangal"/>
+        <a:font script="Telu" typeface="Gautami"/>
+        <a:font script="Taml" typeface="Latha"/>
+        <a:font script="Syrc" typeface="Estrangelo Edessa"/>
+        <a:font script="Orya" typeface="Kalinga"/>
+        <a:font script="Mlym" typeface="Kartika"/>
+        <a:font script="Laoo" typeface="DokChampa"/>
+        <a:font script="Sinh" typeface="Iskoola Pota"/>
+        <a:font script="Mong" typeface="Mongolian Baiti"/>
+        <a:font script="Viet" typeface="Arial"/>
+        <a:font script="Uigh" typeface="Microsoft Uighur"/>
+        <a:font script="Geor" typeface="Sylfaen"/>
+        <a:font script="Armn" typeface="Arial"/>
+        <a:font script="Bugi" typeface="Leelawadee UI"/>
+        <a:font script="Bopo" typeface="Microsoft JhengHei"/>
+        <a:font script="Java" typeface="Javanese Text"/>
+        <a:font script="Lisu" typeface="Segoe UI"/>
+        <a:font script="Mymr" typeface="Myanmar Text"/>
+        <a:font script="Nkoo" typeface="Ebrima"/>
+        <a:font script="Olck" typeface="Nirmala UI"/>
+        <a:font script="Osma" typeface="Ebrima"/>
+        <a:font script="Phag" typeface="Phagspa"/>
+        <a:font script="Syrn" typeface="Estrangelo Edessa"/>
+        <a:font script="Syrj" typeface="Estrangelo Edessa"/>
+        <a:font script="Syre" typeface="Estrangelo Edessa"/>
+        <a:font script="Sora" typeface="Nirmala UI"/>
+        <a:font script="Tale" typeface="Microsoft Tai Le"/>
+        <a:font script="Talu" typeface="Microsoft New Tai Lue"/>
+        <a:font script="Tfng" typeface="Ebrima"/>
+      </a:minorFont>
+    </a:fontScheme>
+    <a:fmtScheme name="Office">
+      <a:fillStyleLst>
+        <a:solidFill>
+          <a:schemeClr val="phClr"/>
+        </a:solidFill>
+        <a:gradFill rotWithShape="1">
+          <a:gsLst>
+            <a:gs pos="0">
+              <a:schemeClr val="phClr">
+                <a:lumMod val="110000"/>
+                <a:satMod val="105000"/>
+                <a:tint val="67000"/>
+              </a:schemeClr>
+            </a:gs>
+            <a:gs pos="50000">
+              <a:schemeClr val="phClr">
+                <a:lumMod val="105000"/>
+                <a:satMod val="103000"/>
+                <a:tint val="73000"/>
+              </a:schemeClr>
+            </a:gs>
+            <a:gs pos="100000">
+              <a:schemeClr val="phClr">
+                <a:lumMod val="105000"/>
+                <a:satMod val="109000"/>
+                <a:tint val="81000"/>
+              </a:schemeClr>
+            </a:gs>
+          </a:gsLst>
+          <a:lin ang="5400000" scaled="0"/>
+        </a:gradFill>
+        <a:gradFill rotWithShape="1">
+          <a:gsLst>
+            <a:gs pos="0">
+              <a:schemeClr val="phClr">
+                <a:satMod val="103000"/>
+                <a:lumMod val="102000"/>
+                <a:tint val="94000"/>
+              </a:schemeClr>
+            </a:gs>
+            <a:gs pos="50000">
+              <a:schemeClr val="phClr">
+                <a:satMod val="110000"/>
+                <a:lumMod val="100000"/>
+                <a:shade val="100000"/>
+              </a:schemeClr>
+            </a:gs>
+            <a:gs pos="100000">
+              <a:schemeClr val="phClr">
+                <a:lumMod val="99000"/>
+                <a:satMod val="120000"/>
+                <a:shade val="78000"/>
+              </a:schemeClr>
+            </a:gs>
+          </a:gsLst>
+          <a:lin ang="5400000" scaled="0"/>
+        </a:gradFill>
+      </a:fillStyleLst>
+      <a:lnStyleLst>
+        <a:ln w="6350" cap="flat" cmpd="sng" algn="ctr">
+          <a:solidFill>
+            <a:schemeClr val="phClr"/>
+          </a:solidFill>
+          <a:prstDash val="solid"/>
+          <a:miter lim="800000"/>
+        </a:ln>
+        <a:ln w="12700" cap="flat" cmpd="sng" algn="ctr">
+          <a:solidFill>
+            <a:schemeClr val="phClr"/>
+          </a:solidFill>
+          <a:prstDash val="solid"/>
+          <a:miter lim="800000"/>
+        </a:ln>
+        <a:ln w="19050" cap="flat" cmpd="sng" algn="ctr">
+          <a:solidFill>
+            <a:schemeClr val="phClr"/>
+          </a:solidFill>
+          <a:prstDash val="solid"/>
+          <a:miter lim="800000"/>
+        </a:ln>
+      </a:lnStyleLst>
+      <a:effectStyleLst>
+        <a:effectStyle>
+          <a:effectLst/>
+        </a:effectStyle>
+        <a:effectStyle>
+          <a:effectLst/>
+        </a:effectStyle>
+        <a:effectStyle>
+          <a:effectLst>
+            <a:outerShdw blurRad="57150" dist="19050" dir="5400000" algn="ctr" rotWithShape="0">
+              <a:srgbClr val="000000">
+                <a:alpha val="63000"/>
+              </a:srgbClr>
+            </a:outerShdw>
+          </a:effectLst>
+        </a:effectStyle>
+      </a:effectStyleLst>
+      <a:bgFillStyleLst>
+        <a:solidFill>
+          <a:schemeClr val="phClr"/>
+        </a:solidFill>
+        <a:solidFill>
+          <a:schemeClr val="phClr">
+            <a:tint val="95000"/>
+            <a:satMod val="170000"/>
+          </a:schemeClr>
+        </a:solidFill>
+        <a:gradFill rotWithShape="1">
+          <a:gsLst>
+            <a:gs pos="0">
+              <a:schemeClr val="phClr">
+                <a:tint val="93000"/>
+                <a:satMod val="150000"/>
+                <a:shade val="98000"/>
+                <a:lumMod val="102000"/>
+              </a:schemeClr>
+            </a:gs>
+            <a:gs pos="50000">
+              <a:schemeClr val="phClr">
+                <a:tint val="98000"/>
+                <a:satMod val="130000"/>
+                <a:shade val="90000"/>
+                <a:lumMod val="103000"/>
+              </a:schemeClr>
+            </a:gs>
+            <a:gs pos="100000">
+              <a:schemeClr val="phClr">
+                <a:shade val="63000"/>
+                <a:satMod val="120000"/>
+              </a:schemeClr>
+            </a:gs>
+          </a:gsLst>
+          <a:lin ang="5400000" scaled="0"/>
+        </a:gradFill>
+      </a:bgFillStyleLst>
+    </a:fmtScheme>
+  </a:themeElements>
+  <a:objectDefaults/>
+  <a:extraClrSchemeLst/>
+  <a:extLst>
+    <a:ext uri="{05A4C25C-085E-4340-85A3-A5531E510DB2}">
+      <thm15:themeFamily xmlns:thm15="http://schemas.microsoft.com/office/thememl/2012/main" name="Office Theme" id="{62F939B6-93AF-4DB8-9C6B-D6C7DFDC589F}" vid="{4A3C46E8-61CC-4603-A589-7422A47A8E4A}"/>
+    </a:ext>
+  </a:extLst>
+</a:theme>
 </file>
--- a/ppt/002 - Classes and objects.pptx
+++ b/ppt/002 - Classes and objects.pptx
@@ -5,22 +5,26 @@
     <p:sldMasterId id="2147483648" r:id="rId1"/>
   </p:sldMasterIdLst>
   <p:notesMasterIdLst>
-    <p:notesMasterId r:id="rId15"/>
+    <p:notesMasterId r:id="rId16"/>
   </p:notesMasterIdLst>
+  <p:handoutMasterIdLst>
+    <p:handoutMasterId r:id="rId17"/>
+  </p:handoutMasterIdLst>
   <p:sldIdLst>
     <p:sldId id="280" r:id="rId2"/>
     <p:sldId id="258" r:id="rId3"/>
-    <p:sldId id="331" r:id="rId4"/>
-    <p:sldId id="281" r:id="rId5"/>
-    <p:sldId id="272" r:id="rId6"/>
-    <p:sldId id="267" r:id="rId7"/>
-    <p:sldId id="269" r:id="rId8"/>
-    <p:sldId id="271" r:id="rId9"/>
-    <p:sldId id="274" r:id="rId10"/>
-    <p:sldId id="275" r:id="rId11"/>
-    <p:sldId id="276" r:id="rId12"/>
-    <p:sldId id="273" r:id="rId13"/>
-    <p:sldId id="282" r:id="rId14"/>
+    <p:sldId id="332" r:id="rId4"/>
+    <p:sldId id="331" r:id="rId5"/>
+    <p:sldId id="281" r:id="rId6"/>
+    <p:sldId id="272" r:id="rId7"/>
+    <p:sldId id="267" r:id="rId8"/>
+    <p:sldId id="269" r:id="rId9"/>
+    <p:sldId id="271" r:id="rId10"/>
+    <p:sldId id="274" r:id="rId11"/>
+    <p:sldId id="275" r:id="rId12"/>
+    <p:sldId id="276" r:id="rId13"/>
+    <p:sldId id="273" r:id="rId14"/>
+    <p:sldId id="282" r:id="rId15"/>
   </p:sldIdLst>
   <p:sldSz cx="12192000" cy="6858000"/>
   <p:notesSz cx="6858000" cy="9144000"/>
@@ -138,6 +142,195 @@
 </p:presentation>
 </file>
 
+<file path=ppt/handoutMasters/handoutMaster1.xml><?xml version="1.0" encoding="utf-8"?>
+<p:handoutMaster xmlns:a="http://schemas.openxmlformats.org/drawingml/2006/main" xmlns:r="http://schemas.openxmlformats.org/officeDocument/2006/relationships" xmlns:p="http://schemas.openxmlformats.org/presentationml/2006/main">
+  <p:cSld>
+    <p:bg>
+      <p:bgRef idx="1001">
+        <a:schemeClr val="bg1"/>
+      </p:bgRef>
+    </p:bg>
+    <p:spTree>
+      <p:nvGrpSpPr>
+        <p:cNvPr id="1" name=""/>
+        <p:cNvGrpSpPr/>
+        <p:nvPr/>
+      </p:nvGrpSpPr>
+      <p:grpSpPr>
+        <a:xfrm>
+          <a:off x="0" y="0"/>
+          <a:ext cx="0" cy="0"/>
+          <a:chOff x="0" y="0"/>
+          <a:chExt cx="0" cy="0"/>
+        </a:xfrm>
+      </p:grpSpPr>
+      <p:sp>
+        <p:nvSpPr>
+          <p:cNvPr id="2" name="Header Placeholder 1">
+            <a:extLst>
+              <a:ext uri="{FF2B5EF4-FFF2-40B4-BE49-F238E27FC236}">
+                <a16:creationId xmlns:a16="http://schemas.microsoft.com/office/drawing/2014/main" id="{09F4F15E-9A08-814F-860A-98B5840EAD50}"/>
+              </a:ext>
+            </a:extLst>
+          </p:cNvPr>
+          <p:cNvSpPr>
+            <a:spLocks noGrp="1"/>
+          </p:cNvSpPr>
+          <p:nvPr>
+            <p:ph type="hdr" sz="quarter"/>
+          </p:nvPr>
+        </p:nvSpPr>
+        <p:spPr>
+          <a:xfrm>
+            <a:off x="0" y="0"/>
+            <a:ext cx="2971800" cy="458788"/>
+          </a:xfrm>
+          <a:prstGeom prst="rect">
+            <a:avLst/>
+          </a:prstGeom>
+        </p:spPr>
+        <p:txBody>
+          <a:bodyPr vert="horz" lIns="91440" tIns="45720" rIns="91440" bIns="45720" rtlCol="0"/>
+          <a:lstStyle>
+            <a:lvl1pPr algn="l">
+              <a:defRPr sz="1200"/>
+            </a:lvl1pPr>
+          </a:lstStyle>
+          <a:p>
+            <a:endParaRPr lang="en-US"/>
+          </a:p>
+        </p:txBody>
+      </p:sp>
+      <p:sp>
+        <p:nvSpPr>
+          <p:cNvPr id="3" name="Date Placeholder 2">
+            <a:extLst>
+              <a:ext uri="{FF2B5EF4-FFF2-40B4-BE49-F238E27FC236}">
+                <a16:creationId xmlns:a16="http://schemas.microsoft.com/office/drawing/2014/main" id="{9C16C09D-A8F8-0C4D-BE85-F807562DB278}"/>
+              </a:ext>
+            </a:extLst>
+          </p:cNvPr>
+          <p:cNvSpPr>
+            <a:spLocks noGrp="1"/>
+          </p:cNvSpPr>
+          <p:nvPr>
+            <p:ph type="dt" sz="quarter" idx="1"/>
+          </p:nvPr>
+        </p:nvSpPr>
+        <p:spPr>
+          <a:xfrm>
+            <a:off x="3884613" y="0"/>
+            <a:ext cx="2971800" cy="458788"/>
+          </a:xfrm>
+          <a:prstGeom prst="rect">
+            <a:avLst/>
+          </a:prstGeom>
+        </p:spPr>
+        <p:txBody>
+          <a:bodyPr vert="horz" lIns="91440" tIns="45720" rIns="91440" bIns="45720" rtlCol="0"/>
+          <a:lstStyle>
+            <a:lvl1pPr algn="r">
+              <a:defRPr sz="1200"/>
+            </a:lvl1pPr>
+          </a:lstStyle>
+          <a:p>
+            <a:fld id="{4376018A-0012-9148-814B-B277AF6A68F6}" type="datetimeFigureOut">
+              <a:rPr lang="en-US" smtClean="0"/>
+              <a:t>8/3/20</a:t>
+            </a:fld>
+            <a:endParaRPr lang="en-US"/>
+          </a:p>
+        </p:txBody>
+      </p:sp>
+      <p:sp>
+        <p:nvSpPr>
+          <p:cNvPr id="4" name="Footer Placeholder 3">
+            <a:extLst>
+              <a:ext uri="{FF2B5EF4-FFF2-40B4-BE49-F238E27FC236}">
+                <a16:creationId xmlns:a16="http://schemas.microsoft.com/office/drawing/2014/main" id="{6E5D31EF-0920-E840-A339-8368E99BA8D2}"/>
+              </a:ext>
+            </a:extLst>
+          </p:cNvPr>
+          <p:cNvSpPr>
+            <a:spLocks noGrp="1"/>
+          </p:cNvSpPr>
+          <p:nvPr>
+            <p:ph type="ftr" sz="quarter" idx="2"/>
+          </p:nvPr>
+        </p:nvSpPr>
+        <p:spPr>
+          <a:xfrm>
+            <a:off x="0" y="8685213"/>
+            <a:ext cx="2971800" cy="458787"/>
+          </a:xfrm>
+          <a:prstGeom prst="rect">
+            <a:avLst/>
+          </a:prstGeom>
+        </p:spPr>
+        <p:txBody>
+          <a:bodyPr vert="horz" lIns="91440" tIns="45720" rIns="91440" bIns="45720" rtlCol="0" anchor="b"/>
+          <a:lstStyle>
+            <a:lvl1pPr algn="l">
+              <a:defRPr sz="1200"/>
+            </a:lvl1pPr>
+          </a:lstStyle>
+          <a:p>
+            <a:endParaRPr lang="en-US"/>
+          </a:p>
+        </p:txBody>
+      </p:sp>
+      <p:sp>
+        <p:nvSpPr>
+          <p:cNvPr id="5" name="Slide Number Placeholder 4">
+            <a:extLst>
+              <a:ext uri="{FF2B5EF4-FFF2-40B4-BE49-F238E27FC236}">
+                <a16:creationId xmlns:a16="http://schemas.microsoft.com/office/drawing/2014/main" id="{352D4F71-96A9-B24E-BAB8-5BD420E919CF}"/>
+              </a:ext>
+            </a:extLst>
+          </p:cNvPr>
+          <p:cNvSpPr>
+            <a:spLocks noGrp="1"/>
+          </p:cNvSpPr>
+          <p:nvPr>
+            <p:ph type="sldNum" sz="quarter" idx="3"/>
+          </p:nvPr>
+        </p:nvSpPr>
+        <p:spPr>
+          <a:xfrm>
+            <a:off x="3884613" y="8685213"/>
+            <a:ext cx="2971800" cy="458787"/>
+          </a:xfrm>
+          <a:prstGeom prst="rect">
+            <a:avLst/>
+          </a:prstGeom>
+        </p:spPr>
+        <p:txBody>
+          <a:bodyPr vert="horz" lIns="91440" tIns="45720" rIns="91440" bIns="45720" rtlCol="0" anchor="b"/>
+          <a:lstStyle>
+            <a:lvl1pPr algn="r">
+              <a:defRPr sz="1200"/>
+            </a:lvl1pPr>
+          </a:lstStyle>
+          <a:p>
+            <a:fld id="{1BBA8FD0-5B3B-B64C-BFC9-B41FA71A8699}" type="slidenum">
+              <a:rPr lang="en-US" smtClean="0"/>
+              <a:t>‹#›</a:t>
+            </a:fld>
+            <a:endParaRPr lang="en-US"/>
+          </a:p>
+        </p:txBody>
+      </p:sp>
+    </p:spTree>
+    <p:extLst>
+      <p:ext uri="{BB962C8B-B14F-4D97-AF65-F5344CB8AC3E}">
+        <p14:creationId xmlns:p14="http://schemas.microsoft.com/office/powerpoint/2010/main" val="1406840205"/>
+      </p:ext>
+    </p:extLst>
+  </p:cSld>
+  <p:clrMap bg1="lt1" tx1="dk1" bg2="lt2" tx2="dk2" accent1="accent1" accent2="accent2" accent3="accent3" accent4="accent4" accent5="accent5" accent6="accent6" hlink="hlink" folHlink="folHlink"/>
+</p:handoutMaster>
+</file>
+
 <file path=ppt/notesMasters/notesMaster1.xml><?xml version="1.0" encoding="utf-8"?>
 <p:notesMaster xmlns:a="http://schemas.openxmlformats.org/drawingml/2006/main" xmlns:r="http://schemas.openxmlformats.org/officeDocument/2006/relationships" xmlns:p="http://schemas.openxmlformats.org/presentationml/2006/main">
   <p:cSld>
@@ -220,7 +413,7 @@
           <a:p>
             <a:fld id="{609046C5-8B62-9A46-B775-405EA9492B19}" type="datetimeFigureOut">
               <a:rPr lang="en-US" smtClean="0"/>
-              <a:t>7/24/20</a:t>
+              <a:t>8/2/20</a:t>
             </a:fld>
             <a:endParaRPr lang="en-US"/>
           </a:p>
@@ -515,7 +708,7 @@
             </a:extLst>
           </p:cNvPr>
           <p:cNvSpPr>
-            <a:spLocks noRot="1" noChangeArrowheads="1" noTextEdit="1"/>
+            <a:spLocks noGrp="1" noRot="1" noChangeAspect="1" noChangeArrowheads="1" noTextEdit="1"/>
           </p:cNvSpPr>
           <p:nvPr>
             <p:ph type="sldImg"/>
@@ -535,7 +728,7 @@
             </a:extLst>
           </p:cNvPr>
           <p:cNvSpPr>
-            <a:spLocks noChangeArrowheads="1"/>
+            <a:spLocks noGrp="1" noChangeArrowheads="1"/>
           </p:cNvSpPr>
           <p:nvPr>
             <p:ph type="body" idx="1"/>
@@ -604,39 +797,6 @@
           <a:chExt cx="0" cy="0"/>
         </a:xfrm>
       </p:grpSpPr>
-      <p:pic>
-        <p:nvPicPr>
-          <p:cNvPr id="7" name="Google Shape;54;p13" descr="Google Shape;54;p13">
-            <a:extLst>
-              <a:ext uri="{FF2B5EF4-FFF2-40B4-BE49-F238E27FC236}">
-                <a16:creationId xmlns:a16="http://schemas.microsoft.com/office/drawing/2014/main" id="{A455512E-65E7-D847-BEC9-DDA416859C1A}"/>
-              </a:ext>
-            </a:extLst>
-          </p:cNvPr>
-          <p:cNvPicPr>
-            <a:picLocks noChangeAspect="1"/>
-          </p:cNvPicPr>
-          <p:nvPr userDrawn="1"/>
-        </p:nvPicPr>
-        <p:blipFill>
-          <a:blip r:embed="rId2"/>
-          <a:stretch>
-            <a:fillRect/>
-          </a:stretch>
-        </p:blipFill>
-        <p:spPr>
-          <a:xfrm>
-            <a:off x="3" y="0"/>
-            <a:ext cx="12191997" cy="6858000"/>
-          </a:xfrm>
-          <a:prstGeom prst="rect">
-            <a:avLst/>
-          </a:prstGeom>
-          <a:ln w="12700">
-            <a:miter lim="400000"/>
-          </a:ln>
-        </p:spPr>
-      </p:pic>
       <p:sp>
         <p:nvSpPr>
           <p:cNvPr id="2" name="Title 1">
@@ -769,7 +929,7 @@
           <a:p>
             <a:fld id="{EC6E9ACD-1039-45BA-B2DE-C175462F8413}" type="datetimeFigureOut">
               <a:rPr lang="en-IN" smtClean="0"/>
-              <a:t>24/07/20</a:t>
+              <a:t>02/08/20</a:t>
             </a:fld>
             <a:endParaRPr lang="en-IN"/>
           </a:p>
@@ -969,7 +1129,7 @@
           <a:p>
             <a:fld id="{EC6E9ACD-1039-45BA-B2DE-C175462F8413}" type="datetimeFigureOut">
               <a:rPr lang="en-IN" smtClean="0"/>
-              <a:t>24/07/20</a:t>
+              <a:t>02/08/20</a:t>
             </a:fld>
             <a:endParaRPr lang="en-IN"/>
           </a:p>
@@ -1179,7 +1339,7 @@
           <a:p>
             <a:fld id="{EC6E9ACD-1039-45BA-B2DE-C175462F8413}" type="datetimeFigureOut">
               <a:rPr lang="en-IN" smtClean="0"/>
-              <a:t>24/07/20</a:t>
+              <a:t>02/08/20</a:t>
             </a:fld>
             <a:endParaRPr lang="en-IN"/>
           </a:p>
@@ -1379,7 +1539,7 @@
           <a:p>
             <a:fld id="{EC6E9ACD-1039-45BA-B2DE-C175462F8413}" type="datetimeFigureOut">
               <a:rPr lang="en-IN" smtClean="0"/>
-              <a:t>24/07/20</a:t>
+              <a:t>02/08/20</a:t>
             </a:fld>
             <a:endParaRPr lang="en-IN"/>
           </a:p>
@@ -1655,7 +1815,7 @@
           <a:p>
             <a:fld id="{EC6E9ACD-1039-45BA-B2DE-C175462F8413}" type="datetimeFigureOut">
               <a:rPr lang="en-IN" smtClean="0"/>
-              <a:t>24/07/20</a:t>
+              <a:t>02/08/20</a:t>
             </a:fld>
             <a:endParaRPr lang="en-IN"/>
           </a:p>
@@ -1923,7 +2083,7 @@
           <a:p>
             <a:fld id="{EC6E9ACD-1039-45BA-B2DE-C175462F8413}" type="datetimeFigureOut">
               <a:rPr lang="en-IN" smtClean="0"/>
-              <a:t>24/07/20</a:t>
+              <a:t>02/08/20</a:t>
             </a:fld>
             <a:endParaRPr lang="en-IN"/>
           </a:p>
@@ -2338,7 +2498,7 @@
           <a:p>
             <a:fld id="{EC6E9ACD-1039-45BA-B2DE-C175462F8413}" type="datetimeFigureOut">
               <a:rPr lang="en-IN" smtClean="0"/>
-              <a:t>24/07/20</a:t>
+              <a:t>02/08/20</a:t>
             </a:fld>
             <a:endParaRPr lang="en-IN"/>
           </a:p>
@@ -2480,7 +2640,7 @@
           <a:p>
             <a:fld id="{EC6E9ACD-1039-45BA-B2DE-C175462F8413}" type="datetimeFigureOut">
               <a:rPr lang="en-IN" smtClean="0"/>
-              <a:t>24/07/20</a:t>
+              <a:t>02/08/20</a:t>
             </a:fld>
             <a:endParaRPr lang="en-IN"/>
           </a:p>
@@ -2593,7 +2753,7 @@
           <a:p>
             <a:fld id="{EC6E9ACD-1039-45BA-B2DE-C175462F8413}" type="datetimeFigureOut">
               <a:rPr lang="en-IN" smtClean="0"/>
-              <a:t>24/07/20</a:t>
+              <a:t>02/08/20</a:t>
             </a:fld>
             <a:endParaRPr lang="en-IN"/>
           </a:p>
@@ -2906,7 +3066,7 @@
           <a:p>
             <a:fld id="{EC6E9ACD-1039-45BA-B2DE-C175462F8413}" type="datetimeFigureOut">
               <a:rPr lang="en-IN" smtClean="0"/>
-              <a:t>24/07/20</a:t>
+              <a:t>02/08/20</a:t>
             </a:fld>
             <a:endParaRPr lang="en-IN"/>
           </a:p>
@@ -3195,7 +3355,7 @@
           <a:p>
             <a:fld id="{EC6E9ACD-1039-45BA-B2DE-C175462F8413}" type="datetimeFigureOut">
               <a:rPr lang="en-IN" smtClean="0"/>
-              <a:t>24/07/20</a:t>
+              <a:t>02/08/20</a:t>
             </a:fld>
             <a:endParaRPr lang="en-IN"/>
           </a:p>
@@ -3474,7 +3634,7 @@
           <a:p>
             <a:fld id="{EC6E9ACD-1039-45BA-B2DE-C175462F8413}" type="datetimeFigureOut">
               <a:rPr lang="en-IN" smtClean="0"/>
-              <a:t>24/07/20</a:t>
+              <a:t>02/08/20</a:t>
             </a:fld>
             <a:endParaRPr lang="en-IN"/>
           </a:p>
@@ -4112,7 +4272,7 @@
           <p:cNvPr id="4" name="Rectangle 3">
             <a:extLst>
               <a:ext uri="{FF2B5EF4-FFF2-40B4-BE49-F238E27FC236}">
-                <a16:creationId xmlns:a16="http://schemas.microsoft.com/office/drawing/2014/main" id="{7F1385E4-6F82-443F-A4F0-8DFCA12577B6}"/>
+                <a16:creationId xmlns:a16="http://schemas.microsoft.com/office/drawing/2014/main" id="{BABF947E-BD57-45D1-9A58-1A322B73CC21}"/>
               </a:ext>
             </a:extLst>
           </p:cNvPr>
@@ -4121,8 +4281,8 @@
         </p:nvSpPr>
         <p:spPr>
           <a:xfrm>
-            <a:off x="3048000" y="612845"/>
-            <a:ext cx="6096000" cy="5632311"/>
+            <a:off x="721360" y="671681"/>
+            <a:ext cx="6096000" cy="3970318"/>
           </a:xfrm>
           <a:prstGeom prst="rect">
             <a:avLst/>
@@ -4136,13 +4296,13 @@
           <a:p>
             <a:r>
               <a:rPr lang="en-IN" dirty="0"/>
-              <a:t>class Point {</a:t>
+              <a:t>class Rectangle {</a:t>
             </a:r>
           </a:p>
           <a:p>
             <a:r>
               <a:rPr lang="en-IN" dirty="0"/>
-              <a:t>  constructor(x, y) {</a:t>
+              <a:t>  constructor(height, width) {</a:t>
             </a:r>
           </a:p>
           <a:p>
@@ -4152,11 +4312,11 @@
             </a:r>
             <a:r>
               <a:rPr lang="en-IN" dirty="0" err="1"/>
-              <a:t>this.x</a:t>
+              <a:t>this.height</a:t>
             </a:r>
             <a:r>
               <a:rPr lang="en-IN" dirty="0"/>
-              <a:t> = x;</a:t>
+              <a:t> = height;</a:t>
             </a:r>
           </a:p>
           <a:p>
@@ -4166,11 +4326,11 @@
             </a:r>
             <a:r>
               <a:rPr lang="en-IN" dirty="0" err="1"/>
-              <a:t>this.y</a:t>
+              <a:t>this.width</a:t>
             </a:r>
             <a:r>
               <a:rPr lang="en-IN" dirty="0"/>
-              <a:t> = y;</a:t>
+              <a:t> = width;</a:t>
             </a:r>
           </a:p>
           <a:p>
@@ -4180,152 +4340,127 @@
             </a:r>
           </a:p>
           <a:p>
-            <a:endParaRPr lang="en-IN" dirty="0"/>
-          </a:p>
-          <a:p>
             <a:r>
               <a:rPr lang="en-IN" dirty="0"/>
-              <a:t>  static distance(a, b) {</a:t>
+              <a:t>  // Getter</a:t>
             </a:r>
           </a:p>
           <a:p>
             <a:r>
               <a:rPr lang="en-IN" dirty="0"/>
-              <a:t>    </a:t>
-            </a:r>
+              <a:t>  get area() {</a:t>
+            </a:r>
+          </a:p>
+          <a:p>
+            <a:r>
+              <a:rPr lang="en-IN" dirty="0"/>
+              <a:t>    return </a:t>
+            </a:r>
+            <a:r>
+              <a:rPr lang="en-IN" dirty="0" err="1"/>
+              <a:t>this.calcArea</a:t>
+            </a:r>
+            <a:r>
+              <a:rPr lang="en-IN" dirty="0"/>
+              <a:t>();</a:t>
+            </a:r>
+          </a:p>
+          <a:p>
+            <a:r>
+              <a:rPr lang="en-IN" dirty="0"/>
+              <a:t>  }</a:t>
+            </a:r>
+          </a:p>
+          <a:p>
+            <a:r>
+              <a:rPr lang="en-IN" dirty="0"/>
+              <a:t>  // Method</a:t>
+            </a:r>
+          </a:p>
+          <a:p>
+            <a:r>
+              <a:rPr lang="en-IN" dirty="0"/>
+              <a:t>  </a:t>
+            </a:r>
+            <a:r>
+              <a:rPr lang="en-IN" dirty="0" err="1"/>
+              <a:t>calcArea</a:t>
+            </a:r>
+            <a:r>
+              <a:rPr lang="en-IN" dirty="0"/>
+              <a:t>() {</a:t>
+            </a:r>
+          </a:p>
+          <a:p>
+            <a:r>
+              <a:rPr lang="en-IN" dirty="0"/>
+              <a:t>    return </a:t>
+            </a:r>
+            <a:r>
+              <a:rPr lang="en-IN" dirty="0" err="1"/>
+              <a:t>this.height</a:t>
+            </a:r>
+            <a:r>
+              <a:rPr lang="en-IN" dirty="0"/>
+              <a:t> * </a:t>
+            </a:r>
+            <a:r>
+              <a:rPr lang="en-IN" dirty="0" err="1"/>
+              <a:t>this.width</a:t>
+            </a:r>
+            <a:r>
+              <a:rPr lang="en-IN" dirty="0"/>
+              <a:t>;</a:t>
+            </a:r>
+          </a:p>
+          <a:p>
+            <a:r>
+              <a:rPr lang="en-IN" dirty="0"/>
+              <a:t>  }</a:t>
+            </a:r>
+          </a:p>
+          <a:p>
+            <a:r>
+              <a:rPr lang="en-IN" dirty="0"/>
+              <a:t>}</a:t>
+            </a:r>
+          </a:p>
+        </p:txBody>
+      </p:sp>
+      <p:sp>
+        <p:nvSpPr>
+          <p:cNvPr id="5" name="Rectangle 4">
+            <a:extLst>
+              <a:ext uri="{FF2B5EF4-FFF2-40B4-BE49-F238E27FC236}">
+                <a16:creationId xmlns:a16="http://schemas.microsoft.com/office/drawing/2014/main" id="{8A51B8A3-03D5-4202-9B01-C194524D3F04}"/>
+              </a:ext>
+            </a:extLst>
+          </p:cNvPr>
+          <p:cNvSpPr/>
+          <p:nvPr/>
+        </p:nvSpPr>
+        <p:spPr>
+          <a:xfrm>
+            <a:off x="5648960" y="1423015"/>
+            <a:ext cx="6096000" cy="923330"/>
+          </a:xfrm>
+          <a:prstGeom prst="rect">
+            <a:avLst/>
+          </a:prstGeom>
+        </p:spPr>
+        <p:txBody>
+          <a:bodyPr>
+            <a:spAutoFit/>
+          </a:bodyPr>
+          <a:lstStyle/>
+          <a:p>
             <a:r>
               <a:rPr lang="en-IN" dirty="0" err="1"/>
               <a:t>const</a:t>
             </a:r>
             <a:r>
               <a:rPr lang="en-IN" dirty="0"/>
-              <a:t> dx = </a:t>
-            </a:r>
-            <a:r>
-              <a:rPr lang="en-IN" dirty="0" err="1"/>
-              <a:t>a.x</a:t>
-            </a:r>
-            <a:r>
-              <a:rPr lang="en-IN" dirty="0"/>
-              <a:t> - </a:t>
-            </a:r>
-            <a:r>
-              <a:rPr lang="en-IN" dirty="0" err="1"/>
-              <a:t>b.x</a:t>
-            </a:r>
-            <a:r>
-              <a:rPr lang="en-IN" dirty="0"/>
-              <a:t>;</a:t>
-            </a:r>
-          </a:p>
-          <a:p>
-            <a:r>
-              <a:rPr lang="en-IN" dirty="0"/>
-              <a:t>    </a:t>
-            </a:r>
-            <a:r>
-              <a:rPr lang="en-IN" dirty="0" err="1"/>
-              <a:t>const</a:t>
-            </a:r>
-            <a:r>
-              <a:rPr lang="en-IN" dirty="0"/>
-              <a:t> </a:t>
-            </a:r>
-            <a:r>
-              <a:rPr lang="en-IN" dirty="0" err="1"/>
-              <a:t>dy</a:t>
-            </a:r>
-            <a:r>
-              <a:rPr lang="en-IN" dirty="0"/>
-              <a:t> = </a:t>
-            </a:r>
-            <a:r>
-              <a:rPr lang="en-IN" dirty="0" err="1"/>
-              <a:t>a.y</a:t>
-            </a:r>
-            <a:r>
-              <a:rPr lang="en-IN" dirty="0"/>
-              <a:t> - </a:t>
-            </a:r>
-            <a:r>
-              <a:rPr lang="en-IN" dirty="0" err="1"/>
-              <a:t>b.y</a:t>
-            </a:r>
-            <a:r>
-              <a:rPr lang="en-IN" dirty="0"/>
-              <a:t>;</a:t>
-            </a:r>
-          </a:p>
-          <a:p>
-            <a:endParaRPr lang="en-IN" dirty="0"/>
-          </a:p>
-          <a:p>
-            <a:r>
-              <a:rPr lang="en-IN" dirty="0"/>
-              <a:t>    return </a:t>
-            </a:r>
-            <a:r>
-              <a:rPr lang="en-IN" dirty="0" err="1"/>
-              <a:t>Math.hypot</a:t>
-            </a:r>
-            <a:r>
-              <a:rPr lang="en-IN" dirty="0"/>
-              <a:t>(dx, </a:t>
-            </a:r>
-            <a:r>
-              <a:rPr lang="en-IN" dirty="0" err="1"/>
-              <a:t>dy</a:t>
-            </a:r>
-            <a:r>
-              <a:rPr lang="en-IN" dirty="0"/>
-              <a:t>);</a:t>
-            </a:r>
-          </a:p>
-          <a:p>
-            <a:r>
-              <a:rPr lang="en-IN" dirty="0"/>
-              <a:t>  }</a:t>
-            </a:r>
-          </a:p>
-          <a:p>
-            <a:r>
-              <a:rPr lang="en-IN" dirty="0"/>
-              <a:t>}</a:t>
-            </a:r>
-          </a:p>
-          <a:p>
-            <a:endParaRPr lang="en-IN" dirty="0"/>
-          </a:p>
-          <a:p>
-            <a:r>
-              <a:rPr lang="en-IN" dirty="0" err="1"/>
-              <a:t>const</a:t>
-            </a:r>
-            <a:r>
-              <a:rPr lang="en-IN" dirty="0"/>
-              <a:t> p1 = new Point(5, 5);</a:t>
-            </a:r>
-          </a:p>
-          <a:p>
-            <a:r>
-              <a:rPr lang="en-IN" dirty="0" err="1"/>
-              <a:t>const</a:t>
-            </a:r>
-            <a:r>
-              <a:rPr lang="en-IN" dirty="0"/>
-              <a:t> p2 = new Point(10, 10);</a:t>
-            </a:r>
-          </a:p>
-          <a:p>
-            <a:r>
-              <a:rPr lang="en-IN" dirty="0"/>
-              <a:t>p1.distance; //undefined</a:t>
-            </a:r>
-          </a:p>
-          <a:p>
-            <a:r>
-              <a:rPr lang="en-IN" dirty="0"/>
-              <a:t>p2.distance; //undefined</a:t>
+              <a:t> square = new Rectangle(10, 10);</a:t>
             </a:r>
           </a:p>
           <a:p>
@@ -4338,11 +4473,57 @@
             </a:r>
             <a:r>
               <a:rPr lang="en-IN" dirty="0" err="1"/>
-              <a:t>Point.distance</a:t>
+              <a:t>square.area</a:t>
             </a:r>
             <a:r>
               <a:rPr lang="en-IN" dirty="0"/>
-              <a:t>(p1, p2)); // 7.0710678118654755</a:t>
+              <a:t>); // 100</a:t>
+            </a:r>
+          </a:p>
+        </p:txBody>
+      </p:sp>
+      <p:sp>
+        <p:nvSpPr>
+          <p:cNvPr id="7" name="Rectangle 6">
+            <a:extLst>
+              <a:ext uri="{FF2B5EF4-FFF2-40B4-BE49-F238E27FC236}">
+                <a16:creationId xmlns:a16="http://schemas.microsoft.com/office/drawing/2014/main" id="{610F4511-AD49-4360-A43A-34DF9D3AB1EF}"/>
+              </a:ext>
+            </a:extLst>
+          </p:cNvPr>
+          <p:cNvSpPr/>
+          <p:nvPr/>
+        </p:nvSpPr>
+        <p:spPr>
+          <a:xfrm>
+            <a:off x="6268720" y="3739495"/>
+            <a:ext cx="6096000" cy="923330"/>
+          </a:xfrm>
+          <a:prstGeom prst="rect">
+            <a:avLst/>
+          </a:prstGeom>
+        </p:spPr>
+        <p:txBody>
+          <a:bodyPr>
+            <a:spAutoFit/>
+          </a:bodyPr>
+          <a:lstStyle/>
+          <a:p>
+            <a:r>
+              <a:rPr lang="en-IN" dirty="0"/>
+              <a:t>Constructor</a:t>
+            </a:r>
+          </a:p>
+          <a:p>
+            <a:r>
+              <a:rPr lang="en-IN" dirty="0"/>
+              <a:t>Getter</a:t>
+            </a:r>
+          </a:p>
+          <a:p>
+            <a:r>
+              <a:rPr lang="en-IN" dirty="0"/>
+              <a:t>new</a:t>
             </a:r>
           </a:p>
         </p:txBody>
@@ -4350,7 +4531,7 @@
     </p:spTree>
     <p:extLst>
       <p:ext uri="{BB962C8B-B14F-4D97-AF65-F5344CB8AC3E}">
-        <p14:creationId xmlns:p14="http://schemas.microsoft.com/office/powerpoint/2010/main" val="316894981"/>
+        <p14:creationId xmlns:p14="http://schemas.microsoft.com/office/powerpoint/2010/main" val="518625166"/>
       </p:ext>
     </p:extLst>
   </p:cSld>
@@ -4379,10 +4560,10 @@
       </p:grpSpPr>
       <p:sp>
         <p:nvSpPr>
-          <p:cNvPr id="5" name="Rectangle 4">
-            <a:extLst>
-              <a:ext uri="{FF2B5EF4-FFF2-40B4-BE49-F238E27FC236}">
-                <a16:creationId xmlns:a16="http://schemas.microsoft.com/office/drawing/2014/main" id="{5D379FC1-AC32-4044-912F-9B8C8FF0F13E}"/>
+          <p:cNvPr id="4" name="Rectangle 3">
+            <a:extLst>
+              <a:ext uri="{FF2B5EF4-FFF2-40B4-BE49-F238E27FC236}">
+                <a16:creationId xmlns:a16="http://schemas.microsoft.com/office/drawing/2014/main" id="{7F1385E4-6F82-443F-A4F0-8DFCA12577B6}"/>
               </a:ext>
             </a:extLst>
           </p:cNvPr>
@@ -4391,8 +4572,8 @@
         </p:nvSpPr>
         <p:spPr>
           <a:xfrm>
-            <a:off x="388883" y="1647772"/>
-            <a:ext cx="6096000" cy="3785652"/>
+            <a:off x="3048000" y="612845"/>
+            <a:ext cx="6096000" cy="5632311"/>
           </a:xfrm>
           <a:prstGeom prst="rect">
             <a:avLst/>
@@ -4405,108 +4586,42 @@
           <a:lstStyle/>
           <a:p>
             <a:r>
-              <a:rPr lang="en-IN" sz="2400" dirty="0"/>
-              <a:t>class Animal { </a:t>
-            </a:r>
-          </a:p>
-          <a:p>
-            <a:r>
-              <a:rPr lang="en-IN" sz="2400" dirty="0"/>
-              <a:t>  constructor(name) {</a:t>
-            </a:r>
-          </a:p>
-          <a:p>
-            <a:r>
-              <a:rPr lang="en-IN" sz="2400" dirty="0"/>
-              <a:t>    this.name = name;</a:t>
-            </a:r>
-          </a:p>
-          <a:p>
-            <a:r>
-              <a:rPr lang="en-IN" sz="2400" dirty="0"/>
-              <a:t>  }</a:t>
-            </a:r>
-          </a:p>
-          <a:p>
-            <a:r>
-              <a:rPr lang="en-IN" sz="2400" dirty="0"/>
-              <a:t>  </a:t>
-            </a:r>
-          </a:p>
-          <a:p>
-            <a:r>
-              <a:rPr lang="en-IN" sz="2400" dirty="0"/>
-              <a:t>  speak() {</a:t>
-            </a:r>
-          </a:p>
-          <a:p>
-            <a:r>
-              <a:rPr lang="en-IN" sz="2400" dirty="0"/>
-              <a:t>    console.log(`${this.name} makes a noise.`);</a:t>
-            </a:r>
-          </a:p>
-          <a:p>
-            <a:r>
-              <a:rPr lang="en-IN" sz="2400" dirty="0"/>
-              <a:t>  }</a:t>
-            </a:r>
-          </a:p>
-          <a:p>
-            <a:r>
-              <a:rPr lang="en-IN" sz="2400" dirty="0"/>
-              <a:t>}</a:t>
-            </a:r>
-          </a:p>
-          <a:p>
-            <a:endParaRPr lang="en-IN" sz="2400" dirty="0"/>
-          </a:p>
-        </p:txBody>
-      </p:sp>
-      <p:sp>
-        <p:nvSpPr>
-          <p:cNvPr id="6" name="Rectangle 5">
-            <a:extLst>
-              <a:ext uri="{FF2B5EF4-FFF2-40B4-BE49-F238E27FC236}">
-                <a16:creationId xmlns:a16="http://schemas.microsoft.com/office/drawing/2014/main" id="{263A460C-6830-4191-A779-A4E35D95D38C}"/>
-              </a:ext>
-            </a:extLst>
-          </p:cNvPr>
-          <p:cNvSpPr/>
-          <p:nvPr/>
-        </p:nvSpPr>
-        <p:spPr>
-          <a:xfrm>
-            <a:off x="6484883" y="1305341"/>
-            <a:ext cx="6096000" cy="4247317"/>
-          </a:xfrm>
-          <a:prstGeom prst="rect">
-            <a:avLst/>
-          </a:prstGeom>
-        </p:spPr>
-        <p:txBody>
-          <a:bodyPr>
-            <a:spAutoFit/>
-          </a:bodyPr>
-          <a:lstStyle/>
-          <a:p>
-            <a:endParaRPr lang="en-IN" dirty="0"/>
-          </a:p>
-          <a:p>
-            <a:r>
               <a:rPr lang="en-IN" dirty="0"/>
-              <a:t>class Dog extends Animal {</a:t>
+              <a:t>class Point {</a:t>
             </a:r>
           </a:p>
           <a:p>
             <a:r>
               <a:rPr lang="en-IN" dirty="0"/>
-              <a:t>  constructor(name) {</a:t>
+              <a:t>  constructor(x, y) {</a:t>
             </a:r>
           </a:p>
           <a:p>
             <a:r>
               <a:rPr lang="en-IN" dirty="0"/>
-              <a:t>    super(name); // call the super class constructor and pass in the name parameter</a:t>
+              <a:t>    </a:t>
+            </a:r>
+            <a:r>
+              <a:rPr lang="en-IN" dirty="0" err="1"/>
+              <a:t>this.x</a:t>
+            </a:r>
+            <a:r>
+              <a:rPr lang="en-IN" dirty="0"/>
+              <a:t> = x;</a:t>
+            </a:r>
+          </a:p>
+          <a:p>
+            <a:r>
+              <a:rPr lang="en-IN" dirty="0"/>
+              <a:t>    </a:t>
+            </a:r>
+            <a:r>
+              <a:rPr lang="en-IN" dirty="0" err="1"/>
+              <a:t>this.y</a:t>
+            </a:r>
+            <a:r>
+              <a:rPr lang="en-IN" dirty="0"/>
+              <a:t> = y;</a:t>
             </a:r>
           </a:p>
           <a:p>
@@ -4521,27 +4636,100 @@
           <a:p>
             <a:r>
               <a:rPr lang="en-IN" dirty="0"/>
-              <a:t>  speak() {</a:t>
+              <a:t>  static distance(a, b) {</a:t>
             </a:r>
           </a:p>
           <a:p>
             <a:r>
               <a:rPr lang="en-IN" dirty="0"/>
-              <a:t> //</a:t>
+              <a:t>    </a:t>
             </a:r>
             <a:r>
               <a:rPr lang="en-IN" dirty="0" err="1"/>
-              <a:t>super.speak</a:t>
+              <a:t>const</a:t>
             </a:r>
             <a:r>
               <a:rPr lang="en-IN" dirty="0"/>
-              <a:t>();</a:t>
-            </a:r>
-          </a:p>
-          <a:p>
+              <a:t> dx = </a:t>
+            </a:r>
+            <a:r>
+              <a:rPr lang="en-IN" dirty="0" err="1"/>
+              <a:t>a.x</a:t>
+            </a:r>
             <a:r>
               <a:rPr lang="en-IN" dirty="0"/>
-              <a:t>    console.log(`${this.name} barks.`);</a:t>
+              <a:t> - </a:t>
+            </a:r>
+            <a:r>
+              <a:rPr lang="en-IN" dirty="0" err="1"/>
+              <a:t>b.x</a:t>
+            </a:r>
+            <a:r>
+              <a:rPr lang="en-IN" dirty="0"/>
+              <a:t>;</a:t>
+            </a:r>
+          </a:p>
+          <a:p>
+            <a:r>
+              <a:rPr lang="en-IN" dirty="0"/>
+              <a:t>    </a:t>
+            </a:r>
+            <a:r>
+              <a:rPr lang="en-IN" dirty="0" err="1"/>
+              <a:t>const</a:t>
+            </a:r>
+            <a:r>
+              <a:rPr lang="en-IN" dirty="0"/>
+              <a:t> </a:t>
+            </a:r>
+            <a:r>
+              <a:rPr lang="en-IN" dirty="0" err="1"/>
+              <a:t>dy</a:t>
+            </a:r>
+            <a:r>
+              <a:rPr lang="en-IN" dirty="0"/>
+              <a:t> = </a:t>
+            </a:r>
+            <a:r>
+              <a:rPr lang="en-IN" dirty="0" err="1"/>
+              <a:t>a.y</a:t>
+            </a:r>
+            <a:r>
+              <a:rPr lang="en-IN" dirty="0"/>
+              <a:t> - </a:t>
+            </a:r>
+            <a:r>
+              <a:rPr lang="en-IN" dirty="0" err="1"/>
+              <a:t>b.y</a:t>
+            </a:r>
+            <a:r>
+              <a:rPr lang="en-IN" dirty="0"/>
+              <a:t>;</a:t>
+            </a:r>
+          </a:p>
+          <a:p>
+            <a:endParaRPr lang="en-IN" dirty="0"/>
+          </a:p>
+          <a:p>
+            <a:r>
+              <a:rPr lang="en-IN" dirty="0"/>
+              <a:t>    return </a:t>
+            </a:r>
+            <a:r>
+              <a:rPr lang="en-IN" dirty="0" err="1"/>
+              <a:t>Math.hypot</a:t>
+            </a:r>
+            <a:r>
+              <a:rPr lang="en-IN" dirty="0"/>
+              <a:t>(dx, </a:t>
+            </a:r>
+            <a:r>
+              <a:rPr lang="en-IN" dirty="0" err="1"/>
+              <a:t>dy</a:t>
+            </a:r>
+            <a:r>
+              <a:rPr lang="en-IN" dirty="0"/>
+              <a:t>);</a:t>
             </a:r>
           </a:p>
           <a:p>
@@ -4561,18 +4749,51 @@
           </a:p>
           <a:p>
             <a:r>
+              <a:rPr lang="en-IN" dirty="0" err="1"/>
+              <a:t>const</a:t>
+            </a:r>
+            <a:r>
               <a:rPr lang="en-IN" dirty="0"/>
-              <a:t>let d = new Dog('Mitzie');</a:t>
+              <a:t> p1 = new Point(5, 5);</a:t>
             </a:r>
           </a:p>
           <a:p>
             <a:r>
               <a:rPr lang="en-IN" dirty="0" err="1"/>
-              <a:t>d.speak</a:t>
+              <a:t>const</a:t>
             </a:r>
             <a:r>
               <a:rPr lang="en-IN" dirty="0"/>
-              <a:t>(); // Mitzie barks.</a:t>
+              <a:t> p2 = new Point(10, 10);</a:t>
+            </a:r>
+          </a:p>
+          <a:p>
+            <a:r>
+              <a:rPr lang="en-IN" dirty="0"/>
+              <a:t>p1.distance; //undefined</a:t>
+            </a:r>
+          </a:p>
+          <a:p>
+            <a:r>
+              <a:rPr lang="en-IN" dirty="0"/>
+              <a:t>p2.distance; //undefined</a:t>
+            </a:r>
+          </a:p>
+          <a:p>
+            <a:endParaRPr lang="en-IN" dirty="0"/>
+          </a:p>
+          <a:p>
+            <a:r>
+              <a:rPr lang="en-IN" dirty="0"/>
+              <a:t>console.log(</a:t>
+            </a:r>
+            <a:r>
+              <a:rPr lang="en-IN" dirty="0" err="1"/>
+              <a:t>Point.distance</a:t>
+            </a:r>
+            <a:r>
+              <a:rPr lang="en-IN" dirty="0"/>
+              <a:t>(p1, p2)); // 7.0710678118654755</a:t>
             </a:r>
           </a:p>
         </p:txBody>
@@ -4580,7 +4801,7 @@
     </p:spTree>
     <p:extLst>
       <p:ext uri="{BB962C8B-B14F-4D97-AF65-F5344CB8AC3E}">
-        <p14:creationId xmlns:p14="http://schemas.microsoft.com/office/powerpoint/2010/main" val="3678624072"/>
+        <p14:creationId xmlns:p14="http://schemas.microsoft.com/office/powerpoint/2010/main" val="316894981"/>
       </p:ext>
     </p:extLst>
   </p:cSld>
@@ -4609,6 +4830,236 @@
       </p:grpSpPr>
       <p:sp>
         <p:nvSpPr>
+          <p:cNvPr id="5" name="Rectangle 4">
+            <a:extLst>
+              <a:ext uri="{FF2B5EF4-FFF2-40B4-BE49-F238E27FC236}">
+                <a16:creationId xmlns:a16="http://schemas.microsoft.com/office/drawing/2014/main" id="{5D379FC1-AC32-4044-912F-9B8C8FF0F13E}"/>
+              </a:ext>
+            </a:extLst>
+          </p:cNvPr>
+          <p:cNvSpPr/>
+          <p:nvPr/>
+        </p:nvSpPr>
+        <p:spPr>
+          <a:xfrm>
+            <a:off x="388883" y="1647772"/>
+            <a:ext cx="6096000" cy="3785652"/>
+          </a:xfrm>
+          <a:prstGeom prst="rect">
+            <a:avLst/>
+          </a:prstGeom>
+        </p:spPr>
+        <p:txBody>
+          <a:bodyPr>
+            <a:spAutoFit/>
+          </a:bodyPr>
+          <a:lstStyle/>
+          <a:p>
+            <a:r>
+              <a:rPr lang="en-IN" sz="2400" dirty="0"/>
+              <a:t>class Animal { </a:t>
+            </a:r>
+          </a:p>
+          <a:p>
+            <a:r>
+              <a:rPr lang="en-IN" sz="2400" dirty="0"/>
+              <a:t>  constructor(name) {</a:t>
+            </a:r>
+          </a:p>
+          <a:p>
+            <a:r>
+              <a:rPr lang="en-IN" sz="2400" dirty="0"/>
+              <a:t>    this.name = name;</a:t>
+            </a:r>
+          </a:p>
+          <a:p>
+            <a:r>
+              <a:rPr lang="en-IN" sz="2400" dirty="0"/>
+              <a:t>  }</a:t>
+            </a:r>
+          </a:p>
+          <a:p>
+            <a:r>
+              <a:rPr lang="en-IN" sz="2400" dirty="0"/>
+              <a:t>  </a:t>
+            </a:r>
+          </a:p>
+          <a:p>
+            <a:r>
+              <a:rPr lang="en-IN" sz="2400" dirty="0"/>
+              <a:t>  speak() {</a:t>
+            </a:r>
+          </a:p>
+          <a:p>
+            <a:r>
+              <a:rPr lang="en-IN" sz="2400" dirty="0"/>
+              <a:t>    console.log(`${this.name} makes a noise.`);</a:t>
+            </a:r>
+          </a:p>
+          <a:p>
+            <a:r>
+              <a:rPr lang="en-IN" sz="2400" dirty="0"/>
+              <a:t>  }</a:t>
+            </a:r>
+          </a:p>
+          <a:p>
+            <a:r>
+              <a:rPr lang="en-IN" sz="2400" dirty="0"/>
+              <a:t>}</a:t>
+            </a:r>
+          </a:p>
+          <a:p>
+            <a:endParaRPr lang="en-IN" sz="2400" dirty="0"/>
+          </a:p>
+        </p:txBody>
+      </p:sp>
+      <p:sp>
+        <p:nvSpPr>
+          <p:cNvPr id="6" name="Rectangle 5">
+            <a:extLst>
+              <a:ext uri="{FF2B5EF4-FFF2-40B4-BE49-F238E27FC236}">
+                <a16:creationId xmlns:a16="http://schemas.microsoft.com/office/drawing/2014/main" id="{263A460C-6830-4191-A779-A4E35D95D38C}"/>
+              </a:ext>
+            </a:extLst>
+          </p:cNvPr>
+          <p:cNvSpPr/>
+          <p:nvPr/>
+        </p:nvSpPr>
+        <p:spPr>
+          <a:xfrm>
+            <a:off x="6484883" y="1305341"/>
+            <a:ext cx="6096000" cy="4247317"/>
+          </a:xfrm>
+          <a:prstGeom prst="rect">
+            <a:avLst/>
+          </a:prstGeom>
+        </p:spPr>
+        <p:txBody>
+          <a:bodyPr>
+            <a:spAutoFit/>
+          </a:bodyPr>
+          <a:lstStyle/>
+          <a:p>
+            <a:endParaRPr lang="en-IN" dirty="0"/>
+          </a:p>
+          <a:p>
+            <a:r>
+              <a:rPr lang="en-IN" dirty="0"/>
+              <a:t>class Dog extends Animal {</a:t>
+            </a:r>
+          </a:p>
+          <a:p>
+            <a:r>
+              <a:rPr lang="en-IN" dirty="0"/>
+              <a:t>  constructor(name) {</a:t>
+            </a:r>
+          </a:p>
+          <a:p>
+            <a:r>
+              <a:rPr lang="en-IN" dirty="0"/>
+              <a:t>    super(name); // call the super class constructor and pass in the name parameter</a:t>
+            </a:r>
+          </a:p>
+          <a:p>
+            <a:r>
+              <a:rPr lang="en-IN" dirty="0"/>
+              <a:t>  }</a:t>
+            </a:r>
+          </a:p>
+          <a:p>
+            <a:endParaRPr lang="en-IN" dirty="0"/>
+          </a:p>
+          <a:p>
+            <a:r>
+              <a:rPr lang="en-IN" dirty="0"/>
+              <a:t>  speak() {</a:t>
+            </a:r>
+          </a:p>
+          <a:p>
+            <a:r>
+              <a:rPr lang="en-IN" dirty="0"/>
+              <a:t> //</a:t>
+            </a:r>
+            <a:r>
+              <a:rPr lang="en-IN" dirty="0" err="1"/>
+              <a:t>super.speak</a:t>
+            </a:r>
+            <a:r>
+              <a:rPr lang="en-IN" dirty="0"/>
+              <a:t>();</a:t>
+            </a:r>
+          </a:p>
+          <a:p>
+            <a:r>
+              <a:rPr lang="en-IN" dirty="0"/>
+              <a:t>    console.log(`${this.name} barks.`);</a:t>
+            </a:r>
+          </a:p>
+          <a:p>
+            <a:r>
+              <a:rPr lang="en-IN" dirty="0"/>
+              <a:t>  }</a:t>
+            </a:r>
+          </a:p>
+          <a:p>
+            <a:r>
+              <a:rPr lang="en-IN" dirty="0"/>
+              <a:t>}</a:t>
+            </a:r>
+          </a:p>
+          <a:p>
+            <a:endParaRPr lang="en-IN" dirty="0"/>
+          </a:p>
+          <a:p>
+            <a:r>
+              <a:rPr lang="en-IN" dirty="0"/>
+              <a:t>let d = new Dog('Mitzie');</a:t>
+            </a:r>
+          </a:p>
+          <a:p>
+            <a:r>
+              <a:rPr lang="en-IN" dirty="0" err="1"/>
+              <a:t>d.speak</a:t>
+            </a:r>
+            <a:r>
+              <a:rPr lang="en-IN" dirty="0"/>
+              <a:t>(); // Mitzie barks.</a:t>
+            </a:r>
+          </a:p>
+        </p:txBody>
+      </p:sp>
+    </p:spTree>
+    <p:extLst>
+      <p:ext uri="{BB962C8B-B14F-4D97-AF65-F5344CB8AC3E}">
+        <p14:creationId xmlns:p14="http://schemas.microsoft.com/office/powerpoint/2010/main" val="3678624072"/>
+      </p:ext>
+    </p:extLst>
+  </p:cSld>
+  <p:clrMapOvr>
+    <a:masterClrMapping/>
+  </p:clrMapOvr>
+</p:sld>
+</file>
+
+<file path=ppt/slides/slide13.xml><?xml version="1.0" encoding="utf-8"?>
+<p:sld xmlns:a="http://schemas.openxmlformats.org/drawingml/2006/main" xmlns:r="http://schemas.openxmlformats.org/officeDocument/2006/relationships" xmlns:p="http://schemas.openxmlformats.org/presentationml/2006/main">
+  <p:cSld>
+    <p:spTree>
+      <p:nvGrpSpPr>
+        <p:cNvPr id="1" name=""/>
+        <p:cNvGrpSpPr/>
+        <p:nvPr/>
+      </p:nvGrpSpPr>
+      <p:grpSpPr>
+        <a:xfrm>
+          <a:off x="0" y="0"/>
+          <a:ext cx="0" cy="0"/>
+          <a:chOff x="0" y="0"/>
+          <a:chExt cx="0" cy="0"/>
+        </a:xfrm>
+      </p:grpSpPr>
+      <p:sp>
+        <p:nvSpPr>
           <p:cNvPr id="2" name="Title 1">
             <a:extLst>
               <a:ext uri="{FF2B5EF4-FFF2-40B4-BE49-F238E27FC236}">
@@ -4809,7 +5260,7 @@
 </p:sld>
 </file>
 
-<file path=ppt/slides/slide13.xml><?xml version="1.0" encoding="utf-8"?>
+<file path=ppt/slides/slide14.xml><?xml version="1.0" encoding="utf-8"?>
 <p:sld xmlns:a="http://schemas.openxmlformats.org/drawingml/2006/main" xmlns:r="http://schemas.openxmlformats.org/officeDocument/2006/relationships" xmlns:p="http://schemas.openxmlformats.org/presentationml/2006/main">
   <p:cSld>
     <p:spTree>
@@ -5073,10 +5524,10 @@
       </p:grpSpPr>
       <p:sp>
         <p:nvSpPr>
-          <p:cNvPr id="59394" name="Title 1">
-            <a:extLst>
-              <a:ext uri="{FF2B5EF4-FFF2-40B4-BE49-F238E27FC236}">
-                <a16:creationId xmlns:a16="http://schemas.microsoft.com/office/drawing/2014/main" id="{9D95371F-039D-6C43-B316-83CFDE3FA668}"/>
+          <p:cNvPr id="2" name="Title 1">
+            <a:extLst>
+              <a:ext uri="{FF2B5EF4-FFF2-40B4-BE49-F238E27FC236}">
+                <a16:creationId xmlns:a16="http://schemas.microsoft.com/office/drawing/2014/main" id="{7406C671-5088-5C4F-9941-DEEB99FEFB07}"/>
               </a:ext>
             </a:extLst>
           </p:cNvPr>
@@ -5093,356 +5544,46 @@
           <a:lstStyle/>
           <a:p>
             <a:r>
-              <a:rPr lang="en-US" altLang="en-US"/>
-              <a:t>JavaScript Object Literals</a:t>
-            </a:r>
-          </a:p>
-        </p:txBody>
-      </p:sp>
-      <p:sp>
-        <p:nvSpPr>
-          <p:cNvPr id="3" name="Content Placeholder 2">
-            <a:extLst>
-              <a:ext uri="{FF2B5EF4-FFF2-40B4-BE49-F238E27FC236}">
-                <a16:creationId xmlns:a16="http://schemas.microsoft.com/office/drawing/2014/main" id="{403952AC-772C-6847-9D0C-504AC34956DA}"/>
-              </a:ext>
-            </a:extLst>
-          </p:cNvPr>
-          <p:cNvSpPr>
-            <a:spLocks noGrp="1"/>
-          </p:cNvSpPr>
-          <p:nvPr>
-            <p:ph idx="1"/>
-          </p:nvPr>
-        </p:nvSpPr>
+              <a:rPr lang="en-US" dirty="0"/>
+              <a:t>Class &amp; Objects</a:t>
+            </a:r>
+          </a:p>
+        </p:txBody>
+      </p:sp>
+      <p:pic>
+        <p:nvPicPr>
+          <p:cNvPr id="4" name="Picture 3">
+            <a:extLst>
+              <a:ext uri="{FF2B5EF4-FFF2-40B4-BE49-F238E27FC236}">
+                <a16:creationId xmlns:a16="http://schemas.microsoft.com/office/drawing/2014/main" id="{C0A34A68-17D1-044A-9969-F6351ECEF3E9}"/>
+              </a:ext>
+            </a:extLst>
+          </p:cNvPr>
+          <p:cNvPicPr>
+            <a:picLocks noChangeAspect="1"/>
+          </p:cNvPicPr>
+          <p:nvPr/>
+        </p:nvPicPr>
+        <p:blipFill>
+          <a:blip r:embed="rId2"/>
+          <a:stretch>
+            <a:fillRect/>
+          </a:stretch>
+        </p:blipFill>
         <p:spPr>
           <a:xfrm>
-            <a:off x="1981200" y="1981200"/>
-            <a:ext cx="8229600" cy="685800"/>
-          </a:xfrm>
-        </p:spPr>
-        <p:txBody>
-          <a:bodyPr/>
-          <a:lstStyle/>
-          <a:p>
-            <a:pPr>
-              <a:defRPr/>
-            </a:pPr>
-            <a:r>
-              <a:rPr lang="en-US" dirty="0"/>
-              <a:t>Who needs </a:t>
-            </a:r>
-            <a:r>
-              <a:rPr lang="en-US" dirty="0">
-                <a:solidFill>
-                  <a:schemeClr val="accent1">
-                    <a:lumMod val="50000"/>
-                  </a:schemeClr>
-                </a:solidFill>
-                <a:latin typeface="Courier New" pitchFamily="49" charset="0"/>
-                <a:cs typeface="Courier New" pitchFamily="49" charset="0"/>
-              </a:rPr>
-              <a:t>class</a:t>
-            </a:r>
-            <a:r>
-              <a:rPr lang="en-US" dirty="0"/>
-              <a:t>?  Create functions too:</a:t>
-            </a:r>
-          </a:p>
-        </p:txBody>
-      </p:sp>
-      <p:sp>
-        <p:nvSpPr>
-          <p:cNvPr id="4" name="Rectangle 3">
-            <a:extLst>
-              <a:ext uri="{FF2B5EF4-FFF2-40B4-BE49-F238E27FC236}">
-                <a16:creationId xmlns:a16="http://schemas.microsoft.com/office/drawing/2014/main" id="{20B30025-898E-1949-B19E-710A624AA731}"/>
-              </a:ext>
-            </a:extLst>
-          </p:cNvPr>
-          <p:cNvSpPr txBox="1">
-            <a:spLocks noChangeArrowheads="1"/>
-          </p:cNvSpPr>
-          <p:nvPr/>
-        </p:nvSpPr>
-        <p:spPr bwMode="auto">
-          <a:xfrm>
-            <a:off x="2422526" y="2667000"/>
-            <a:ext cx="8245475" cy="4038600"/>
+            <a:off x="1857983" y="1532675"/>
+            <a:ext cx="7551145" cy="4644288"/>
           </a:xfrm>
           <a:prstGeom prst="rect">
             <a:avLst/>
           </a:prstGeom>
-          <a:noFill/>
-          <a:ln w="9525">
-            <a:noFill/>
-            <a:miter lim="800000"/>
-            <a:headEnd/>
-            <a:tailEnd/>
-          </a:ln>
         </p:spPr>
-        <p:txBody>
-          <a:bodyPr/>
-          <a:lstStyle/>
-          <a:p>
-            <a:pPr marL="517525" indent="-403225">
-              <a:spcBef>
-                <a:spcPct val="20000"/>
-              </a:spcBef>
-              <a:buClr>
-                <a:schemeClr val="accent2"/>
-              </a:buClr>
-              <a:buSzPct val="80000"/>
-              <a:defRPr/>
-            </a:pPr>
-            <a:r>
-              <a:rPr lang="en-US" sz="2800" kern="0" dirty="0">
-                <a:solidFill>
-                  <a:schemeClr val="accent1">
-                    <a:lumMod val="75000"/>
-                  </a:schemeClr>
-                </a:solidFill>
-                <a:latin typeface="Courier New" charset="0"/>
-              </a:rPr>
-              <a:t>var</a:t>
-            </a:r>
-            <a:r>
-              <a:rPr lang="en-US" sz="2800" kern="0" dirty="0">
-                <a:solidFill>
-                  <a:schemeClr val="bg2">
-                    <a:lumMod val="60000"/>
-                    <a:lumOff val="40000"/>
-                  </a:schemeClr>
-                </a:solidFill>
-                <a:latin typeface="Courier New" charset="0"/>
-              </a:rPr>
-              <a:t> </a:t>
-            </a:r>
-            <a:r>
-              <a:rPr lang="en-US" sz="2800" kern="0" dirty="0">
-                <a:latin typeface="Courier New" charset="0"/>
-              </a:rPr>
-              <a:t>position = {</a:t>
-            </a:r>
-          </a:p>
-          <a:p>
-            <a:pPr marL="517525" indent="-403225">
-              <a:spcBef>
-                <a:spcPct val="20000"/>
-              </a:spcBef>
-              <a:buClr>
-                <a:schemeClr val="accent2"/>
-              </a:buClr>
-              <a:buSzPct val="80000"/>
-              <a:defRPr/>
-            </a:pPr>
-            <a:r>
-              <a:rPr lang="en-US" sz="2800" kern="0" dirty="0">
-                <a:latin typeface="Courier New" charset="0"/>
-              </a:rPr>
-              <a:t>  x : 1.0,</a:t>
-            </a:r>
-          </a:p>
-          <a:p>
-            <a:pPr marL="517525" indent="-403225">
-              <a:spcBef>
-                <a:spcPct val="20000"/>
-              </a:spcBef>
-              <a:buClr>
-                <a:schemeClr val="accent2"/>
-              </a:buClr>
-              <a:buSzPct val="80000"/>
-              <a:defRPr/>
-            </a:pPr>
-            <a:r>
-              <a:rPr lang="en-US" sz="2800" kern="0" dirty="0">
-                <a:latin typeface="Courier New" charset="0"/>
-              </a:rPr>
-              <a:t>  y : 2.0,</a:t>
-            </a:r>
-          </a:p>
-          <a:p>
-            <a:pPr marL="517525" indent="-403225">
-              <a:spcBef>
-                <a:spcPct val="20000"/>
-              </a:spcBef>
-              <a:buClr>
-                <a:schemeClr val="accent2"/>
-              </a:buClr>
-              <a:buSzPct val="80000"/>
-              <a:defRPr/>
-            </a:pPr>
-            <a:r>
-              <a:rPr lang="en-US" sz="2800" kern="0" dirty="0">
-                <a:latin typeface="Courier New" charset="0"/>
-              </a:rPr>
-              <a:t>  min : </a:t>
-            </a:r>
-            <a:r>
-              <a:rPr lang="en-US" sz="2800" kern="0" dirty="0">
-                <a:solidFill>
-                  <a:schemeClr val="accent1">
-                    <a:lumMod val="75000"/>
-                  </a:schemeClr>
-                </a:solidFill>
-                <a:latin typeface="Courier New" charset="0"/>
-              </a:rPr>
-              <a:t>function</a:t>
-            </a:r>
-            <a:r>
-              <a:rPr lang="en-US" sz="2800" kern="0" dirty="0">
-                <a:latin typeface="Courier New" charset="0"/>
-              </a:rPr>
-              <a:t>() {</a:t>
-            </a:r>
-          </a:p>
-          <a:p>
-            <a:pPr marL="517525" indent="-403225">
-              <a:spcBef>
-                <a:spcPct val="20000"/>
-              </a:spcBef>
-              <a:buClr>
-                <a:schemeClr val="accent2"/>
-              </a:buClr>
-              <a:buSzPct val="80000"/>
-              <a:defRPr/>
-            </a:pPr>
-            <a:r>
-              <a:rPr lang="en-US" sz="2800" kern="0" dirty="0">
-                <a:latin typeface="Courier New" charset="0"/>
-              </a:rPr>
-              <a:t>    </a:t>
-            </a:r>
-            <a:r>
-              <a:rPr lang="en-US" sz="2800" kern="0" dirty="0">
-                <a:solidFill>
-                  <a:schemeClr val="accent1">
-                    <a:lumMod val="75000"/>
-                  </a:schemeClr>
-                </a:solidFill>
-                <a:latin typeface="Courier New" charset="0"/>
-              </a:rPr>
-              <a:t>return</a:t>
-            </a:r>
-            <a:r>
-              <a:rPr lang="en-US" sz="2800" kern="0" dirty="0">
-                <a:latin typeface="Courier New" charset="0"/>
-              </a:rPr>
-              <a:t> </a:t>
-            </a:r>
-            <a:r>
-              <a:rPr lang="en-US" sz="2800" kern="0" dirty="0">
-                <a:solidFill>
-                  <a:srgbClr val="D60093"/>
-                </a:solidFill>
-                <a:latin typeface="Courier New" charset="0"/>
-              </a:rPr>
-              <a:t>Math</a:t>
-            </a:r>
-            <a:r>
-              <a:rPr lang="en-US" sz="2800" kern="0" dirty="0">
-                <a:latin typeface="Courier New" charset="0"/>
-              </a:rPr>
-              <a:t>.</a:t>
-            </a:r>
-            <a:r>
-              <a:rPr lang="en-US" sz="2800" kern="0" dirty="0">
-                <a:solidFill>
-                  <a:srgbClr val="D60093"/>
-                </a:solidFill>
-                <a:latin typeface="Courier New" charset="0"/>
-              </a:rPr>
-              <a:t>min</a:t>
-            </a:r>
-            <a:r>
-              <a:rPr lang="en-US" sz="2800" kern="0" dirty="0">
-                <a:latin typeface="Courier New" charset="0"/>
-              </a:rPr>
-              <a:t>(</a:t>
-            </a:r>
-            <a:r>
-              <a:rPr lang="en-US" sz="2800" kern="0" dirty="0" err="1">
-                <a:solidFill>
-                  <a:schemeClr val="accent1">
-                    <a:lumMod val="75000"/>
-                  </a:schemeClr>
-                </a:solidFill>
-                <a:latin typeface="Courier New" charset="0"/>
-              </a:rPr>
-              <a:t>this</a:t>
-            </a:r>
-            <a:r>
-              <a:rPr lang="en-US" sz="2800" kern="0" dirty="0" err="1">
-                <a:latin typeface="Courier New" charset="0"/>
-              </a:rPr>
-              <a:t>.x</a:t>
-            </a:r>
-            <a:r>
-              <a:rPr lang="en-US" sz="2800" kern="0" dirty="0">
-                <a:latin typeface="Courier New" charset="0"/>
-              </a:rPr>
-              <a:t>, </a:t>
-            </a:r>
-            <a:r>
-              <a:rPr lang="en-US" sz="2800" kern="0" dirty="0">
-                <a:solidFill>
-                  <a:schemeClr val="accent1">
-                    <a:lumMod val="75000"/>
-                  </a:schemeClr>
-                </a:solidFill>
-                <a:latin typeface="Courier New" charset="0"/>
-              </a:rPr>
-              <a:t>this</a:t>
-            </a:r>
-            <a:r>
-              <a:rPr lang="en-US" sz="2800" kern="0" dirty="0">
-                <a:latin typeface="Courier New" charset="0"/>
-              </a:rPr>
-              <a:t>.y);</a:t>
-            </a:r>
-          </a:p>
-          <a:p>
-            <a:pPr marL="517525" indent="-403225">
-              <a:spcBef>
-                <a:spcPct val="20000"/>
-              </a:spcBef>
-              <a:buClr>
-                <a:schemeClr val="accent2"/>
-              </a:buClr>
-              <a:buSzPct val="80000"/>
-              <a:defRPr/>
-            </a:pPr>
-            <a:r>
-              <a:rPr lang="en-US" sz="2800" kern="0" dirty="0">
-                <a:latin typeface="Courier New" charset="0"/>
-              </a:rPr>
-              <a:t>  }</a:t>
-            </a:r>
-          </a:p>
-          <a:p>
-            <a:pPr marL="517525" indent="-403225">
-              <a:spcBef>
-                <a:spcPct val="20000"/>
-              </a:spcBef>
-              <a:buClr>
-                <a:schemeClr val="accent2"/>
-              </a:buClr>
-              <a:buSzPct val="80000"/>
-              <a:defRPr/>
-            </a:pPr>
-            <a:r>
-              <a:rPr lang="en-US" sz="2800" kern="0" dirty="0">
-                <a:latin typeface="Courier New" charset="0"/>
-              </a:rPr>
-              <a:t>};</a:t>
-            </a:r>
-          </a:p>
-        </p:txBody>
-      </p:sp>
+      </p:pic>
     </p:spTree>
     <p:extLst>
       <p:ext uri="{BB962C8B-B14F-4D97-AF65-F5344CB8AC3E}">
-        <p14:creationId xmlns:p14="http://schemas.microsoft.com/office/powerpoint/2010/main" val="1629969474"/>
+        <p14:creationId xmlns:p14="http://schemas.microsoft.com/office/powerpoint/2010/main" val="1232527430"/>
       </p:ext>
     </p:extLst>
   </p:cSld>
@@ -5471,10 +5612,10 @@
       </p:grpSpPr>
       <p:sp>
         <p:nvSpPr>
-          <p:cNvPr id="2" name="Title 1">
-            <a:extLst>
-              <a:ext uri="{FF2B5EF4-FFF2-40B4-BE49-F238E27FC236}">
-                <a16:creationId xmlns:a16="http://schemas.microsoft.com/office/drawing/2014/main" id="{A4D6DE47-E070-423C-8CE8-479EC2A576FC}"/>
+          <p:cNvPr id="59394" name="Title 1">
+            <a:extLst>
+              <a:ext uri="{FF2B5EF4-FFF2-40B4-BE49-F238E27FC236}">
+                <a16:creationId xmlns:a16="http://schemas.microsoft.com/office/drawing/2014/main" id="{9D95371F-039D-6C43-B316-83CFDE3FA668}"/>
               </a:ext>
             </a:extLst>
           </p:cNvPr>
@@ -5491,217 +5632,348 @@
           <a:lstStyle/>
           <a:p>
             <a:r>
-              <a:rPr lang="en-IN" dirty="0"/>
-              <a:t>Simple Object </a:t>
-            </a:r>
-          </a:p>
-        </p:txBody>
-      </p:sp>
-      <p:sp>
-        <p:nvSpPr>
-          <p:cNvPr id="4" name="Rectangle 3">
-            <a:extLst>
-              <a:ext uri="{FF2B5EF4-FFF2-40B4-BE49-F238E27FC236}">
-                <a16:creationId xmlns:a16="http://schemas.microsoft.com/office/drawing/2014/main" id="{8AF41EE9-7638-493A-9189-D1F7E83FF29F}"/>
-              </a:ext>
-            </a:extLst>
-          </p:cNvPr>
-          <p:cNvSpPr/>
-          <p:nvPr/>
+              <a:rPr lang="en-US" altLang="en-US"/>
+              <a:t>JavaScript Object Literals</a:t>
+            </a:r>
+          </a:p>
+        </p:txBody>
+      </p:sp>
+      <p:sp>
+        <p:nvSpPr>
+          <p:cNvPr id="3" name="Content Placeholder 2">
+            <a:extLst>
+              <a:ext uri="{FF2B5EF4-FFF2-40B4-BE49-F238E27FC236}">
+                <a16:creationId xmlns:a16="http://schemas.microsoft.com/office/drawing/2014/main" id="{403952AC-772C-6847-9D0C-504AC34956DA}"/>
+              </a:ext>
+            </a:extLst>
+          </p:cNvPr>
+          <p:cNvSpPr>
+            <a:spLocks noGrp="1"/>
+          </p:cNvSpPr>
+          <p:nvPr>
+            <p:ph idx="1"/>
+          </p:nvPr>
         </p:nvSpPr>
         <p:spPr>
           <a:xfrm>
-            <a:off x="641134" y="1723722"/>
-            <a:ext cx="5092264" cy="1569660"/>
+            <a:off x="1981200" y="1981200"/>
+            <a:ext cx="8229600" cy="685800"/>
+          </a:xfrm>
+        </p:spPr>
+        <p:txBody>
+          <a:bodyPr/>
+          <a:lstStyle/>
+          <a:p>
+            <a:pPr>
+              <a:defRPr/>
+            </a:pPr>
+            <a:r>
+              <a:rPr lang="en-US" dirty="0"/>
+              <a:t>Who needs </a:t>
+            </a:r>
+            <a:r>
+              <a:rPr lang="en-US" dirty="0">
+                <a:solidFill>
+                  <a:schemeClr val="accent1">
+                    <a:lumMod val="50000"/>
+                  </a:schemeClr>
+                </a:solidFill>
+                <a:latin typeface="Courier New" pitchFamily="49" charset="0"/>
+                <a:cs typeface="Courier New" pitchFamily="49" charset="0"/>
+              </a:rPr>
+              <a:t>class</a:t>
+            </a:r>
+            <a:r>
+              <a:rPr lang="en-US" dirty="0"/>
+              <a:t>?  Create functions too:</a:t>
+            </a:r>
+          </a:p>
+        </p:txBody>
+      </p:sp>
+      <p:sp>
+        <p:nvSpPr>
+          <p:cNvPr id="4" name="Rectangle 3">
+            <a:extLst>
+              <a:ext uri="{FF2B5EF4-FFF2-40B4-BE49-F238E27FC236}">
+                <a16:creationId xmlns:a16="http://schemas.microsoft.com/office/drawing/2014/main" id="{20B30025-898E-1949-B19E-710A624AA731}"/>
+              </a:ext>
+            </a:extLst>
+          </p:cNvPr>
+          <p:cNvSpPr txBox="1">
+            <a:spLocks noChangeArrowheads="1"/>
+          </p:cNvSpPr>
+          <p:nvPr/>
+        </p:nvSpPr>
+        <p:spPr bwMode="auto">
+          <a:xfrm>
+            <a:off x="2422526" y="2667000"/>
+            <a:ext cx="8245475" cy="4038600"/>
           </a:xfrm>
           <a:prstGeom prst="rect">
             <a:avLst/>
           </a:prstGeom>
+          <a:noFill/>
+          <a:ln w="9525">
+            <a:noFill/>
+            <a:miter lim="800000"/>
+            <a:headEnd/>
+            <a:tailEnd/>
+          </a:ln>
         </p:spPr>
         <p:txBody>
-          <a:bodyPr wrap="square">
-            <a:spAutoFit/>
-          </a:bodyPr>
+          <a:bodyPr/>
           <a:lstStyle/>
           <a:p>
-            <a:r>
-              <a:rPr lang="en-IN" sz="3200" dirty="0"/>
-              <a:t>function Dog (name) {</a:t>
-            </a:r>
-          </a:p>
-          <a:p>
-            <a:r>
-              <a:rPr lang="en-IN" sz="3200" dirty="0"/>
-              <a:t>      this.name = name;</a:t>
-            </a:r>
-          </a:p>
-          <a:p>
-            <a:r>
-              <a:rPr lang="en-IN" sz="3200" dirty="0"/>
-              <a:t>    }</a:t>
-            </a:r>
-          </a:p>
-        </p:txBody>
-      </p:sp>
-      <p:sp>
-        <p:nvSpPr>
-          <p:cNvPr id="5" name="Rectangle 4">
-            <a:extLst>
-              <a:ext uri="{FF2B5EF4-FFF2-40B4-BE49-F238E27FC236}">
-                <a16:creationId xmlns:a16="http://schemas.microsoft.com/office/drawing/2014/main" id="{C3F0FC48-A3DD-4705-A29F-903A170E272C}"/>
-              </a:ext>
-            </a:extLst>
-          </p:cNvPr>
-          <p:cNvSpPr/>
-          <p:nvPr/>
-        </p:nvSpPr>
-        <p:spPr>
-          <a:xfrm>
-            <a:off x="6542686" y="1027906"/>
-            <a:ext cx="4761187" cy="3046988"/>
-          </a:xfrm>
-          <a:prstGeom prst="rect">
-            <a:avLst/>
-          </a:prstGeom>
-        </p:spPr>
-        <p:txBody>
-          <a:bodyPr wrap="square">
-            <a:spAutoFit/>
-          </a:bodyPr>
-          <a:lstStyle/>
-          <a:p>
-            <a:endParaRPr lang="en-IN" sz="3200" dirty="0"/>
-          </a:p>
-          <a:p>
-            <a:r>
-              <a:rPr lang="en-IN" sz="3200" dirty="0"/>
-              <a:t> class Dog {</a:t>
-            </a:r>
-          </a:p>
-          <a:p>
-            <a:r>
-              <a:rPr lang="en-IN" sz="3200" dirty="0"/>
-              <a:t>      constructor (name) {</a:t>
-            </a:r>
-          </a:p>
-          <a:p>
-            <a:r>
-              <a:rPr lang="en-IN" sz="3200" dirty="0"/>
-              <a:t>        this.name = name;</a:t>
-            </a:r>
-          </a:p>
-          <a:p>
-            <a:r>
-              <a:rPr lang="en-IN" sz="3200" dirty="0"/>
-              <a:t>      }</a:t>
-            </a:r>
-          </a:p>
-          <a:p>
-            <a:r>
-              <a:rPr lang="en-IN" sz="3200" dirty="0"/>
-              <a:t>    }</a:t>
-            </a:r>
-          </a:p>
-        </p:txBody>
-      </p:sp>
-      <p:sp>
-        <p:nvSpPr>
-          <p:cNvPr id="6" name="Rectangle 5">
-            <a:extLst>
-              <a:ext uri="{FF2B5EF4-FFF2-40B4-BE49-F238E27FC236}">
-                <a16:creationId xmlns:a16="http://schemas.microsoft.com/office/drawing/2014/main" id="{C8ACD3B0-FF3C-4A91-8EC7-6C31CED7270E}"/>
-              </a:ext>
-            </a:extLst>
-          </p:cNvPr>
-          <p:cNvSpPr/>
-          <p:nvPr/>
-        </p:nvSpPr>
-        <p:spPr>
-          <a:xfrm>
-            <a:off x="325817" y="4349448"/>
-            <a:ext cx="6096000" cy="1569660"/>
-          </a:xfrm>
-          <a:prstGeom prst="rect">
-            <a:avLst/>
-          </a:prstGeom>
-        </p:spPr>
-        <p:txBody>
-          <a:bodyPr>
-            <a:spAutoFit/>
-          </a:bodyPr>
-          <a:lstStyle/>
-          <a:p>
-            <a:r>
-              <a:rPr lang="en-IN" sz="3200" dirty="0"/>
-              <a:t>var </a:t>
-            </a:r>
-            <a:r>
-              <a:rPr lang="en-IN" sz="3200" dirty="0" err="1"/>
-              <a:t>fido</a:t>
-            </a:r>
-            <a:r>
-              <a:rPr lang="en-IN" sz="3200" dirty="0"/>
-              <a:t> = new Dog('Fido');</a:t>
-            </a:r>
-          </a:p>
-          <a:p>
-            <a:endParaRPr lang="en-IN" sz="3200" dirty="0"/>
-          </a:p>
-          <a:p>
-            <a:r>
-              <a:rPr lang="en-IN" sz="3200" dirty="0"/>
-              <a:t>console.log(fido.name); // 'Fido'</a:t>
-            </a:r>
-          </a:p>
-        </p:txBody>
-      </p:sp>
-      <p:sp>
-        <p:nvSpPr>
-          <p:cNvPr id="7" name="Rectangle 6">
-            <a:extLst>
-              <a:ext uri="{FF2B5EF4-FFF2-40B4-BE49-F238E27FC236}">
-                <a16:creationId xmlns:a16="http://schemas.microsoft.com/office/drawing/2014/main" id="{36804E29-4233-4126-9622-67DBB8886074}"/>
-              </a:ext>
-            </a:extLst>
-          </p:cNvPr>
-          <p:cNvSpPr/>
-          <p:nvPr/>
-        </p:nvSpPr>
-        <p:spPr>
-          <a:xfrm>
-            <a:off x="6542686" y="4415956"/>
-            <a:ext cx="6096000" cy="1569660"/>
-          </a:xfrm>
-          <a:prstGeom prst="rect">
-            <a:avLst/>
-          </a:prstGeom>
-        </p:spPr>
-        <p:txBody>
-          <a:bodyPr>
-            <a:spAutoFit/>
-          </a:bodyPr>
-          <a:lstStyle/>
-          <a:p>
-            <a:r>
-              <a:rPr lang="en-IN" sz="3200" dirty="0"/>
-              <a:t>var </a:t>
-            </a:r>
-            <a:r>
-              <a:rPr lang="en-IN" sz="3200" dirty="0" err="1"/>
-              <a:t>fido</a:t>
-            </a:r>
-            <a:r>
-              <a:rPr lang="en-IN" sz="3200" dirty="0"/>
-              <a:t> = new Dog('Fido');</a:t>
-            </a:r>
-          </a:p>
-          <a:p>
-            <a:endParaRPr lang="en-IN" sz="3200" dirty="0"/>
-          </a:p>
-          <a:p>
-            <a:r>
-              <a:rPr lang="en-IN" sz="3200" dirty="0"/>
-              <a:t>console.log(fido.name); // 'Fido'</a:t>
+            <a:pPr marL="517525" indent="-403225">
+              <a:spcBef>
+                <a:spcPct val="20000"/>
+              </a:spcBef>
+              <a:buClr>
+                <a:schemeClr val="accent2"/>
+              </a:buClr>
+              <a:buSzPct val="80000"/>
+              <a:defRPr/>
+            </a:pPr>
+            <a:r>
+              <a:rPr lang="en-US" sz="2800" kern="0" dirty="0">
+                <a:solidFill>
+                  <a:schemeClr val="accent1">
+                    <a:lumMod val="75000"/>
+                  </a:schemeClr>
+                </a:solidFill>
+                <a:latin typeface="Courier New" charset="0"/>
+              </a:rPr>
+              <a:t>var</a:t>
+            </a:r>
+            <a:r>
+              <a:rPr lang="en-US" sz="2800" kern="0" dirty="0">
+                <a:solidFill>
+                  <a:schemeClr val="bg2">
+                    <a:lumMod val="60000"/>
+                    <a:lumOff val="40000"/>
+                  </a:schemeClr>
+                </a:solidFill>
+                <a:latin typeface="Courier New" charset="0"/>
+              </a:rPr>
+              <a:t> </a:t>
+            </a:r>
+            <a:r>
+              <a:rPr lang="en-US" sz="2800" kern="0" dirty="0">
+                <a:latin typeface="Courier New" charset="0"/>
+              </a:rPr>
+              <a:t>position = {</a:t>
+            </a:r>
+          </a:p>
+          <a:p>
+            <a:pPr marL="517525" indent="-403225">
+              <a:spcBef>
+                <a:spcPct val="20000"/>
+              </a:spcBef>
+              <a:buClr>
+                <a:schemeClr val="accent2"/>
+              </a:buClr>
+              <a:buSzPct val="80000"/>
+              <a:defRPr/>
+            </a:pPr>
+            <a:r>
+              <a:rPr lang="en-US" sz="2800" kern="0" dirty="0">
+                <a:latin typeface="Courier New" charset="0"/>
+              </a:rPr>
+              <a:t>  x : 1.0,</a:t>
+            </a:r>
+          </a:p>
+          <a:p>
+            <a:pPr marL="517525" indent="-403225">
+              <a:spcBef>
+                <a:spcPct val="20000"/>
+              </a:spcBef>
+              <a:buClr>
+                <a:schemeClr val="accent2"/>
+              </a:buClr>
+              <a:buSzPct val="80000"/>
+              <a:defRPr/>
+            </a:pPr>
+            <a:r>
+              <a:rPr lang="en-US" sz="2800" kern="0" dirty="0">
+                <a:latin typeface="Courier New" charset="0"/>
+              </a:rPr>
+              <a:t>  y : 2.0,</a:t>
+            </a:r>
+          </a:p>
+          <a:p>
+            <a:pPr marL="517525" indent="-403225">
+              <a:spcBef>
+                <a:spcPct val="20000"/>
+              </a:spcBef>
+              <a:buClr>
+                <a:schemeClr val="accent2"/>
+              </a:buClr>
+              <a:buSzPct val="80000"/>
+              <a:defRPr/>
+            </a:pPr>
+            <a:r>
+              <a:rPr lang="en-US" sz="2800" kern="0" dirty="0">
+                <a:latin typeface="Courier New" charset="0"/>
+              </a:rPr>
+              <a:t>  min : </a:t>
+            </a:r>
+            <a:r>
+              <a:rPr lang="en-US" sz="2800" kern="0" dirty="0">
+                <a:solidFill>
+                  <a:schemeClr val="accent1">
+                    <a:lumMod val="75000"/>
+                  </a:schemeClr>
+                </a:solidFill>
+                <a:latin typeface="Courier New" charset="0"/>
+              </a:rPr>
+              <a:t>function</a:t>
+            </a:r>
+            <a:r>
+              <a:rPr lang="en-US" sz="2800" kern="0" dirty="0">
+                <a:latin typeface="Courier New" charset="0"/>
+              </a:rPr>
+              <a:t>() {</a:t>
+            </a:r>
+          </a:p>
+          <a:p>
+            <a:pPr marL="517525" indent="-403225">
+              <a:spcBef>
+                <a:spcPct val="20000"/>
+              </a:spcBef>
+              <a:buClr>
+                <a:schemeClr val="accent2"/>
+              </a:buClr>
+              <a:buSzPct val="80000"/>
+              <a:defRPr/>
+            </a:pPr>
+            <a:r>
+              <a:rPr lang="en-US" sz="2800" kern="0" dirty="0">
+                <a:latin typeface="Courier New" charset="0"/>
+              </a:rPr>
+              <a:t>    </a:t>
+            </a:r>
+            <a:r>
+              <a:rPr lang="en-US" sz="2800" kern="0" dirty="0">
+                <a:solidFill>
+                  <a:schemeClr val="accent1">
+                    <a:lumMod val="75000"/>
+                  </a:schemeClr>
+                </a:solidFill>
+                <a:latin typeface="Courier New" charset="0"/>
+              </a:rPr>
+              <a:t>return</a:t>
+            </a:r>
+            <a:r>
+              <a:rPr lang="en-US" sz="2800" kern="0" dirty="0">
+                <a:latin typeface="Courier New" charset="0"/>
+              </a:rPr>
+              <a:t> </a:t>
+            </a:r>
+            <a:r>
+              <a:rPr lang="en-US" sz="2800" kern="0" dirty="0">
+                <a:solidFill>
+                  <a:srgbClr val="D60093"/>
+                </a:solidFill>
+                <a:latin typeface="Courier New" charset="0"/>
+              </a:rPr>
+              <a:t>Math</a:t>
+            </a:r>
+            <a:r>
+              <a:rPr lang="en-US" sz="2800" kern="0" dirty="0">
+                <a:latin typeface="Courier New" charset="0"/>
+              </a:rPr>
+              <a:t>.</a:t>
+            </a:r>
+            <a:r>
+              <a:rPr lang="en-US" sz="2800" kern="0" dirty="0">
+                <a:solidFill>
+                  <a:srgbClr val="D60093"/>
+                </a:solidFill>
+                <a:latin typeface="Courier New" charset="0"/>
+              </a:rPr>
+              <a:t>min</a:t>
+            </a:r>
+            <a:r>
+              <a:rPr lang="en-US" sz="2800" kern="0" dirty="0">
+                <a:latin typeface="Courier New" charset="0"/>
+              </a:rPr>
+              <a:t>(</a:t>
+            </a:r>
+            <a:r>
+              <a:rPr lang="en-US" sz="2800" kern="0" dirty="0" err="1">
+                <a:solidFill>
+                  <a:schemeClr val="accent1">
+                    <a:lumMod val="75000"/>
+                  </a:schemeClr>
+                </a:solidFill>
+                <a:latin typeface="Courier New" charset="0"/>
+              </a:rPr>
+              <a:t>this</a:t>
+            </a:r>
+            <a:r>
+              <a:rPr lang="en-US" sz="2800" kern="0" dirty="0" err="1">
+                <a:latin typeface="Courier New" charset="0"/>
+              </a:rPr>
+              <a:t>.x</a:t>
+            </a:r>
+            <a:r>
+              <a:rPr lang="en-US" sz="2800" kern="0" dirty="0">
+                <a:latin typeface="Courier New" charset="0"/>
+              </a:rPr>
+              <a:t>, </a:t>
+            </a:r>
+            <a:r>
+              <a:rPr lang="en-US" sz="2800" kern="0" dirty="0">
+                <a:solidFill>
+                  <a:schemeClr val="accent1">
+                    <a:lumMod val="75000"/>
+                  </a:schemeClr>
+                </a:solidFill>
+                <a:latin typeface="Courier New" charset="0"/>
+              </a:rPr>
+              <a:t>this</a:t>
+            </a:r>
+            <a:r>
+              <a:rPr lang="en-US" sz="2800" kern="0" dirty="0">
+                <a:latin typeface="Courier New" charset="0"/>
+              </a:rPr>
+              <a:t>.y);</a:t>
+            </a:r>
+          </a:p>
+          <a:p>
+            <a:pPr marL="517525" indent="-403225">
+              <a:spcBef>
+                <a:spcPct val="20000"/>
+              </a:spcBef>
+              <a:buClr>
+                <a:schemeClr val="accent2"/>
+              </a:buClr>
+              <a:buSzPct val="80000"/>
+              <a:defRPr/>
+            </a:pPr>
+            <a:r>
+              <a:rPr lang="en-US" sz="2800" kern="0" dirty="0">
+                <a:latin typeface="Courier New" charset="0"/>
+              </a:rPr>
+              <a:t>  }</a:t>
+            </a:r>
+          </a:p>
+          <a:p>
+            <a:pPr marL="517525" indent="-403225">
+              <a:spcBef>
+                <a:spcPct val="20000"/>
+              </a:spcBef>
+              <a:buClr>
+                <a:schemeClr val="accent2"/>
+              </a:buClr>
+              <a:buSzPct val="80000"/>
+              <a:defRPr/>
+            </a:pPr>
+            <a:r>
+              <a:rPr lang="en-US" sz="2800" kern="0" dirty="0">
+                <a:latin typeface="Courier New" charset="0"/>
+              </a:rPr>
+              <a:t>};</a:t>
             </a:r>
           </a:p>
         </p:txBody>
@@ -5709,7 +5981,7 @@
     </p:spTree>
     <p:extLst>
       <p:ext uri="{BB962C8B-B14F-4D97-AF65-F5344CB8AC3E}">
-        <p14:creationId xmlns:p14="http://schemas.microsoft.com/office/powerpoint/2010/main" val="114265696"/>
+        <p14:creationId xmlns:p14="http://schemas.microsoft.com/office/powerpoint/2010/main" val="1629969474"/>
       </p:ext>
     </p:extLst>
   </p:cSld>
@@ -5741,6 +6013,273 @@
           <p:cNvPr id="2" name="Title 1">
             <a:extLst>
               <a:ext uri="{FF2B5EF4-FFF2-40B4-BE49-F238E27FC236}">
+                <a16:creationId xmlns:a16="http://schemas.microsoft.com/office/drawing/2014/main" id="{A4D6DE47-E070-423C-8CE8-479EC2A576FC}"/>
+              </a:ext>
+            </a:extLst>
+          </p:cNvPr>
+          <p:cNvSpPr>
+            <a:spLocks noGrp="1"/>
+          </p:cNvSpPr>
+          <p:nvPr>
+            <p:ph type="title"/>
+          </p:nvPr>
+        </p:nvSpPr>
+        <p:spPr/>
+        <p:txBody>
+          <a:bodyPr/>
+          <a:lstStyle/>
+          <a:p>
+            <a:r>
+              <a:rPr lang="en-IN" dirty="0"/>
+              <a:t>Simple Object </a:t>
+            </a:r>
+          </a:p>
+        </p:txBody>
+      </p:sp>
+      <p:sp>
+        <p:nvSpPr>
+          <p:cNvPr id="4" name="Rectangle 3">
+            <a:extLst>
+              <a:ext uri="{FF2B5EF4-FFF2-40B4-BE49-F238E27FC236}">
+                <a16:creationId xmlns:a16="http://schemas.microsoft.com/office/drawing/2014/main" id="{8AF41EE9-7638-493A-9189-D1F7E83FF29F}"/>
+              </a:ext>
+            </a:extLst>
+          </p:cNvPr>
+          <p:cNvSpPr/>
+          <p:nvPr/>
+        </p:nvSpPr>
+        <p:spPr>
+          <a:xfrm>
+            <a:off x="641134" y="1723722"/>
+            <a:ext cx="5092264" cy="1569660"/>
+          </a:xfrm>
+          <a:prstGeom prst="rect">
+            <a:avLst/>
+          </a:prstGeom>
+        </p:spPr>
+        <p:txBody>
+          <a:bodyPr wrap="square">
+            <a:spAutoFit/>
+          </a:bodyPr>
+          <a:lstStyle/>
+          <a:p>
+            <a:r>
+              <a:rPr lang="en-IN" sz="3200" dirty="0"/>
+              <a:t>function Dog (name) {</a:t>
+            </a:r>
+          </a:p>
+          <a:p>
+            <a:r>
+              <a:rPr lang="en-IN" sz="3200" dirty="0"/>
+              <a:t>      this.name = name;</a:t>
+            </a:r>
+          </a:p>
+          <a:p>
+            <a:r>
+              <a:rPr lang="en-IN" sz="3200" dirty="0"/>
+              <a:t>    }</a:t>
+            </a:r>
+          </a:p>
+        </p:txBody>
+      </p:sp>
+      <p:sp>
+        <p:nvSpPr>
+          <p:cNvPr id="5" name="Rectangle 4">
+            <a:extLst>
+              <a:ext uri="{FF2B5EF4-FFF2-40B4-BE49-F238E27FC236}">
+                <a16:creationId xmlns:a16="http://schemas.microsoft.com/office/drawing/2014/main" id="{C3F0FC48-A3DD-4705-A29F-903A170E272C}"/>
+              </a:ext>
+            </a:extLst>
+          </p:cNvPr>
+          <p:cNvSpPr/>
+          <p:nvPr/>
+        </p:nvSpPr>
+        <p:spPr>
+          <a:xfrm>
+            <a:off x="6542686" y="1027906"/>
+            <a:ext cx="4761187" cy="3046988"/>
+          </a:xfrm>
+          <a:prstGeom prst="rect">
+            <a:avLst/>
+          </a:prstGeom>
+        </p:spPr>
+        <p:txBody>
+          <a:bodyPr wrap="square">
+            <a:spAutoFit/>
+          </a:bodyPr>
+          <a:lstStyle/>
+          <a:p>
+            <a:endParaRPr lang="en-IN" sz="3200" dirty="0"/>
+          </a:p>
+          <a:p>
+            <a:r>
+              <a:rPr lang="en-IN" sz="3200" dirty="0"/>
+              <a:t> class Dog {</a:t>
+            </a:r>
+          </a:p>
+          <a:p>
+            <a:r>
+              <a:rPr lang="en-IN" sz="3200" dirty="0"/>
+              <a:t>      constructor (name) {</a:t>
+            </a:r>
+          </a:p>
+          <a:p>
+            <a:r>
+              <a:rPr lang="en-IN" sz="3200" dirty="0"/>
+              <a:t>        this.name = name;</a:t>
+            </a:r>
+          </a:p>
+          <a:p>
+            <a:r>
+              <a:rPr lang="en-IN" sz="3200" dirty="0"/>
+              <a:t>      }</a:t>
+            </a:r>
+          </a:p>
+          <a:p>
+            <a:r>
+              <a:rPr lang="en-IN" sz="3200" dirty="0"/>
+              <a:t>    }</a:t>
+            </a:r>
+          </a:p>
+        </p:txBody>
+      </p:sp>
+      <p:sp>
+        <p:nvSpPr>
+          <p:cNvPr id="6" name="Rectangle 5">
+            <a:extLst>
+              <a:ext uri="{FF2B5EF4-FFF2-40B4-BE49-F238E27FC236}">
+                <a16:creationId xmlns:a16="http://schemas.microsoft.com/office/drawing/2014/main" id="{C8ACD3B0-FF3C-4A91-8EC7-6C31CED7270E}"/>
+              </a:ext>
+            </a:extLst>
+          </p:cNvPr>
+          <p:cNvSpPr/>
+          <p:nvPr/>
+        </p:nvSpPr>
+        <p:spPr>
+          <a:xfrm>
+            <a:off x="325817" y="4349448"/>
+            <a:ext cx="6096000" cy="1569660"/>
+          </a:xfrm>
+          <a:prstGeom prst="rect">
+            <a:avLst/>
+          </a:prstGeom>
+        </p:spPr>
+        <p:txBody>
+          <a:bodyPr>
+            <a:spAutoFit/>
+          </a:bodyPr>
+          <a:lstStyle/>
+          <a:p>
+            <a:r>
+              <a:rPr lang="en-IN" sz="3200" dirty="0"/>
+              <a:t>var </a:t>
+            </a:r>
+            <a:r>
+              <a:rPr lang="en-IN" sz="3200" dirty="0" err="1"/>
+              <a:t>fido</a:t>
+            </a:r>
+            <a:r>
+              <a:rPr lang="en-IN" sz="3200" dirty="0"/>
+              <a:t> = new Dog('Fido');</a:t>
+            </a:r>
+          </a:p>
+          <a:p>
+            <a:endParaRPr lang="en-IN" sz="3200" dirty="0"/>
+          </a:p>
+          <a:p>
+            <a:r>
+              <a:rPr lang="en-IN" sz="3200" dirty="0"/>
+              <a:t>console.log(fido.name); // 'Fido'</a:t>
+            </a:r>
+          </a:p>
+        </p:txBody>
+      </p:sp>
+      <p:sp>
+        <p:nvSpPr>
+          <p:cNvPr id="7" name="Rectangle 6">
+            <a:extLst>
+              <a:ext uri="{FF2B5EF4-FFF2-40B4-BE49-F238E27FC236}">
+                <a16:creationId xmlns:a16="http://schemas.microsoft.com/office/drawing/2014/main" id="{36804E29-4233-4126-9622-67DBB8886074}"/>
+              </a:ext>
+            </a:extLst>
+          </p:cNvPr>
+          <p:cNvSpPr/>
+          <p:nvPr/>
+        </p:nvSpPr>
+        <p:spPr>
+          <a:xfrm>
+            <a:off x="6542686" y="4415956"/>
+            <a:ext cx="6096000" cy="1569660"/>
+          </a:xfrm>
+          <a:prstGeom prst="rect">
+            <a:avLst/>
+          </a:prstGeom>
+        </p:spPr>
+        <p:txBody>
+          <a:bodyPr>
+            <a:spAutoFit/>
+          </a:bodyPr>
+          <a:lstStyle/>
+          <a:p>
+            <a:r>
+              <a:rPr lang="en-IN" sz="3200" dirty="0"/>
+              <a:t>var </a:t>
+            </a:r>
+            <a:r>
+              <a:rPr lang="en-IN" sz="3200" dirty="0" err="1"/>
+              <a:t>fido</a:t>
+            </a:r>
+            <a:r>
+              <a:rPr lang="en-IN" sz="3200" dirty="0"/>
+              <a:t> = new Dog('Fido');</a:t>
+            </a:r>
+          </a:p>
+          <a:p>
+            <a:endParaRPr lang="en-IN" sz="3200" dirty="0"/>
+          </a:p>
+          <a:p>
+            <a:r>
+              <a:rPr lang="en-IN" sz="3200" dirty="0"/>
+              <a:t>console.log(fido.name); // 'Fido'</a:t>
+            </a:r>
+          </a:p>
+        </p:txBody>
+      </p:sp>
+    </p:spTree>
+    <p:extLst>
+      <p:ext uri="{BB962C8B-B14F-4D97-AF65-F5344CB8AC3E}">
+        <p14:creationId xmlns:p14="http://schemas.microsoft.com/office/powerpoint/2010/main" val="114265696"/>
+      </p:ext>
+    </p:extLst>
+  </p:cSld>
+  <p:clrMapOvr>
+    <a:masterClrMapping/>
+  </p:clrMapOvr>
+</p:sld>
+</file>
+
+<file path=ppt/slides/slide6.xml><?xml version="1.0" encoding="utf-8"?>
+<p:sld xmlns:a="http://schemas.openxmlformats.org/drawingml/2006/main" xmlns:r="http://schemas.openxmlformats.org/officeDocument/2006/relationships" xmlns:p="http://schemas.openxmlformats.org/presentationml/2006/main">
+  <p:cSld>
+    <p:spTree>
+      <p:nvGrpSpPr>
+        <p:cNvPr id="1" name=""/>
+        <p:cNvGrpSpPr/>
+        <p:nvPr/>
+      </p:nvGrpSpPr>
+      <p:grpSpPr>
+        <a:xfrm>
+          <a:off x="0" y="0"/>
+          <a:ext cx="0" cy="0"/>
+          <a:chOff x="0" y="0"/>
+          <a:chExt cx="0" cy="0"/>
+        </a:xfrm>
+      </p:grpSpPr>
+      <p:sp>
+        <p:nvSpPr>
+          <p:cNvPr id="2" name="Title 1">
+            <a:extLst>
+              <a:ext uri="{FF2B5EF4-FFF2-40B4-BE49-F238E27FC236}">
                 <a16:creationId xmlns:a16="http://schemas.microsoft.com/office/drawing/2014/main" id="{490E84F3-6659-4C48-9FBE-DDD3F8B5A4A0}"/>
               </a:ext>
             </a:extLst>
@@ -5823,7 +6362,7 @@
 </p:sld>
 </file>
 
-<file path=ppt/slides/slide6.xml><?xml version="1.0" encoding="utf-8"?>
+<file path=ppt/slides/slide7.xml><?xml version="1.0" encoding="utf-8"?>
 <p:sld xmlns:a="http://schemas.openxmlformats.org/drawingml/2006/main" xmlns:r="http://schemas.openxmlformats.org/officeDocument/2006/relationships" xmlns:p="http://schemas.openxmlformats.org/presentationml/2006/main">
   <p:cSld>
     <p:spTree>
@@ -6882,150 +7421,6 @@
 </p:sld>
 </file>
 
-<file path=ppt/slides/slide7.xml><?xml version="1.0" encoding="utf-8"?>
-<p:sld xmlns:a="http://schemas.openxmlformats.org/drawingml/2006/main" xmlns:r="http://schemas.openxmlformats.org/officeDocument/2006/relationships" xmlns:p="http://schemas.openxmlformats.org/presentationml/2006/main">
-  <p:cSld>
-    <p:spTree>
-      <p:nvGrpSpPr>
-        <p:cNvPr id="1" name=""/>
-        <p:cNvGrpSpPr/>
-        <p:nvPr/>
-      </p:nvGrpSpPr>
-      <p:grpSpPr>
-        <a:xfrm>
-          <a:off x="0" y="0"/>
-          <a:ext cx="0" cy="0"/>
-          <a:chOff x="0" y="0"/>
-          <a:chExt cx="0" cy="0"/>
-        </a:xfrm>
-      </p:grpSpPr>
-      <p:sp>
-        <p:nvSpPr>
-          <p:cNvPr id="17409" name="Rectangle 1">
-            <a:extLst>
-              <a:ext uri="{FF2B5EF4-FFF2-40B4-BE49-F238E27FC236}">
-                <a16:creationId xmlns:a16="http://schemas.microsoft.com/office/drawing/2014/main" id="{1BE08D15-B6CF-4646-A502-D2717C2667D8}"/>
-              </a:ext>
-            </a:extLst>
-          </p:cNvPr>
-          <p:cNvSpPr>
-            <a:spLocks noGrp="1" noChangeArrowheads="1"/>
-          </p:cNvSpPr>
-          <p:nvPr>
-            <p:ph type="title"/>
-          </p:nvPr>
-        </p:nvSpPr>
-        <p:spPr/>
-        <p:txBody>
-          <a:bodyPr/>
-          <a:lstStyle/>
-          <a:p>
-            <a:pPr eaLnBrk="1"/>
-            <a:r>
-              <a:rPr lang="en-US" altLang="en-US" dirty="0"/>
-              <a:t>Object Life Cycle</a:t>
-            </a:r>
-          </a:p>
-        </p:txBody>
-      </p:sp>
-      <p:sp>
-        <p:nvSpPr>
-          <p:cNvPr id="17410" name="Rectangle 2">
-            <a:extLst>
-              <a:ext uri="{FF2B5EF4-FFF2-40B4-BE49-F238E27FC236}">
-                <a16:creationId xmlns:a16="http://schemas.microsoft.com/office/drawing/2014/main" id="{7BE1D4ED-1980-43DC-BFE6-3ABB3FF4B00D}"/>
-              </a:ext>
-            </a:extLst>
-          </p:cNvPr>
-          <p:cNvSpPr>
-            <a:spLocks noGrp="1" noChangeArrowheads="1"/>
-          </p:cNvSpPr>
-          <p:nvPr>
-            <p:ph idx="1"/>
-          </p:nvPr>
-        </p:nvSpPr>
-        <p:spPr>
-          <a:xfrm>
-            <a:off x="1132418" y="1943101"/>
-            <a:ext cx="9927167" cy="3619500"/>
-          </a:xfrm>
-        </p:spPr>
-        <p:txBody>
-          <a:bodyPr/>
-          <a:lstStyle/>
-          <a:p>
-            <a:pPr marL="694261" indent="-457200">
-              <a:spcBef>
-                <a:spcPts val="1733"/>
-              </a:spcBef>
-              <a:buSzPct val="171000"/>
-            </a:pPr>
-            <a:r>
-              <a:rPr lang="en-US" altLang="en-US" dirty="0"/>
-              <a:t>Objects are created, used, and discarded</a:t>
-            </a:r>
-          </a:p>
-          <a:p>
-            <a:pPr marL="694261" indent="-457200">
-              <a:spcBef>
-                <a:spcPts val="1733"/>
-              </a:spcBef>
-              <a:buSzPct val="171000"/>
-            </a:pPr>
-            <a:r>
-              <a:rPr lang="en-US" altLang="en-US" dirty="0"/>
-              <a:t>Constructors are implicit in JavaScript - natural</a:t>
-            </a:r>
-          </a:p>
-          <a:p>
-            <a:pPr marL="1329245" lvl="2" indent="-457200">
-              <a:spcBef>
-                <a:spcPts val="1733"/>
-              </a:spcBef>
-              <a:buSzPct val="171000"/>
-            </a:pPr>
-            <a:r>
-              <a:rPr lang="en-US" altLang="en-US" sz="2800" dirty="0">
-                <a:ea typeface="Gill Sans" pitchFamily="2" charset="0"/>
-              </a:rPr>
-              <a:t>A </a:t>
-            </a:r>
-            <a:r>
-              <a:rPr lang="en-US" altLang="en-US" sz="2800" b="1" dirty="0">
-                <a:ea typeface="Gill Sans" pitchFamily="2" charset="0"/>
-              </a:rPr>
-              <a:t>constructor</a:t>
-            </a:r>
-            <a:r>
-              <a:rPr lang="en-US" altLang="en-US" sz="2800" dirty="0">
-                <a:ea typeface="Gill Sans" pitchFamily="2" charset="0"/>
-              </a:rPr>
-              <a:t> in a class is a special block of statements called when an object is created</a:t>
-            </a:r>
-          </a:p>
-          <a:p>
-            <a:pPr marL="694261" indent="-457200">
-              <a:spcBef>
-                <a:spcPts val="1733"/>
-              </a:spcBef>
-              <a:buSzPct val="171000"/>
-            </a:pPr>
-            <a:r>
-              <a:rPr lang="en-US" altLang="en-US" dirty="0"/>
-              <a:t>Destructors are not provided by JavaScript</a:t>
-            </a:r>
-          </a:p>
-        </p:txBody>
-      </p:sp>
-    </p:spTree>
-  </p:cSld>
-  <p:clrMapOvr>
-    <a:masterClrMapping/>
-  </p:clrMapOvr>
-  <p:transition spd="med"/>
-</p:sld>
-</file>
-
 <file path=ppt/slides/slide8.xml><?xml version="1.0" encoding="utf-8"?>
 <p:sld xmlns:a="http://schemas.openxmlformats.org/drawingml/2006/main" xmlns:r="http://schemas.openxmlformats.org/officeDocument/2006/relationships" xmlns:p="http://schemas.openxmlformats.org/presentationml/2006/main">
   <p:cSld>
@@ -7045,10 +7440,10 @@
       </p:grpSpPr>
       <p:sp>
         <p:nvSpPr>
-          <p:cNvPr id="19457" name="Rectangle 1">
-            <a:extLst>
-              <a:ext uri="{FF2B5EF4-FFF2-40B4-BE49-F238E27FC236}">
-                <a16:creationId xmlns:a16="http://schemas.microsoft.com/office/drawing/2014/main" id="{5C510800-68A6-4292-8901-003BE0B085B9}"/>
+          <p:cNvPr id="17409" name="Rectangle 1">
+            <a:extLst>
+              <a:ext uri="{FF2B5EF4-FFF2-40B4-BE49-F238E27FC236}">
+                <a16:creationId xmlns:a16="http://schemas.microsoft.com/office/drawing/2014/main" id="{1BE08D15-B6CF-4646-A502-D2717C2667D8}"/>
               </a:ext>
             </a:extLst>
           </p:cNvPr>
@@ -7066,19 +7461,18 @@
           <a:p>
             <a:pPr eaLnBrk="1"/>
             <a:r>
-              <a:rPr lang="en-US" altLang="en-US" sz="5733" dirty="0"/>
-              <a:t>Many Instances</a:t>
-            </a:r>
-            <a:endParaRPr lang="en-US" altLang="en-US" dirty="0"/>
-          </a:p>
-        </p:txBody>
-      </p:sp>
-      <p:sp>
-        <p:nvSpPr>
-          <p:cNvPr id="19458" name="Rectangle 2">
-            <a:extLst>
-              <a:ext uri="{FF2B5EF4-FFF2-40B4-BE49-F238E27FC236}">
-                <a16:creationId xmlns:a16="http://schemas.microsoft.com/office/drawing/2014/main" id="{B9546822-54A9-4E77-8CE6-103C8002A2C2}"/>
+              <a:rPr lang="en-US" altLang="en-US" dirty="0"/>
+              <a:t>Object Life Cycle</a:t>
+            </a:r>
+          </a:p>
+        </p:txBody>
+      </p:sp>
+      <p:sp>
+        <p:nvSpPr>
+          <p:cNvPr id="17410" name="Rectangle 2">
+            <a:extLst>
+              <a:ext uri="{FF2B5EF4-FFF2-40B4-BE49-F238E27FC236}">
+                <a16:creationId xmlns:a16="http://schemas.microsoft.com/office/drawing/2014/main" id="{7BE1D4ED-1980-43DC-BFE6-3ABB3FF4B00D}"/>
               </a:ext>
             </a:extLst>
           </p:cNvPr>
@@ -7092,66 +7486,72 @@
         <p:spPr>
           <a:xfrm>
             <a:off x="1132418" y="1943101"/>
-            <a:ext cx="9927167" cy="3517900"/>
+            <a:ext cx="9927167" cy="3619500"/>
           </a:xfrm>
         </p:spPr>
         <p:txBody>
           <a:bodyPr/>
           <a:lstStyle/>
           <a:p>
-            <a:pPr marL="827597" indent="-590536">
+            <a:pPr marL="694261" indent="-457200">
               <a:spcBef>
                 <a:spcPts val="1733"/>
               </a:spcBef>
               <a:buSzPct val="171000"/>
-              <a:buFontTx/>
-              <a:buChar char="•"/>
             </a:pPr>
             <a:r>
               <a:rPr lang="en-US" altLang="en-US" dirty="0"/>
-              <a:t>We can create lots of objects - the class is the template for the object.</a:t>
-            </a:r>
-          </a:p>
-          <a:p>
-            <a:pPr marL="827597" indent="-590536">
+              <a:t>Objects are created, used, and discarded</a:t>
+            </a:r>
+          </a:p>
+          <a:p>
+            <a:pPr marL="694261" indent="-457200">
               <a:spcBef>
                 <a:spcPts val="1733"/>
               </a:spcBef>
               <a:buSzPct val="171000"/>
-              <a:buFontTx/>
-              <a:buChar char="•"/>
             </a:pPr>
             <a:r>
               <a:rPr lang="en-US" altLang="en-US" dirty="0"/>
-              <a:t>We can store each distinct object in its own variable.</a:t>
-            </a:r>
-          </a:p>
-          <a:p>
-            <a:pPr marL="827597" indent="-590536">
+              <a:t>Constructors are implicit in JavaScript - natural</a:t>
+            </a:r>
+          </a:p>
+          <a:p>
+            <a:pPr marL="1329245" lvl="2" indent="-457200">
               <a:spcBef>
                 <a:spcPts val="1733"/>
               </a:spcBef>
               <a:buSzPct val="171000"/>
-              <a:buFontTx/>
-              <a:buChar char="•"/>
             </a:pPr>
             <a:r>
-              <a:rPr lang="en-US" altLang="en-US" dirty="0"/>
-              <a:t>We call this having multiple instances of the same class.</a:t>
-            </a:r>
-          </a:p>
-          <a:p>
-            <a:pPr marL="827597" indent="-590536">
+              <a:rPr lang="en-US" altLang="en-US" sz="2800" dirty="0">
+                <a:ea typeface="Gill Sans" pitchFamily="2" charset="0"/>
+              </a:rPr>
+              <a:t>A </a:t>
+            </a:r>
+            <a:r>
+              <a:rPr lang="en-US" altLang="en-US" sz="2800" b="1" dirty="0">
+                <a:ea typeface="Gill Sans" pitchFamily="2" charset="0"/>
+              </a:rPr>
+              <a:t>constructor</a:t>
+            </a:r>
+            <a:r>
+              <a:rPr lang="en-US" altLang="en-US" sz="2800" dirty="0">
+                <a:ea typeface="Gill Sans" pitchFamily="2" charset="0"/>
+              </a:rPr>
+              <a:t> in a class is a special block of statements called when an object is created</a:t>
+            </a:r>
+          </a:p>
+          <a:p>
+            <a:pPr marL="694261" indent="-457200">
               <a:spcBef>
                 <a:spcPts val="1733"/>
               </a:spcBef>
               <a:buSzPct val="171000"/>
-              <a:buFontTx/>
-              <a:buChar char="•"/>
             </a:pPr>
             <a:r>
               <a:rPr lang="en-US" altLang="en-US" dirty="0"/>
-              <a:t>Each instance has its own copy of the instance variables.</a:t>
+              <a:t>Destructors are not provided by JavaScript</a:t>
             </a:r>
           </a:p>
         </p:txBody>
@@ -7184,275 +7584,123 @@
       </p:grpSpPr>
       <p:sp>
         <p:nvSpPr>
-          <p:cNvPr id="4" name="Rectangle 3">
-            <a:extLst>
-              <a:ext uri="{FF2B5EF4-FFF2-40B4-BE49-F238E27FC236}">
-                <a16:creationId xmlns:a16="http://schemas.microsoft.com/office/drawing/2014/main" id="{BABF947E-BD57-45D1-9A58-1A322B73CC21}"/>
-              </a:ext>
-            </a:extLst>
-          </p:cNvPr>
-          <p:cNvSpPr/>
-          <p:nvPr/>
+          <p:cNvPr id="19457" name="Rectangle 1">
+            <a:extLst>
+              <a:ext uri="{FF2B5EF4-FFF2-40B4-BE49-F238E27FC236}">
+                <a16:creationId xmlns:a16="http://schemas.microsoft.com/office/drawing/2014/main" id="{5C510800-68A6-4292-8901-003BE0B085B9}"/>
+              </a:ext>
+            </a:extLst>
+          </p:cNvPr>
+          <p:cNvSpPr>
+            <a:spLocks noGrp="1" noChangeArrowheads="1"/>
+          </p:cNvSpPr>
+          <p:nvPr>
+            <p:ph type="title"/>
+          </p:nvPr>
+        </p:nvSpPr>
+        <p:spPr/>
+        <p:txBody>
+          <a:bodyPr/>
+          <a:lstStyle/>
+          <a:p>
+            <a:pPr eaLnBrk="1"/>
+            <a:r>
+              <a:rPr lang="en-US" altLang="en-US" sz="5733" dirty="0"/>
+              <a:t>Many Instances</a:t>
+            </a:r>
+            <a:endParaRPr lang="en-US" altLang="en-US" dirty="0"/>
+          </a:p>
+        </p:txBody>
+      </p:sp>
+      <p:sp>
+        <p:nvSpPr>
+          <p:cNvPr id="19458" name="Rectangle 2">
+            <a:extLst>
+              <a:ext uri="{FF2B5EF4-FFF2-40B4-BE49-F238E27FC236}">
+                <a16:creationId xmlns:a16="http://schemas.microsoft.com/office/drawing/2014/main" id="{B9546822-54A9-4E77-8CE6-103C8002A2C2}"/>
+              </a:ext>
+            </a:extLst>
+          </p:cNvPr>
+          <p:cNvSpPr>
+            <a:spLocks noGrp="1" noChangeArrowheads="1"/>
+          </p:cNvSpPr>
+          <p:nvPr>
+            <p:ph idx="1"/>
+          </p:nvPr>
         </p:nvSpPr>
         <p:spPr>
           <a:xfrm>
-            <a:off x="721360" y="671681"/>
-            <a:ext cx="6096000" cy="3970318"/>
+            <a:off x="1132418" y="1943101"/>
+            <a:ext cx="9927167" cy="3517900"/>
           </a:xfrm>
-          <a:prstGeom prst="rect">
-            <a:avLst/>
-          </a:prstGeom>
         </p:spPr>
         <p:txBody>
-          <a:bodyPr>
-            <a:spAutoFit/>
-          </a:bodyPr>
+          <a:bodyPr/>
           <a:lstStyle/>
           <a:p>
-            <a:r>
-              <a:rPr lang="en-IN" dirty="0"/>
-              <a:t>class Rectangle {</a:t>
-            </a:r>
-          </a:p>
-          <a:p>
-            <a:r>
-              <a:rPr lang="en-IN" dirty="0"/>
-              <a:t>  constructor(height, width) {</a:t>
-            </a:r>
-          </a:p>
-          <a:p>
-            <a:r>
-              <a:rPr lang="en-IN" dirty="0"/>
-              <a:t>    </a:t>
-            </a:r>
-            <a:r>
-              <a:rPr lang="en-IN" dirty="0" err="1"/>
-              <a:t>this.height</a:t>
-            </a:r>
-            <a:r>
-              <a:rPr lang="en-IN" dirty="0"/>
-              <a:t> = height;</a:t>
-            </a:r>
-          </a:p>
-          <a:p>
-            <a:r>
-              <a:rPr lang="en-IN" dirty="0"/>
-              <a:t>    </a:t>
-            </a:r>
-            <a:r>
-              <a:rPr lang="en-IN" dirty="0" err="1"/>
-              <a:t>this.width</a:t>
-            </a:r>
-            <a:r>
-              <a:rPr lang="en-IN" dirty="0"/>
-              <a:t> = width;</a:t>
-            </a:r>
-          </a:p>
-          <a:p>
-            <a:r>
-              <a:rPr lang="en-IN" dirty="0"/>
-              <a:t>  }</a:t>
-            </a:r>
-          </a:p>
-          <a:p>
-            <a:r>
-              <a:rPr lang="en-IN" dirty="0"/>
-              <a:t>  // Getter</a:t>
-            </a:r>
-          </a:p>
-          <a:p>
-            <a:r>
-              <a:rPr lang="en-IN" dirty="0"/>
-              <a:t>  get area() {</a:t>
-            </a:r>
-          </a:p>
-          <a:p>
-            <a:r>
-              <a:rPr lang="en-IN" dirty="0"/>
-              <a:t>    return </a:t>
-            </a:r>
-            <a:r>
-              <a:rPr lang="en-IN" dirty="0" err="1"/>
-              <a:t>this.calcArea</a:t>
-            </a:r>
-            <a:r>
-              <a:rPr lang="en-IN" dirty="0"/>
-              <a:t>();</a:t>
-            </a:r>
-          </a:p>
-          <a:p>
-            <a:r>
-              <a:rPr lang="en-IN" dirty="0"/>
-              <a:t>  }</a:t>
-            </a:r>
-          </a:p>
-          <a:p>
-            <a:r>
-              <a:rPr lang="en-IN" dirty="0"/>
-              <a:t>  // Method</a:t>
-            </a:r>
-          </a:p>
-          <a:p>
-            <a:r>
-              <a:rPr lang="en-IN" dirty="0"/>
-              <a:t>  </a:t>
-            </a:r>
-            <a:r>
-              <a:rPr lang="en-IN" dirty="0" err="1"/>
-              <a:t>calcArea</a:t>
-            </a:r>
-            <a:r>
-              <a:rPr lang="en-IN" dirty="0"/>
-              <a:t>() {</a:t>
-            </a:r>
-          </a:p>
-          <a:p>
-            <a:r>
-              <a:rPr lang="en-IN" dirty="0"/>
-              <a:t>    return </a:t>
-            </a:r>
-            <a:r>
-              <a:rPr lang="en-IN" dirty="0" err="1"/>
-              <a:t>this.height</a:t>
-            </a:r>
-            <a:r>
-              <a:rPr lang="en-IN" dirty="0"/>
-              <a:t> * </a:t>
-            </a:r>
-            <a:r>
-              <a:rPr lang="en-IN" dirty="0" err="1"/>
-              <a:t>this.width</a:t>
-            </a:r>
-            <a:r>
-              <a:rPr lang="en-IN" dirty="0"/>
-              <a:t>;</a:t>
-            </a:r>
-          </a:p>
-          <a:p>
-            <a:r>
-              <a:rPr lang="en-IN" dirty="0"/>
-              <a:t>  }</a:t>
-            </a:r>
-          </a:p>
-          <a:p>
-            <a:r>
-              <a:rPr lang="en-IN" dirty="0"/>
-              <a:t>}</a:t>
-            </a:r>
-          </a:p>
-        </p:txBody>
-      </p:sp>
-      <p:sp>
-        <p:nvSpPr>
-          <p:cNvPr id="5" name="Rectangle 4">
-            <a:extLst>
-              <a:ext uri="{FF2B5EF4-FFF2-40B4-BE49-F238E27FC236}">
-                <a16:creationId xmlns:a16="http://schemas.microsoft.com/office/drawing/2014/main" id="{8A51B8A3-03D5-4202-9B01-C194524D3F04}"/>
-              </a:ext>
-            </a:extLst>
-          </p:cNvPr>
-          <p:cNvSpPr/>
-          <p:nvPr/>
-        </p:nvSpPr>
-        <p:spPr>
-          <a:xfrm>
-            <a:off x="5648960" y="1423015"/>
-            <a:ext cx="6096000" cy="923330"/>
-          </a:xfrm>
-          <a:prstGeom prst="rect">
-            <a:avLst/>
-          </a:prstGeom>
-        </p:spPr>
-        <p:txBody>
-          <a:bodyPr>
-            <a:spAutoFit/>
-          </a:bodyPr>
-          <a:lstStyle/>
-          <a:p>
-            <a:r>
-              <a:rPr lang="en-IN" dirty="0" err="1"/>
-              <a:t>const</a:t>
-            </a:r>
-            <a:r>
-              <a:rPr lang="en-IN" dirty="0"/>
-              <a:t> square = new Rectangle(10, 10);</a:t>
-            </a:r>
-          </a:p>
-          <a:p>
-            <a:endParaRPr lang="en-IN" dirty="0"/>
-          </a:p>
-          <a:p>
-            <a:r>
-              <a:rPr lang="en-IN" dirty="0"/>
-              <a:t>console.log(</a:t>
-            </a:r>
-            <a:r>
-              <a:rPr lang="en-IN" dirty="0" err="1"/>
-              <a:t>square.area</a:t>
-            </a:r>
-            <a:r>
-              <a:rPr lang="en-IN" dirty="0"/>
-              <a:t>); // 100</a:t>
-            </a:r>
-          </a:p>
-        </p:txBody>
-      </p:sp>
-      <p:sp>
-        <p:nvSpPr>
-          <p:cNvPr id="7" name="Rectangle 6">
-            <a:extLst>
-              <a:ext uri="{FF2B5EF4-FFF2-40B4-BE49-F238E27FC236}">
-                <a16:creationId xmlns:a16="http://schemas.microsoft.com/office/drawing/2014/main" id="{610F4511-AD49-4360-A43A-34DF9D3AB1EF}"/>
-              </a:ext>
-            </a:extLst>
-          </p:cNvPr>
-          <p:cNvSpPr/>
-          <p:nvPr/>
-        </p:nvSpPr>
-        <p:spPr>
-          <a:xfrm>
-            <a:off x="6268720" y="3739495"/>
-            <a:ext cx="6096000" cy="923330"/>
-          </a:xfrm>
-          <a:prstGeom prst="rect">
-            <a:avLst/>
-          </a:prstGeom>
-        </p:spPr>
-        <p:txBody>
-          <a:bodyPr>
-            <a:spAutoFit/>
-          </a:bodyPr>
-          <a:lstStyle/>
-          <a:p>
-            <a:r>
-              <a:rPr lang="en-IN" dirty="0"/>
-              <a:t>Constructor</a:t>
-            </a:r>
-          </a:p>
-          <a:p>
-            <a:r>
-              <a:rPr lang="en-IN" dirty="0"/>
-              <a:t>Getter</a:t>
-            </a:r>
-          </a:p>
-          <a:p>
-            <a:r>
-              <a:rPr lang="en-IN" dirty="0"/>
-              <a:t>new</a:t>
+            <a:pPr marL="827597" indent="-590536">
+              <a:spcBef>
+                <a:spcPts val="1733"/>
+              </a:spcBef>
+              <a:buSzPct val="171000"/>
+              <a:buFontTx/>
+              <a:buChar char="•"/>
+            </a:pPr>
+            <a:r>
+              <a:rPr lang="en-US" altLang="en-US" dirty="0"/>
+              <a:t>We can create lots of objects - the class is the template for the object.</a:t>
+            </a:r>
+          </a:p>
+          <a:p>
+            <a:pPr marL="827597" indent="-590536">
+              <a:spcBef>
+                <a:spcPts val="1733"/>
+              </a:spcBef>
+              <a:buSzPct val="171000"/>
+              <a:buFontTx/>
+              <a:buChar char="•"/>
+            </a:pPr>
+            <a:r>
+              <a:rPr lang="en-US" altLang="en-US" dirty="0"/>
+              <a:t>We can store each distinct object in its own variable.</a:t>
+            </a:r>
+          </a:p>
+          <a:p>
+            <a:pPr marL="827597" indent="-590536">
+              <a:spcBef>
+                <a:spcPts val="1733"/>
+              </a:spcBef>
+              <a:buSzPct val="171000"/>
+              <a:buFontTx/>
+              <a:buChar char="•"/>
+            </a:pPr>
+            <a:r>
+              <a:rPr lang="en-US" altLang="en-US" dirty="0"/>
+              <a:t>We call this having multiple instances of the same class.</a:t>
+            </a:r>
+          </a:p>
+          <a:p>
+            <a:pPr marL="827597" indent="-590536">
+              <a:spcBef>
+                <a:spcPts val="1733"/>
+              </a:spcBef>
+              <a:buSzPct val="171000"/>
+              <a:buFontTx/>
+              <a:buChar char="•"/>
+            </a:pPr>
+            <a:r>
+              <a:rPr lang="en-US" altLang="en-US" dirty="0"/>
+              <a:t>Each instance has its own copy of the instance variables.</a:t>
             </a:r>
           </a:p>
         </p:txBody>
       </p:sp>
     </p:spTree>
-    <p:extLst>
-      <p:ext uri="{BB962C8B-B14F-4D97-AF65-F5344CB8AC3E}">
-        <p14:creationId xmlns:p14="http://schemas.microsoft.com/office/powerpoint/2010/main" val="518625166"/>
-      </p:ext>
-    </p:extLst>
   </p:cSld>
   <p:clrMapOvr>
     <a:masterClrMapping/>
   </p:clrMapOvr>
+  <p:transition spd="med"/>
 </p:sld>
 </file>
 
@@ -8044,4 +8292,299 @@
     </a:ext>
   </a:extLst>
 </a:theme>
+</file>
+
+<file path=ppt/theme/theme3.xml><?xml version="1.0" encoding="utf-8"?>
+<a:theme xmlns:a="http://schemas.openxmlformats.org/drawingml/2006/main" name="Office Theme">
+  <a:themeElements>
+    <a:clrScheme name="Office">
+      <a:dk1>
+        <a:sysClr val="windowText" lastClr="000000"/>
+      </a:dk1>
+      <a:lt1>
+        <a:sysClr val="window" lastClr="FFFFFF"/>
+      </a:lt1>
+      <a:dk2>
+        <a:srgbClr val="44546A"/>
+      </a:dk2>
+      <a:lt2>
+        <a:srgbClr val="E7E6E6"/>
+      </a:lt2>
+      <a:accent1>
+        <a:srgbClr val="4472C4"/>
+      </a:accent1>
+      <a:accent2>
+        <a:srgbClr val="ED7D31"/>
+      </a:accent2>
+      <a:accent3>
+        <a:srgbClr val="A5A5A5"/>
+      </a:accent3>
+      <a:accent4>
+        <a:srgbClr val="FFC000"/>
+      </a:accent4>
+      <a:accent5>
+        <a:srgbClr val="5B9BD5"/>
+      </a:accent5>
+      <a:accent6>
+        <a:srgbClr val="70AD47"/>
+      </a:accent6>
+      <a:hlink>
+        <a:srgbClr val="0563C1"/>
+      </a:hlink>
+      <a:folHlink>
+        <a:srgbClr val="954F72"/>
+      </a:folHlink>
+    </a:clrScheme>
+    <a:fontScheme name="Office">
+      <a:majorFont>
+        <a:latin typeface="Calibri Light" panose="020F0302020204030204"/>
+        <a:ea typeface=""/>
+        <a:cs typeface=""/>
+        <a:font script="Jpan" typeface="游ゴシック Light"/>
+        <a:font script="Hang" typeface="맑은 고딕"/>
+        <a:font script="Hans" typeface="等线 Light"/>
+        <a:font script="Hant" typeface="新細明體"/>
+        <a:font script="Arab" typeface="Times New Roman"/>
+        <a:font script="Hebr" typeface="Times New Roman"/>
+        <a:font script="Thai" typeface="Angsana New"/>
+        <a:font script="Ethi" typeface="Nyala"/>
+        <a:font script="Beng" typeface="Vrinda"/>
+        <a:font script="Gujr" typeface="Shruti"/>
+        <a:font script="Khmr" typeface="MoolBoran"/>
+        <a:font script="Knda" typeface="Tunga"/>
+        <a:font script="Guru" typeface="Raavi"/>
+        <a:font script="Cans" typeface="Euphemia"/>
+        <a:font script="Cher" typeface="Plantagenet Cherokee"/>
+        <a:font script="Yiii" typeface="Microsoft Yi Baiti"/>
+        <a:font script="Tibt" typeface="Microsoft Himalaya"/>
+        <a:font script="Thaa" typeface="MV Boli"/>
+        <a:font script="Deva" typeface="Mangal"/>
+        <a:font script="Telu" typeface="Gautami"/>
+        <a:font script="Taml" typeface="Latha"/>
+        <a:font script="Syrc" typeface="Estrangelo Edessa"/>
+        <a:font script="Orya" typeface="Kalinga"/>
+        <a:font script="Mlym" typeface="Kartika"/>
+        <a:font script="Laoo" typeface="DokChampa"/>
+        <a:font script="Sinh" typeface="Iskoola Pota"/>
+        <a:font script="Mong" typeface="Mongolian Baiti"/>
+        <a:font script="Viet" typeface="Times New Roman"/>
+        <a:font script="Uigh" typeface="Microsoft Uighur"/>
+        <a:font script="Geor" typeface="Sylfaen"/>
+        <a:font script="Armn" typeface="Arial"/>
+        <a:font script="Bugi" typeface="Leelawadee UI"/>
+        <a:font script="Bopo" typeface="Microsoft JhengHei"/>
+        <a:font script="Java" typeface="Javanese Text"/>
+        <a:font script="Lisu" typeface="Segoe UI"/>
+        <a:font script="Mymr" typeface="Myanmar Text"/>
+        <a:font script="Nkoo" typeface="Ebrima"/>
+        <a:font script="Olck" typeface="Nirmala UI"/>
+        <a:font script="Osma" typeface="Ebrima"/>
+        <a:font script="Phag" typeface="Phagspa"/>
+        <a:font script="Syrn" typeface="Estrangelo Edessa"/>
+        <a:font script="Syrj" typeface="Estrangelo Edessa"/>
+        <a:font script="Syre" typeface="Estrangelo Edessa"/>
+        <a:font script="Sora" typeface="Nirmala UI"/>
+        <a:font script="Tale" typeface="Microsoft Tai Le"/>
+        <a:font script="Talu" typeface="Microsoft New Tai Lue"/>
+        <a:font script="Tfng" typeface="Ebrima"/>
+      </a:majorFont>
+      <a:minorFont>
+        <a:latin typeface="Calibri" panose="020F0502020204030204"/>
+        <a:ea typeface=""/>
+        <a:cs typeface=""/>
+        <a:font script="Jpan" typeface="游ゴシック"/>
+        <a:font script="Hang" typeface="맑은 고딕"/>
+        <a:font script="Hans" typeface="等线"/>
+        <a:font script="Hant" typeface="新細明體"/>
+        <a:font script="Arab" typeface="Arial"/>
+        <a:font script="Hebr" typeface="Arial"/>
+        <a:font script="Thai" typeface="Cordia New"/>
+        <a:font script="Ethi" typeface="Nyala"/>
+        <a:font script="Beng" typeface="Vrinda"/>
+        <a:font script="Gujr" typeface="Shruti"/>
+        <a:font script="Khmr" typeface="DaunPenh"/>
+        <a:font script="Knda" typeface="Tunga"/>
+        <a:font script="Guru" typeface="Raavi"/>
+        <a:font script="Cans" typeface="Euphemia"/>
+        <a:font script="Cher" typeface="Plantagenet Cherokee"/>
+        <a:font script="Yiii" typeface="Microsoft Yi Baiti"/>
+        <a:font script="Tibt" typeface="Microsoft Himalaya"/>
+        <a:font script="Thaa" typeface="MV Boli"/>
+        <a:font script="Deva" typeface="Mangal"/>
+        <a:font script="Telu" typeface="Gautami"/>
+        <a:font script="Taml" typeface="Latha"/>
+        <a:font script="Syrc" typeface="Estrangelo Edessa"/>
+        <a:font script="Orya" typeface="Kalinga"/>
+        <a:font script="Mlym" typeface="Kartika"/>
+        <a:font script="Laoo" typeface="DokChampa"/>
+        <a:font script="Sinh" typeface="Iskoola Pota"/>
+        <a:font script="Mong" typeface="Mongolian Baiti"/>
+        <a:font script="Viet" typeface="Arial"/>
+        <a:font script="Uigh" typeface="Microsoft Uighur"/>
+        <a:font script="Geor" typeface="Sylfaen"/>
+        <a:font script="Armn" typeface="Arial"/>
+        <a:font script="Bugi" typeface="Leelawadee UI"/>
+        <a:font script="Bopo" typeface="Microsoft JhengHei"/>
+        <a:font script="Java" typeface="Javanese Text"/>
+        <a:font script="Lisu" typeface="Segoe UI"/>
+        <a:font script="Mymr" typeface="Myanmar Text"/>
+        <a:font script="Nkoo" typeface="Ebrima"/>
+        <a:font script="Olck" typeface="Nirmala UI"/>
+        <a:font script="Osma" typeface="Ebrima"/>
+        <a:font script="Phag" typeface="Phagspa"/>
+        <a:font script="Syrn" typeface="Estrangelo Edessa"/>
+        <a:font script="Syrj" typeface="Estrangelo Edessa"/>
+        <a:font script="Syre" typeface="Estrangelo Edessa"/>
+        <a:font script="Sora" typeface="Nirmala UI"/>
+        <a:font script="Tale" typeface="Microsoft Tai Le"/>
+        <a:font script="Talu" typeface="Microsoft New Tai Lue"/>
+        <a:font script="Tfng" typeface="Ebrima"/>
+      </a:minorFont>
+    </a:fontScheme>
+    <a:fmtScheme name="Office">
+      <a:fillStyleLst>
+        <a:solidFill>
+          <a:schemeClr val="phClr"/>
+        </a:solidFill>
+        <a:gradFill rotWithShape="1">
+          <a:gsLst>
+            <a:gs pos="0">
+              <a:schemeClr val="phClr">
+                <a:lumMod val="110000"/>
+                <a:satMod val="105000"/>
+                <a:tint val="67000"/>
+              </a:schemeClr>
+            </a:gs>
+            <a:gs pos="50000">
+              <a:schemeClr val="phClr">
+                <a:lumMod val="105000"/>
+                <a:satMod val="103000"/>
+                <a:tint val="73000"/>
+              </a:schemeClr>
+            </a:gs>
+            <a:gs pos="100000">
+              <a:schemeClr val="phClr">
+                <a:lumMod val="105000"/>
+                <a:satMod val="109000"/>
+                <a:tint val="81000"/>
+              </a:schemeClr>
+            </a:gs>
+          </a:gsLst>
+          <a:lin ang="5400000" scaled="0"/>
+        </a:gradFill>
+        <a:gradFill rotWithShape="1">
+          <a:gsLst>
+            <a:gs pos="0">
+              <a:schemeClr val="phClr">
+                <a:satMod val="103000"/>
+                <a:lumMod val="102000"/>
+                <a:tint val="94000"/>
+              </a:schemeClr>
+            </a:gs>
+            <a:gs pos="50000">
+              <a:schemeClr val="phClr">
+                <a:satMod val="110000"/>
+                <a:lumMod val="100000"/>
+                <a:shade val="100000"/>
+              </a:schemeClr>
+            </a:gs>
+            <a:gs pos="100000">
+              <a:schemeClr val="phClr">
+                <a:lumMod val="99000"/>
+                <a:satMod val="120000"/>
+                <a:shade val="78000"/>
+              </a:schemeClr>
+            </a:gs>
+          </a:gsLst>
+          <a:lin ang="5400000" scaled="0"/>
+        </a:gradFill>
+      </a:fillStyleLst>
+      <a:lnStyleLst>
+        <a:ln w="6350" cap="flat" cmpd="sng" algn="ctr">
+          <a:solidFill>
+            <a:schemeClr val="phClr"/>
+          </a:solidFill>
+          <a:prstDash val="solid"/>
+          <a:miter lim="800000"/>
+        </a:ln>
+        <a:ln w="12700" cap="flat" cmpd="sng" algn="ctr">
+          <a:solidFill>
+            <a:schemeClr val="phClr"/>
+          </a:solidFill>
+          <a:prstDash val="solid"/>
+          <a:miter lim="800000"/>
+        </a:ln>
+        <a:ln w="19050" cap="flat" cmpd="sng" algn="ctr">
+          <a:solidFill>
+            <a:schemeClr val="phClr"/>
+          </a:solidFill>
+          <a:prstDash val="solid"/>
+          <a:miter lim="800000"/>
+        </a:ln>
+      </a:lnStyleLst>
+      <a:effectStyleLst>
+        <a:effectStyle>
+          <a:effectLst/>
+        </a:effectStyle>
+        <a:effectStyle>
+          <a:effectLst/>
+        </a:effectStyle>
+        <a:effectStyle>
+          <a:effectLst>
+            <a:outerShdw blurRad="57150" dist="19050" dir="5400000" algn="ctr" rotWithShape="0">
+              <a:srgbClr val="000000">
+                <a:alpha val="63000"/>
+              </a:srgbClr>
+            </a:outerShdw>
+          </a:effectLst>
+        </a:effectStyle>
+      </a:effectStyleLst>
+      <a:bgFillStyleLst>
+        <a:solidFill>
+          <a:schemeClr val="phClr"/>
+        </a:solidFill>
+        <a:solidFill>
+          <a:schemeClr val="phClr">
+            <a:tint val="95000"/>
+            <a:satMod val="170000"/>
+          </a:schemeClr>
+        </a:solidFill>
+        <a:gradFill rotWithShape="1">
+          <a:gsLst>
+            <a:gs pos="0">
+              <a:schemeClr val="phClr">
+                <a:tint val="93000"/>
+                <a:satMod val="150000"/>
+                <a:shade val="98000"/>
+                <a:lumMod val="102000"/>
+              </a:schemeClr>
+            </a:gs>
+            <a:gs pos="50000">
+              <a:schemeClr val="phClr">
+                <a:tint val="98000"/>
+                <a:satMod val="130000"/>
+                <a:shade val="90000"/>
+                <a:lumMod val="103000"/>
+              </a:schemeClr>
+            </a:gs>
+            <a:gs pos="100000">
+              <a:schemeClr val="phClr">
+                <a:shade val="63000"/>
+                <a:satMod val="120000"/>
+              </a:schemeClr>
+            </a:gs>
+          </a:gsLst>
+          <a:lin ang="5400000" scaled="0"/>
+        </a:gradFill>
+      </a:bgFillStyleLst>
+    </a:fmtScheme>
+  </a:themeElements>
+  <a:objectDefaults/>
+  <a:extraClrSchemeLst/>
+  <a:extLst>
+    <a:ext uri="{05A4C25C-085E-4340-85A3-A5531E510DB2}">
+      <thm15:themeFamily xmlns:thm15="http://schemas.microsoft.com/office/thememl/2012/main" name="Office Theme" id="{62F939B6-93AF-4DB8-9C6B-D6C7DFDC589F}" vid="{4A3C46E8-61CC-4603-A589-7422A47A8E4A}"/>
+    </a:ext>
+  </a:extLst>
+</a:theme>
 </file>